--- a/doc/PyBrOpt_architecture_xlarge.pptx
+++ b/doc/PyBrOpt_architecture_xlarge.pptx
@@ -1694,7 +1694,7 @@
                 </a:solidFill>
                 <a:latin typeface="Calibri"/>
               </a:rPr>
-              <a:t>12/28/2020</a:t>
+              <a:t>1/7/2021</a:t>
             </a:fld>
             <a:endParaRPr lang="en-US" sz="3000" b="0" strike="noStrike" spc="-1">
               <a:latin typeface="Times New Roman"/>
@@ -2103,8 +2103,8 @@
         </p:nvSpPr>
         <p:spPr>
           <a:xfrm>
-            <a:off x="7097760" y="327240"/>
-            <a:ext cx="4262400" cy="1863720"/>
+            <a:off x="8483611" y="327240"/>
+            <a:ext cx="5758988" cy="1863720"/>
           </a:xfrm>
           <a:prstGeom prst="rect">
             <a:avLst/>
@@ -2141,8 +2141,8 @@
         </p:nvSpPr>
         <p:spPr>
           <a:xfrm>
-            <a:off x="889200" y="2949120"/>
-            <a:ext cx="20951640" cy="6397920"/>
+            <a:off x="2260793" y="2551171"/>
+            <a:ext cx="18203133" cy="6397920"/>
           </a:xfrm>
           <a:prstGeom prst="rect">
             <a:avLst/>
@@ -2177,8 +2177,8 @@
         </p:nvSpPr>
         <p:spPr>
           <a:xfrm>
-            <a:off x="417960" y="16575480"/>
-            <a:ext cx="14255280" cy="5866200"/>
+            <a:off x="1422414" y="15951458"/>
+            <a:ext cx="19879726" cy="5274476"/>
           </a:xfrm>
           <a:prstGeom prst="rect">
             <a:avLst/>
@@ -2213,7 +2213,7 @@
         </p:nvSpPr>
         <p:spPr>
           <a:xfrm>
-            <a:off x="417960" y="9994320"/>
+            <a:off x="3931635" y="9384698"/>
             <a:ext cx="14856120" cy="6101640"/>
           </a:xfrm>
           <a:prstGeom prst="rect">
@@ -2241,535 +2241,6 @@
           <a:fontRef idx="minor"/>
         </p:style>
       </p:sp>
-      <p:grpSp>
-        <p:nvGrpSpPr>
-          <p:cNvPr id="43" name="Group 5"/>
-          <p:cNvGrpSpPr/>
-          <p:nvPr/>
-        </p:nvGrpSpPr>
-        <p:grpSpPr>
-          <a:xfrm>
-            <a:off x="1042200" y="7126200"/>
-            <a:ext cx="2521800" cy="1188000"/>
-            <a:chOff x="1042200" y="7126200"/>
-            <a:chExt cx="2521800" cy="1188000"/>
-          </a:xfrm>
-        </p:grpSpPr>
-        <p:sp>
-          <p:nvSpPr>
-            <p:cNvPr id="44" name="CustomShape 6"/>
-            <p:cNvSpPr/>
-            <p:nvPr/>
-          </p:nvSpPr>
-          <p:spPr>
-            <a:xfrm>
-              <a:off x="1042200" y="7126200"/>
-              <a:ext cx="2521800" cy="1188000"/>
-            </a:xfrm>
-            <a:prstGeom prst="rect">
-              <a:avLst/>
-            </a:prstGeom>
-            <a:solidFill>
-              <a:schemeClr val="accent6">
-                <a:alpha val="50000"/>
-              </a:schemeClr>
-            </a:solidFill>
-            <a:ln w="0">
-              <a:noFill/>
-            </a:ln>
-          </p:spPr>
-          <p:style>
-            <a:lnRef idx="0">
-              <a:scrgbClr r="0" g="0" b="0"/>
-            </a:lnRef>
-            <a:fillRef idx="0">
-              <a:scrgbClr r="0" g="0" b="0"/>
-            </a:fillRef>
-            <a:effectRef idx="0">
-              <a:scrgbClr r="0" g="0" b="0"/>
-            </a:effectRef>
-            <a:fontRef idx="minor"/>
-          </p:style>
-        </p:sp>
-        <p:grpSp>
-          <p:nvGrpSpPr>
-            <p:cNvPr id="45" name="Group 7"/>
-            <p:cNvGrpSpPr/>
-            <p:nvPr/>
-          </p:nvGrpSpPr>
-          <p:grpSpPr>
-            <a:xfrm>
-              <a:off x="1093320" y="7181640"/>
-              <a:ext cx="2396520" cy="1069560"/>
-              <a:chOff x="1093320" y="7181640"/>
-              <a:chExt cx="2396520" cy="1069560"/>
-            </a:xfrm>
-          </p:grpSpPr>
-          <p:sp>
-            <p:nvSpPr>
-              <p:cNvPr id="46" name="CustomShape 8"/>
-              <p:cNvSpPr/>
-              <p:nvPr/>
-            </p:nvSpPr>
-            <p:spPr>
-              <a:xfrm>
-                <a:off x="1093320" y="7616160"/>
-                <a:ext cx="762120" cy="182520"/>
-              </a:xfrm>
-              <a:prstGeom prst="rect">
-                <a:avLst/>
-              </a:prstGeom>
-              <a:solidFill>
-                <a:srgbClr val="ED7D31"/>
-              </a:solidFill>
-              <a:ln>
-                <a:solidFill>
-                  <a:srgbClr val="AF5C24"/>
-                </a:solidFill>
-              </a:ln>
-            </p:spPr>
-            <p:style>
-              <a:lnRef idx="2">
-                <a:schemeClr val="accent2">
-                  <a:shade val="50000"/>
-                </a:schemeClr>
-              </a:lnRef>
-              <a:fillRef idx="1">
-                <a:schemeClr val="accent2"/>
-              </a:fillRef>
-              <a:effectRef idx="0">
-                <a:schemeClr val="accent2"/>
-              </a:effectRef>
-              <a:fontRef idx="minor"/>
-            </p:style>
-            <p:txBody>
-              <a:bodyPr lIns="90000" tIns="45000" rIns="90000" bIns="45000" anchor="ctr">
-                <a:noAutofit/>
-              </a:bodyPr>
-              <a:lstStyle/>
-              <a:p>
-                <a:pPr algn="ctr">
-                  <a:lnSpc>
-                    <a:spcPct val="100000"/>
-                  </a:lnSpc>
-                </a:pPr>
-                <a:r>
-                  <a:rPr lang="en-US" sz="1200" b="0" strike="noStrike" spc="-1">
-                    <a:solidFill>
-                      <a:srgbClr val="FFFFFF"/>
-                    </a:solidFill>
-                    <a:latin typeface="Calibri"/>
-                  </a:rPr>
-                  <a:t>LDMatrix</a:t>
-                </a:r>
-                <a:endParaRPr lang="en-US" sz="1200" b="0" strike="noStrike" spc="-1">
-                  <a:latin typeface="Arial"/>
-                </a:endParaRPr>
-              </a:p>
-            </p:txBody>
-          </p:sp>
-          <p:sp>
-            <p:nvSpPr>
-              <p:cNvPr id="47" name="CustomShape 9"/>
-              <p:cNvSpPr/>
-              <p:nvPr/>
-            </p:nvSpPr>
-            <p:spPr>
-              <a:xfrm>
-                <a:off x="2145960" y="7181640"/>
-                <a:ext cx="1343880" cy="182520"/>
-              </a:xfrm>
-              <a:prstGeom prst="rect">
-                <a:avLst/>
-              </a:prstGeom>
-              <a:solidFill>
-                <a:srgbClr val="4472C4"/>
-              </a:solidFill>
-              <a:ln>
-                <a:solidFill>
-                  <a:srgbClr val="325490"/>
-                </a:solidFill>
-              </a:ln>
-            </p:spPr>
-            <p:style>
-              <a:lnRef idx="2">
-                <a:schemeClr val="accent1">
-                  <a:shade val="50000"/>
-                </a:schemeClr>
-              </a:lnRef>
-              <a:fillRef idx="1">
-                <a:schemeClr val="accent1"/>
-              </a:fillRef>
-              <a:effectRef idx="0">
-                <a:schemeClr val="accent1"/>
-              </a:effectRef>
-              <a:fontRef idx="minor"/>
-            </p:style>
-            <p:txBody>
-              <a:bodyPr lIns="90000" tIns="45000" rIns="90000" bIns="45000" anchor="ctr">
-                <a:noAutofit/>
-              </a:bodyPr>
-              <a:lstStyle/>
-              <a:p>
-                <a:pPr algn="ctr">
-                  <a:lnSpc>
-                    <a:spcPct val="100000"/>
-                  </a:lnSpc>
-                </a:pPr>
-                <a:r>
-                  <a:rPr lang="en-US" sz="1200" b="0" strike="noStrike" spc="-1">
-                    <a:solidFill>
-                      <a:srgbClr val="FFFFFF"/>
-                    </a:solidFill>
-                    <a:latin typeface="Calibri"/>
-                  </a:rPr>
-                  <a:t>R_LDMatrix</a:t>
-                </a:r>
-                <a:endParaRPr lang="en-US" sz="1200" b="0" strike="noStrike" spc="-1">
-                  <a:latin typeface="Arial"/>
-                </a:endParaRPr>
-              </a:p>
-            </p:txBody>
-          </p:sp>
-          <p:sp>
-            <p:nvSpPr>
-              <p:cNvPr id="48" name="CustomShape 10"/>
-              <p:cNvSpPr/>
-              <p:nvPr/>
-            </p:nvSpPr>
-            <p:spPr>
-              <a:xfrm>
-                <a:off x="2145960" y="7477200"/>
-                <a:ext cx="1343880" cy="182520"/>
-              </a:xfrm>
-              <a:prstGeom prst="rect">
-                <a:avLst/>
-              </a:prstGeom>
-              <a:solidFill>
-                <a:srgbClr val="4472C4"/>
-              </a:solidFill>
-              <a:ln>
-                <a:solidFill>
-                  <a:srgbClr val="325490"/>
-                </a:solidFill>
-              </a:ln>
-            </p:spPr>
-            <p:style>
-              <a:lnRef idx="2">
-                <a:schemeClr val="accent1">
-                  <a:shade val="50000"/>
-                </a:schemeClr>
-              </a:lnRef>
-              <a:fillRef idx="1">
-                <a:schemeClr val="accent1"/>
-              </a:fillRef>
-              <a:effectRef idx="0">
-                <a:schemeClr val="accent1"/>
-              </a:effectRef>
-              <a:fontRef idx="minor"/>
-            </p:style>
-            <p:txBody>
-              <a:bodyPr lIns="90000" tIns="45000" rIns="90000" bIns="45000" anchor="ctr">
-                <a:noAutofit/>
-              </a:bodyPr>
-              <a:lstStyle/>
-              <a:p>
-                <a:pPr algn="ctr">
-                  <a:lnSpc>
-                    <a:spcPct val="100000"/>
-                  </a:lnSpc>
-                </a:pPr>
-                <a:r>
-                  <a:rPr lang="en-US" sz="1200" b="0" strike="noStrike" spc="-1">
-                    <a:solidFill>
-                      <a:srgbClr val="FFFFFF"/>
-                    </a:solidFill>
-                    <a:latin typeface="Calibri"/>
-                  </a:rPr>
-                  <a:t>Rsq_LDMatrix</a:t>
-                </a:r>
-                <a:endParaRPr lang="en-US" sz="1200" b="0" strike="noStrike" spc="-1">
-                  <a:latin typeface="Arial"/>
-                </a:endParaRPr>
-              </a:p>
-            </p:txBody>
-          </p:sp>
-          <p:sp>
-            <p:nvSpPr>
-              <p:cNvPr id="49" name="CustomShape 11"/>
-              <p:cNvSpPr/>
-              <p:nvPr/>
-            </p:nvSpPr>
-            <p:spPr>
-              <a:xfrm>
-                <a:off x="2145960" y="7772760"/>
-                <a:ext cx="1343880" cy="182520"/>
-              </a:xfrm>
-              <a:prstGeom prst="rect">
-                <a:avLst/>
-              </a:prstGeom>
-              <a:solidFill>
-                <a:srgbClr val="4472C4"/>
-              </a:solidFill>
-              <a:ln>
-                <a:solidFill>
-                  <a:srgbClr val="325490"/>
-                </a:solidFill>
-              </a:ln>
-            </p:spPr>
-            <p:style>
-              <a:lnRef idx="2">
-                <a:schemeClr val="accent1">
-                  <a:shade val="50000"/>
-                </a:schemeClr>
-              </a:lnRef>
-              <a:fillRef idx="1">
-                <a:schemeClr val="accent1"/>
-              </a:fillRef>
-              <a:effectRef idx="0">
-                <a:schemeClr val="accent1"/>
-              </a:effectRef>
-              <a:fontRef idx="minor"/>
-            </p:style>
-            <p:txBody>
-              <a:bodyPr lIns="90000" tIns="45000" rIns="90000" bIns="45000" anchor="ctr">
-                <a:noAutofit/>
-              </a:bodyPr>
-              <a:lstStyle/>
-              <a:p>
-                <a:pPr algn="ctr">
-                  <a:lnSpc>
-                    <a:spcPct val="100000"/>
-                  </a:lnSpc>
-                </a:pPr>
-                <a:r>
-                  <a:rPr lang="en-US" sz="1200" b="0" strike="noStrike" spc="-1">
-                    <a:solidFill>
-                      <a:srgbClr val="FFFFFF"/>
-                    </a:solidFill>
-                    <a:latin typeface="Calibri"/>
-                  </a:rPr>
-                  <a:t>D_LDMatrix</a:t>
-                </a:r>
-                <a:endParaRPr lang="en-US" sz="1200" b="0" strike="noStrike" spc="-1">
-                  <a:latin typeface="Arial"/>
-                </a:endParaRPr>
-              </a:p>
-            </p:txBody>
-          </p:sp>
-          <p:sp>
-            <p:nvSpPr>
-              <p:cNvPr id="50" name="CustomShape 12"/>
-              <p:cNvSpPr/>
-              <p:nvPr/>
-            </p:nvSpPr>
-            <p:spPr>
-              <a:xfrm>
-                <a:off x="2145960" y="8068680"/>
-                <a:ext cx="1343880" cy="182520"/>
-              </a:xfrm>
-              <a:prstGeom prst="rect">
-                <a:avLst/>
-              </a:prstGeom>
-              <a:solidFill>
-                <a:srgbClr val="4472C4"/>
-              </a:solidFill>
-              <a:ln>
-                <a:solidFill>
-                  <a:srgbClr val="325490"/>
-                </a:solidFill>
-              </a:ln>
-            </p:spPr>
-            <p:style>
-              <a:lnRef idx="2">
-                <a:schemeClr val="accent1">
-                  <a:shade val="50000"/>
-                </a:schemeClr>
-              </a:lnRef>
-              <a:fillRef idx="1">
-                <a:schemeClr val="accent1"/>
-              </a:fillRef>
-              <a:effectRef idx="0">
-                <a:schemeClr val="accent1"/>
-              </a:effectRef>
-              <a:fontRef idx="minor"/>
-            </p:style>
-            <p:txBody>
-              <a:bodyPr lIns="90000" tIns="45000" rIns="90000" bIns="45000" anchor="ctr">
-                <a:noAutofit/>
-              </a:bodyPr>
-              <a:lstStyle/>
-              <a:p>
-                <a:pPr algn="ctr">
-                  <a:lnSpc>
-                    <a:spcPct val="100000"/>
-                  </a:lnSpc>
-                </a:pPr>
-                <a:r>
-                  <a:rPr lang="en-US" sz="1200" b="0" strike="noStrike" spc="-1">
-                    <a:solidFill>
-                      <a:srgbClr val="FFFFFF"/>
-                    </a:solidFill>
-                    <a:latin typeface="Calibri"/>
-                  </a:rPr>
-                  <a:t>Dprime_LDMatrix</a:t>
-                </a:r>
-                <a:endParaRPr lang="en-US" sz="1200" b="0" strike="noStrike" spc="-1">
-                  <a:latin typeface="Arial"/>
-                </a:endParaRPr>
-              </a:p>
-            </p:txBody>
-          </p:sp>
-          <p:sp>
-            <p:nvSpPr>
-              <p:cNvPr id="51" name="CustomShape 13"/>
-              <p:cNvSpPr/>
-              <p:nvPr/>
-            </p:nvSpPr>
-            <p:spPr>
-              <a:xfrm rot="10800000" flipV="1">
-                <a:off x="1856160" y="7273440"/>
-                <a:ext cx="289800" cy="434160"/>
-              </a:xfrm>
-              <a:prstGeom prst="bentConnector3">
-                <a:avLst>
-                  <a:gd name="adj1" fmla="val 50000"/>
-                </a:avLst>
-              </a:prstGeom>
-              <a:noFill/>
-              <a:ln>
-                <a:solidFill>
-                  <a:srgbClr val="4472C4"/>
-                </a:solidFill>
-                <a:tailEnd type="triangle" w="med" len="med"/>
-              </a:ln>
-            </p:spPr>
-            <p:style>
-              <a:lnRef idx="1">
-                <a:schemeClr val="accent1"/>
-              </a:lnRef>
-              <a:fillRef idx="0">
-                <a:schemeClr val="accent1"/>
-              </a:fillRef>
-              <a:effectRef idx="0">
-                <a:schemeClr val="accent1"/>
-              </a:effectRef>
-              <a:fontRef idx="minor"/>
-            </p:style>
-          </p:sp>
-          <p:sp>
-            <p:nvSpPr>
-              <p:cNvPr id="52" name="CustomShape 14"/>
-              <p:cNvSpPr/>
-              <p:nvPr/>
-            </p:nvSpPr>
-            <p:spPr>
-              <a:xfrm rot="10800000" flipV="1">
-                <a:off x="1856160" y="7568280"/>
-                <a:ext cx="289800" cy="138600"/>
-              </a:xfrm>
-              <a:prstGeom prst="bentConnector3">
-                <a:avLst>
-                  <a:gd name="adj1" fmla="val 50000"/>
-                </a:avLst>
-              </a:prstGeom>
-              <a:noFill/>
-              <a:ln>
-                <a:solidFill>
-                  <a:srgbClr val="4472C4"/>
-                </a:solidFill>
-                <a:tailEnd type="triangle" w="med" len="med"/>
-              </a:ln>
-            </p:spPr>
-            <p:style>
-              <a:lnRef idx="1">
-                <a:schemeClr val="accent1"/>
-              </a:lnRef>
-              <a:fillRef idx="0">
-                <a:schemeClr val="accent1"/>
-              </a:fillRef>
-              <a:effectRef idx="0">
-                <a:schemeClr val="accent1"/>
-              </a:effectRef>
-              <a:fontRef idx="minor"/>
-            </p:style>
-          </p:sp>
-          <p:sp>
-            <p:nvSpPr>
-              <p:cNvPr id="53" name="CustomShape 15"/>
-              <p:cNvSpPr/>
-              <p:nvPr/>
-            </p:nvSpPr>
-            <p:spPr>
-              <a:xfrm rot="10800000">
-                <a:off x="1856160" y="7707600"/>
-                <a:ext cx="289800" cy="156600"/>
-              </a:xfrm>
-              <a:prstGeom prst="bentConnector3">
-                <a:avLst>
-                  <a:gd name="adj1" fmla="val 50000"/>
-                </a:avLst>
-              </a:prstGeom>
-              <a:noFill/>
-              <a:ln>
-                <a:solidFill>
-                  <a:srgbClr val="4472C4"/>
-                </a:solidFill>
-                <a:tailEnd type="triangle" w="med" len="med"/>
-              </a:ln>
-            </p:spPr>
-            <p:style>
-              <a:lnRef idx="1">
-                <a:schemeClr val="accent1"/>
-              </a:lnRef>
-              <a:fillRef idx="0">
-                <a:schemeClr val="accent1"/>
-              </a:fillRef>
-              <a:effectRef idx="0">
-                <a:schemeClr val="accent1"/>
-              </a:effectRef>
-              <a:fontRef idx="minor"/>
-            </p:style>
-          </p:sp>
-          <p:sp>
-            <p:nvSpPr>
-              <p:cNvPr id="54" name="CustomShape 16"/>
-              <p:cNvSpPr/>
-              <p:nvPr/>
-            </p:nvSpPr>
-            <p:spPr>
-              <a:xfrm rot="10800000">
-                <a:off x="1856160" y="7707960"/>
-                <a:ext cx="289800" cy="452160"/>
-              </a:xfrm>
-              <a:prstGeom prst="bentConnector3">
-                <a:avLst>
-                  <a:gd name="adj1" fmla="val 50000"/>
-                </a:avLst>
-              </a:prstGeom>
-              <a:noFill/>
-              <a:ln>
-                <a:solidFill>
-                  <a:srgbClr val="4472C4"/>
-                </a:solidFill>
-                <a:tailEnd type="triangle" w="med" len="med"/>
-              </a:ln>
-            </p:spPr>
-            <p:style>
-              <a:lnRef idx="1">
-                <a:schemeClr val="accent1"/>
-              </a:lnRef>
-              <a:fillRef idx="0">
-                <a:schemeClr val="accent1"/>
-              </a:fillRef>
-              <a:effectRef idx="0">
-                <a:schemeClr val="accent1"/>
-              </a:effectRef>
-              <a:fontRef idx="minor"/>
-            </p:style>
-          </p:sp>
-        </p:grpSp>
-      </p:grpSp>
       <p:sp>
         <p:nvSpPr>
           <p:cNvPr id="55" name="CustomShape 17"/>
@@ -2778,45 +2249,8 @@
         </p:nvSpPr>
         <p:spPr>
           <a:xfrm rot="16200000" flipV="1">
-            <a:off x="10041120" y="2112120"/>
+            <a:off x="11412713" y="1714171"/>
             <a:ext cx="746640" cy="5708160"/>
-          </a:xfrm>
-          <a:prstGeom prst="bentConnector3">
-            <a:avLst>
-              <a:gd name="adj1" fmla="val 50000"/>
-            </a:avLst>
-          </a:prstGeom>
-          <a:noFill/>
-          <a:ln w="12700">
-            <a:solidFill>
-              <a:schemeClr val="accent6"/>
-            </a:solidFill>
-            <a:tailEnd type="triangle" w="med" len="med"/>
-          </a:ln>
-        </p:spPr>
-        <p:style>
-          <a:lnRef idx="1">
-            <a:schemeClr val="accent1"/>
-          </a:lnRef>
-          <a:fillRef idx="0">
-            <a:schemeClr val="accent1"/>
-          </a:fillRef>
-          <a:effectRef idx="0">
-            <a:schemeClr val="accent1"/>
-          </a:effectRef>
-          <a:fontRef idx="minor"/>
-        </p:style>
-      </p:sp>
-      <p:sp>
-        <p:nvSpPr>
-          <p:cNvPr id="97" name="CustomShape 59"/>
-          <p:cNvSpPr/>
-          <p:nvPr/>
-        </p:nvSpPr>
-        <p:spPr>
-          <a:xfrm flipV="1">
-            <a:off x="3564360" y="5749920"/>
-            <a:ext cx="4254120" cy="1968840"/>
           </a:xfrm>
           <a:prstGeom prst="bentConnector3">
             <a:avLst>
@@ -2852,7 +2286,7 @@
         </p:nvSpPr>
         <p:spPr>
           <a:xfrm flipV="1">
-            <a:off x="7068240" y="5751000"/>
+            <a:off x="8439833" y="5353051"/>
             <a:ext cx="750240" cy="3088080"/>
           </a:xfrm>
           <a:prstGeom prst="bentConnector3">
@@ -2889,7 +2323,7 @@
         </p:nvSpPr>
         <p:spPr>
           <a:xfrm>
-            <a:off x="9783000" y="3327840"/>
+            <a:off x="11154593" y="2929891"/>
             <a:ext cx="1214280" cy="433080"/>
           </a:xfrm>
           <a:prstGeom prst="rect">
@@ -2946,7 +2380,7 @@
         </p:nvSpPr>
         <p:spPr>
           <a:xfrm>
-            <a:off x="3204720" y="10442160"/>
+            <a:off x="6718395" y="9832538"/>
             <a:ext cx="1042200" cy="433080"/>
           </a:xfrm>
           <a:prstGeom prst="rect">
@@ -3003,7 +2437,7 @@
         </p:nvSpPr>
         <p:spPr>
           <a:xfrm>
-            <a:off x="3712425" y="16722000"/>
+            <a:off x="3830033" y="16291781"/>
             <a:ext cx="1042200" cy="433080"/>
           </a:xfrm>
           <a:prstGeom prst="rect">
@@ -3052,63 +2486,613 @@
           </a:p>
         </p:txBody>
       </p:sp>
-      <p:sp>
-        <p:nvSpPr>
-          <p:cNvPr id="106" name="CustomShape 68"/>
-          <p:cNvSpPr/>
+      <p:grpSp>
+        <p:nvGrpSpPr>
+          <p:cNvPr id="3" name="Group 2">
+            <a:extLst>
+              <a:ext uri="{FF2B5EF4-FFF2-40B4-BE49-F238E27FC236}">
+                <a16:creationId xmlns:a16="http://schemas.microsoft.com/office/drawing/2014/main" id="{1B4A0996-67D9-4117-AB7D-52248F226A30}"/>
+              </a:ext>
+            </a:extLst>
+          </p:cNvPr>
+          <p:cNvGrpSpPr/>
           <p:nvPr/>
-        </p:nvSpPr>
-        <p:spPr>
+        </p:nvGrpSpPr>
+        <p:grpSpPr>
           <a:xfrm>
-            <a:off x="758880" y="7221960"/>
-            <a:ext cx="1278360" cy="272880"/>
+            <a:off x="4132921" y="4759774"/>
+            <a:ext cx="2875264" cy="1188000"/>
+            <a:chOff x="987120" y="7126200"/>
+            <a:chExt cx="2875264" cy="1188000"/>
           </a:xfrm>
-          <a:prstGeom prst="rect">
-            <a:avLst/>
-          </a:prstGeom>
-          <a:noFill/>
-          <a:ln w="0">
+        </p:grpSpPr>
+        <p:grpSp>
+          <p:nvGrpSpPr>
+            <p:cNvPr id="43" name="Group 5"/>
+            <p:cNvGrpSpPr/>
+            <p:nvPr/>
+          </p:nvGrpSpPr>
+          <p:grpSpPr>
+            <a:xfrm>
+              <a:off x="987120" y="7126200"/>
+              <a:ext cx="2875264" cy="1188000"/>
+              <a:chOff x="688736" y="7126200"/>
+              <a:chExt cx="2875264" cy="1188000"/>
+            </a:xfrm>
+          </p:grpSpPr>
+          <p:sp>
+            <p:nvSpPr>
+              <p:cNvPr id="44" name="CustomShape 6"/>
+              <p:cNvSpPr/>
+              <p:nvPr/>
+            </p:nvSpPr>
+            <p:spPr>
+              <a:xfrm>
+                <a:off x="688736" y="7126200"/>
+                <a:ext cx="2875264" cy="1188000"/>
+              </a:xfrm>
+              <a:prstGeom prst="rect">
+                <a:avLst/>
+              </a:prstGeom>
+              <a:solidFill>
+                <a:schemeClr val="accent6">
+                  <a:alpha val="50000"/>
+                </a:schemeClr>
+              </a:solidFill>
+              <a:ln w="0">
+                <a:noFill/>
+              </a:ln>
+            </p:spPr>
+            <p:style>
+              <a:lnRef idx="0">
+                <a:scrgbClr r="0" g="0" b="0"/>
+              </a:lnRef>
+              <a:fillRef idx="0">
+                <a:scrgbClr r="0" g="0" b="0"/>
+              </a:fillRef>
+              <a:effectRef idx="0">
+                <a:scrgbClr r="0" g="0" b="0"/>
+              </a:effectRef>
+              <a:fontRef idx="minor"/>
+            </p:style>
+          </p:sp>
+          <p:grpSp>
+            <p:nvGrpSpPr>
+              <p:cNvPr id="45" name="Group 7"/>
+              <p:cNvGrpSpPr/>
+              <p:nvPr/>
+            </p:nvGrpSpPr>
+            <p:grpSpPr>
+              <a:xfrm>
+                <a:off x="1093320" y="7181640"/>
+                <a:ext cx="2396520" cy="1069560"/>
+                <a:chOff x="1093320" y="7181640"/>
+                <a:chExt cx="2396520" cy="1069560"/>
+              </a:xfrm>
+            </p:grpSpPr>
+            <p:sp>
+              <p:nvSpPr>
+                <p:cNvPr id="46" name="CustomShape 8"/>
+                <p:cNvSpPr/>
+                <p:nvPr/>
+              </p:nvSpPr>
+              <p:spPr>
+                <a:xfrm>
+                  <a:off x="1093320" y="7616160"/>
+                  <a:ext cx="762120" cy="182520"/>
+                </a:xfrm>
+                <a:prstGeom prst="rect">
+                  <a:avLst/>
+                </a:prstGeom>
+                <a:solidFill>
+                  <a:srgbClr val="ED7D31"/>
+                </a:solidFill>
+                <a:ln>
+                  <a:solidFill>
+                    <a:srgbClr val="AF5C24"/>
+                  </a:solidFill>
+                </a:ln>
+              </p:spPr>
+              <p:style>
+                <a:lnRef idx="2">
+                  <a:schemeClr val="accent2">
+                    <a:shade val="50000"/>
+                  </a:schemeClr>
+                </a:lnRef>
+                <a:fillRef idx="1">
+                  <a:schemeClr val="accent2"/>
+                </a:fillRef>
+                <a:effectRef idx="0">
+                  <a:schemeClr val="accent2"/>
+                </a:effectRef>
+                <a:fontRef idx="minor"/>
+              </p:style>
+              <p:txBody>
+                <a:bodyPr lIns="90000" tIns="45000" rIns="90000" bIns="45000" anchor="ctr">
+                  <a:noAutofit/>
+                </a:bodyPr>
+                <a:lstStyle/>
+                <a:p>
+                  <a:pPr algn="ctr">
+                    <a:lnSpc>
+                      <a:spcPct val="100000"/>
+                    </a:lnSpc>
+                  </a:pPr>
+                  <a:r>
+                    <a:rPr lang="en-US" sz="1200" b="0" strike="noStrike" spc="-1">
+                      <a:solidFill>
+                        <a:srgbClr val="FFFFFF"/>
+                      </a:solidFill>
+                      <a:latin typeface="Calibri"/>
+                    </a:rPr>
+                    <a:t>LDMatrix</a:t>
+                  </a:r>
+                  <a:endParaRPr lang="en-US" sz="1200" b="0" strike="noStrike" spc="-1">
+                    <a:latin typeface="Arial"/>
+                  </a:endParaRPr>
+                </a:p>
+              </p:txBody>
+            </p:sp>
+            <p:sp>
+              <p:nvSpPr>
+                <p:cNvPr id="47" name="CustomShape 9"/>
+                <p:cNvSpPr/>
+                <p:nvPr/>
+              </p:nvSpPr>
+              <p:spPr>
+                <a:xfrm>
+                  <a:off x="2145960" y="7181640"/>
+                  <a:ext cx="1343880" cy="182520"/>
+                </a:xfrm>
+                <a:prstGeom prst="rect">
+                  <a:avLst/>
+                </a:prstGeom>
+                <a:solidFill>
+                  <a:srgbClr val="4472C4"/>
+                </a:solidFill>
+                <a:ln>
+                  <a:solidFill>
+                    <a:srgbClr val="325490"/>
+                  </a:solidFill>
+                </a:ln>
+              </p:spPr>
+              <p:style>
+                <a:lnRef idx="2">
+                  <a:schemeClr val="accent1">
+                    <a:shade val="50000"/>
+                  </a:schemeClr>
+                </a:lnRef>
+                <a:fillRef idx="1">
+                  <a:schemeClr val="accent1"/>
+                </a:fillRef>
+                <a:effectRef idx="0">
+                  <a:schemeClr val="accent1"/>
+                </a:effectRef>
+                <a:fontRef idx="minor"/>
+              </p:style>
+              <p:txBody>
+                <a:bodyPr lIns="90000" tIns="45000" rIns="90000" bIns="45000" anchor="ctr">
+                  <a:noAutofit/>
+                </a:bodyPr>
+                <a:lstStyle/>
+                <a:p>
+                  <a:pPr algn="ctr">
+                    <a:lnSpc>
+                      <a:spcPct val="100000"/>
+                    </a:lnSpc>
+                  </a:pPr>
+                  <a:r>
+                    <a:rPr lang="en-US" sz="1200" b="0" strike="noStrike" spc="-1">
+                      <a:solidFill>
+                        <a:srgbClr val="FFFFFF"/>
+                      </a:solidFill>
+                      <a:latin typeface="Calibri"/>
+                    </a:rPr>
+                    <a:t>R_LDMatrix</a:t>
+                  </a:r>
+                  <a:endParaRPr lang="en-US" sz="1200" b="0" strike="noStrike" spc="-1">
+                    <a:latin typeface="Arial"/>
+                  </a:endParaRPr>
+                </a:p>
+              </p:txBody>
+            </p:sp>
+            <p:sp>
+              <p:nvSpPr>
+                <p:cNvPr id="48" name="CustomShape 10"/>
+                <p:cNvSpPr/>
+                <p:nvPr/>
+              </p:nvSpPr>
+              <p:spPr>
+                <a:xfrm>
+                  <a:off x="2145960" y="7477200"/>
+                  <a:ext cx="1343880" cy="182520"/>
+                </a:xfrm>
+                <a:prstGeom prst="rect">
+                  <a:avLst/>
+                </a:prstGeom>
+                <a:solidFill>
+                  <a:srgbClr val="4472C4"/>
+                </a:solidFill>
+                <a:ln>
+                  <a:solidFill>
+                    <a:srgbClr val="325490"/>
+                  </a:solidFill>
+                </a:ln>
+              </p:spPr>
+              <p:style>
+                <a:lnRef idx="2">
+                  <a:schemeClr val="accent1">
+                    <a:shade val="50000"/>
+                  </a:schemeClr>
+                </a:lnRef>
+                <a:fillRef idx="1">
+                  <a:schemeClr val="accent1"/>
+                </a:fillRef>
+                <a:effectRef idx="0">
+                  <a:schemeClr val="accent1"/>
+                </a:effectRef>
+                <a:fontRef idx="minor"/>
+              </p:style>
+              <p:txBody>
+                <a:bodyPr lIns="90000" tIns="45000" rIns="90000" bIns="45000" anchor="ctr">
+                  <a:noAutofit/>
+                </a:bodyPr>
+                <a:lstStyle/>
+                <a:p>
+                  <a:pPr algn="ctr">
+                    <a:lnSpc>
+                      <a:spcPct val="100000"/>
+                    </a:lnSpc>
+                  </a:pPr>
+                  <a:r>
+                    <a:rPr lang="en-US" sz="1200" b="0" strike="noStrike" spc="-1">
+                      <a:solidFill>
+                        <a:srgbClr val="FFFFFF"/>
+                      </a:solidFill>
+                      <a:latin typeface="Calibri"/>
+                    </a:rPr>
+                    <a:t>Rsq_LDMatrix</a:t>
+                  </a:r>
+                  <a:endParaRPr lang="en-US" sz="1200" b="0" strike="noStrike" spc="-1">
+                    <a:latin typeface="Arial"/>
+                  </a:endParaRPr>
+                </a:p>
+              </p:txBody>
+            </p:sp>
+            <p:sp>
+              <p:nvSpPr>
+                <p:cNvPr id="49" name="CustomShape 11"/>
+                <p:cNvSpPr/>
+                <p:nvPr/>
+              </p:nvSpPr>
+              <p:spPr>
+                <a:xfrm>
+                  <a:off x="2145960" y="7772760"/>
+                  <a:ext cx="1343880" cy="182520"/>
+                </a:xfrm>
+                <a:prstGeom prst="rect">
+                  <a:avLst/>
+                </a:prstGeom>
+                <a:solidFill>
+                  <a:srgbClr val="4472C4"/>
+                </a:solidFill>
+                <a:ln>
+                  <a:solidFill>
+                    <a:srgbClr val="325490"/>
+                  </a:solidFill>
+                </a:ln>
+              </p:spPr>
+              <p:style>
+                <a:lnRef idx="2">
+                  <a:schemeClr val="accent1">
+                    <a:shade val="50000"/>
+                  </a:schemeClr>
+                </a:lnRef>
+                <a:fillRef idx="1">
+                  <a:schemeClr val="accent1"/>
+                </a:fillRef>
+                <a:effectRef idx="0">
+                  <a:schemeClr val="accent1"/>
+                </a:effectRef>
+                <a:fontRef idx="minor"/>
+              </p:style>
+              <p:txBody>
+                <a:bodyPr lIns="90000" tIns="45000" rIns="90000" bIns="45000" anchor="ctr">
+                  <a:noAutofit/>
+                </a:bodyPr>
+                <a:lstStyle/>
+                <a:p>
+                  <a:pPr algn="ctr">
+                    <a:lnSpc>
+                      <a:spcPct val="100000"/>
+                    </a:lnSpc>
+                  </a:pPr>
+                  <a:r>
+                    <a:rPr lang="en-US" sz="1200" b="0" strike="noStrike" spc="-1">
+                      <a:solidFill>
+                        <a:srgbClr val="FFFFFF"/>
+                      </a:solidFill>
+                      <a:latin typeface="Calibri"/>
+                    </a:rPr>
+                    <a:t>D_LDMatrix</a:t>
+                  </a:r>
+                  <a:endParaRPr lang="en-US" sz="1200" b="0" strike="noStrike" spc="-1">
+                    <a:latin typeface="Arial"/>
+                  </a:endParaRPr>
+                </a:p>
+              </p:txBody>
+            </p:sp>
+            <p:sp>
+              <p:nvSpPr>
+                <p:cNvPr id="50" name="CustomShape 12"/>
+                <p:cNvSpPr/>
+                <p:nvPr/>
+              </p:nvSpPr>
+              <p:spPr>
+                <a:xfrm>
+                  <a:off x="2145960" y="8068680"/>
+                  <a:ext cx="1343880" cy="182520"/>
+                </a:xfrm>
+                <a:prstGeom prst="rect">
+                  <a:avLst/>
+                </a:prstGeom>
+                <a:solidFill>
+                  <a:srgbClr val="4472C4"/>
+                </a:solidFill>
+                <a:ln>
+                  <a:solidFill>
+                    <a:srgbClr val="325490"/>
+                  </a:solidFill>
+                </a:ln>
+              </p:spPr>
+              <p:style>
+                <a:lnRef idx="2">
+                  <a:schemeClr val="accent1">
+                    <a:shade val="50000"/>
+                  </a:schemeClr>
+                </a:lnRef>
+                <a:fillRef idx="1">
+                  <a:schemeClr val="accent1"/>
+                </a:fillRef>
+                <a:effectRef idx="0">
+                  <a:schemeClr val="accent1"/>
+                </a:effectRef>
+                <a:fontRef idx="minor"/>
+              </p:style>
+              <p:txBody>
+                <a:bodyPr lIns="90000" tIns="45000" rIns="90000" bIns="45000" anchor="ctr">
+                  <a:noAutofit/>
+                </a:bodyPr>
+                <a:lstStyle/>
+                <a:p>
+                  <a:pPr algn="ctr">
+                    <a:lnSpc>
+                      <a:spcPct val="100000"/>
+                    </a:lnSpc>
+                  </a:pPr>
+                  <a:r>
+                    <a:rPr lang="en-US" sz="1200" b="0" strike="noStrike" spc="-1">
+                      <a:solidFill>
+                        <a:srgbClr val="FFFFFF"/>
+                      </a:solidFill>
+                      <a:latin typeface="Calibri"/>
+                    </a:rPr>
+                    <a:t>Dprime_LDMatrix</a:t>
+                  </a:r>
+                  <a:endParaRPr lang="en-US" sz="1200" b="0" strike="noStrike" spc="-1">
+                    <a:latin typeface="Arial"/>
+                  </a:endParaRPr>
+                </a:p>
+              </p:txBody>
+            </p:sp>
+            <p:sp>
+              <p:nvSpPr>
+                <p:cNvPr id="51" name="CustomShape 13"/>
+                <p:cNvSpPr/>
+                <p:nvPr/>
+              </p:nvSpPr>
+              <p:spPr>
+                <a:xfrm rot="10800000" flipV="1">
+                  <a:off x="1856160" y="7273440"/>
+                  <a:ext cx="289800" cy="434160"/>
+                </a:xfrm>
+                <a:prstGeom prst="bentConnector3">
+                  <a:avLst>
+                    <a:gd name="adj1" fmla="val 50000"/>
+                  </a:avLst>
+                </a:prstGeom>
+                <a:noFill/>
+                <a:ln>
+                  <a:solidFill>
+                    <a:srgbClr val="4472C4"/>
+                  </a:solidFill>
+                  <a:tailEnd type="triangle" w="med" len="med"/>
+                </a:ln>
+              </p:spPr>
+              <p:style>
+                <a:lnRef idx="1">
+                  <a:schemeClr val="accent1"/>
+                </a:lnRef>
+                <a:fillRef idx="0">
+                  <a:schemeClr val="accent1"/>
+                </a:fillRef>
+                <a:effectRef idx="0">
+                  <a:schemeClr val="accent1"/>
+                </a:effectRef>
+                <a:fontRef idx="minor"/>
+              </p:style>
+            </p:sp>
+            <p:sp>
+              <p:nvSpPr>
+                <p:cNvPr id="52" name="CustomShape 14"/>
+                <p:cNvSpPr/>
+                <p:nvPr/>
+              </p:nvSpPr>
+              <p:spPr>
+                <a:xfrm rot="10800000" flipV="1">
+                  <a:off x="1856160" y="7568280"/>
+                  <a:ext cx="289800" cy="138600"/>
+                </a:xfrm>
+                <a:prstGeom prst="bentConnector3">
+                  <a:avLst>
+                    <a:gd name="adj1" fmla="val 50000"/>
+                  </a:avLst>
+                </a:prstGeom>
+                <a:noFill/>
+                <a:ln>
+                  <a:solidFill>
+                    <a:srgbClr val="4472C4"/>
+                  </a:solidFill>
+                  <a:tailEnd type="triangle" w="med" len="med"/>
+                </a:ln>
+              </p:spPr>
+              <p:style>
+                <a:lnRef idx="1">
+                  <a:schemeClr val="accent1"/>
+                </a:lnRef>
+                <a:fillRef idx="0">
+                  <a:schemeClr val="accent1"/>
+                </a:fillRef>
+                <a:effectRef idx="0">
+                  <a:schemeClr val="accent1"/>
+                </a:effectRef>
+                <a:fontRef idx="minor"/>
+              </p:style>
+            </p:sp>
+            <p:sp>
+              <p:nvSpPr>
+                <p:cNvPr id="53" name="CustomShape 15"/>
+                <p:cNvSpPr/>
+                <p:nvPr/>
+              </p:nvSpPr>
+              <p:spPr>
+                <a:xfrm rot="10800000">
+                  <a:off x="1856160" y="7707600"/>
+                  <a:ext cx="289800" cy="156600"/>
+                </a:xfrm>
+                <a:prstGeom prst="bentConnector3">
+                  <a:avLst>
+                    <a:gd name="adj1" fmla="val 50000"/>
+                  </a:avLst>
+                </a:prstGeom>
+                <a:noFill/>
+                <a:ln>
+                  <a:solidFill>
+                    <a:srgbClr val="4472C4"/>
+                  </a:solidFill>
+                  <a:tailEnd type="triangle" w="med" len="med"/>
+                </a:ln>
+              </p:spPr>
+              <p:style>
+                <a:lnRef idx="1">
+                  <a:schemeClr val="accent1"/>
+                </a:lnRef>
+                <a:fillRef idx="0">
+                  <a:schemeClr val="accent1"/>
+                </a:fillRef>
+                <a:effectRef idx="0">
+                  <a:schemeClr val="accent1"/>
+                </a:effectRef>
+                <a:fontRef idx="minor"/>
+              </p:style>
+            </p:sp>
+            <p:sp>
+              <p:nvSpPr>
+                <p:cNvPr id="54" name="CustomShape 16"/>
+                <p:cNvSpPr/>
+                <p:nvPr/>
+              </p:nvSpPr>
+              <p:spPr>
+                <a:xfrm rot="10800000">
+                  <a:off x="1856160" y="7707960"/>
+                  <a:ext cx="289800" cy="452160"/>
+                </a:xfrm>
+                <a:prstGeom prst="bentConnector3">
+                  <a:avLst>
+                    <a:gd name="adj1" fmla="val 50000"/>
+                  </a:avLst>
+                </a:prstGeom>
+                <a:noFill/>
+                <a:ln>
+                  <a:solidFill>
+                    <a:srgbClr val="4472C4"/>
+                  </a:solidFill>
+                  <a:tailEnd type="triangle" w="med" len="med"/>
+                </a:ln>
+              </p:spPr>
+              <p:style>
+                <a:lnRef idx="1">
+                  <a:schemeClr val="accent1"/>
+                </a:lnRef>
+                <a:fillRef idx="0">
+                  <a:schemeClr val="accent1"/>
+                </a:fillRef>
+                <a:effectRef idx="0">
+                  <a:schemeClr val="accent1"/>
+                </a:effectRef>
+                <a:fontRef idx="minor"/>
+              </p:style>
+            </p:sp>
+          </p:grpSp>
+        </p:grpSp>
+        <p:sp>
+          <p:nvSpPr>
+            <p:cNvPr id="106" name="CustomShape 68"/>
+            <p:cNvSpPr/>
+            <p:nvPr/>
+          </p:nvSpPr>
+          <p:spPr>
+            <a:xfrm>
+              <a:off x="991080" y="7221733"/>
+              <a:ext cx="1278360" cy="272880"/>
+            </a:xfrm>
+            <a:prstGeom prst="rect">
+              <a:avLst/>
+            </a:prstGeom>
             <a:noFill/>
-          </a:ln>
-        </p:spPr>
-        <p:style>
-          <a:lnRef idx="0">
-            <a:scrgbClr r="0" g="0" b="0"/>
-          </a:lnRef>
-          <a:fillRef idx="0">
-            <a:scrgbClr r="0" g="0" b="0"/>
-          </a:fillRef>
-          <a:effectRef idx="0">
-            <a:scrgbClr r="0" g="0" b="0"/>
-          </a:effectRef>
-          <a:fontRef idx="minor"/>
-        </p:style>
-        <p:txBody>
-          <a:bodyPr wrap="none" lIns="90000" tIns="45000" rIns="90000" bIns="45000">
-            <a:spAutoFit/>
-          </a:bodyPr>
-          <a:lstStyle/>
-          <a:p>
-            <a:pPr>
-              <a:lnSpc>
-                <a:spcPct val="100000"/>
-              </a:lnSpc>
-            </a:pPr>
-            <a:r>
-              <a:rPr lang="en-US" sz="1200" b="0" strike="noStrike" spc="-1">
-                <a:solidFill>
-                  <a:srgbClr val="000000"/>
-                </a:solidFill>
-                <a:latin typeface="Courier New"/>
-              </a:rPr>
-              <a:t>popgen.ldmat</a:t>
-            </a:r>
-            <a:endParaRPr lang="en-US" sz="1200" b="0" strike="noStrike" spc="-1">
-              <a:latin typeface="Arial"/>
-            </a:endParaRPr>
-          </a:p>
-        </p:txBody>
-      </p:sp>
+            <a:ln w="0">
+              <a:noFill/>
+            </a:ln>
+          </p:spPr>
+          <p:style>
+            <a:lnRef idx="0">
+              <a:scrgbClr r="0" g="0" b="0"/>
+            </a:lnRef>
+            <a:fillRef idx="0">
+              <a:scrgbClr r="0" g="0" b="0"/>
+            </a:fillRef>
+            <a:effectRef idx="0">
+              <a:scrgbClr r="0" g="0" b="0"/>
+            </a:effectRef>
+            <a:fontRef idx="minor"/>
+          </p:style>
+          <p:txBody>
+            <a:bodyPr wrap="none" lIns="90000" tIns="45000" rIns="90000" bIns="45000">
+              <a:spAutoFit/>
+            </a:bodyPr>
+            <a:lstStyle/>
+            <a:p>
+              <a:pPr>
+                <a:lnSpc>
+                  <a:spcPct val="100000"/>
+                </a:lnSpc>
+              </a:pPr>
+              <a:r>
+                <a:rPr lang="en-US" sz="1200" b="0" strike="noStrike" spc="-1" dirty="0" err="1">
+                  <a:solidFill>
+                    <a:srgbClr val="000000"/>
+                  </a:solidFill>
+                  <a:latin typeface="Courier New"/>
+                </a:rPr>
+                <a:t>popgen.ldmat</a:t>
+              </a:r>
+              <a:endParaRPr lang="en-US" sz="1200" b="0" strike="noStrike" spc="-1" dirty="0">
+                <a:latin typeface="Arial"/>
+              </a:endParaRPr>
+            </a:p>
+          </p:txBody>
+        </p:sp>
+      </p:grpSp>
       <p:grpSp>
         <p:nvGrpSpPr>
           <p:cNvPr id="107" name="Group 69"/>
@@ -3117,7 +3101,7 @@
         </p:nvGrpSpPr>
         <p:grpSpPr>
           <a:xfrm>
-            <a:off x="5774040" y="3191760"/>
+            <a:off x="7145633" y="2793811"/>
             <a:ext cx="3571200" cy="1400760"/>
             <a:chOff x="5774040" y="3191760"/>
             <a:chExt cx="3571200" cy="1400760"/>
@@ -3848,7 +3832,7 @@
         </p:nvGrpSpPr>
         <p:grpSpPr>
           <a:xfrm>
-            <a:off x="570960" y="13457160"/>
+            <a:off x="4084635" y="12847538"/>
             <a:ext cx="9353520" cy="2490840"/>
             <a:chOff x="570960" y="13457160"/>
             <a:chExt cx="9353520" cy="2490840"/>
@@ -6109,7 +6093,7 @@
         </p:nvGrpSpPr>
         <p:grpSpPr>
           <a:xfrm>
-            <a:off x="10670040" y="10160280"/>
+            <a:off x="14183715" y="9550658"/>
             <a:ext cx="4444200" cy="1023840"/>
             <a:chOff x="10670040" y="10160280"/>
             <a:chExt cx="4444200" cy="1023840"/>
@@ -6801,7 +6785,7 @@
         </p:nvGrpSpPr>
         <p:grpSpPr>
           <a:xfrm>
-            <a:off x="7314330" y="19432798"/>
+            <a:off x="14121552" y="17252621"/>
             <a:ext cx="3089880" cy="776880"/>
             <a:chOff x="6410189" y="17356680"/>
             <a:chExt cx="3089880" cy="776880"/>
@@ -7302,7 +7286,7 @@
         </p:nvGrpSpPr>
         <p:grpSpPr>
           <a:xfrm>
-            <a:off x="570960" y="11617560"/>
+            <a:off x="4084635" y="11007938"/>
             <a:ext cx="11336400" cy="1433160"/>
             <a:chOff x="570960" y="11617560"/>
             <a:chExt cx="11336400" cy="1433160"/>
@@ -8821,7 +8805,7 @@
         </p:nvSpPr>
         <p:spPr>
           <a:xfrm rot="5400000" flipH="1" flipV="1">
-            <a:off x="9349560" y="8074440"/>
+            <a:off x="12863235" y="7464818"/>
             <a:ext cx="432720" cy="6652800"/>
           </a:xfrm>
           <a:prstGeom prst="bentConnector3">
@@ -8858,7 +8842,7 @@
         </p:nvSpPr>
         <p:spPr>
           <a:xfrm rot="5400000" flipH="1" flipV="1">
-            <a:off x="7933320" y="8498520"/>
+            <a:off x="11446995" y="7888898"/>
             <a:ext cx="2272320" cy="7643880"/>
           </a:xfrm>
           <a:prstGeom prst="bentConnector3">
@@ -8895,7 +8879,7 @@
         </p:nvSpPr>
         <p:spPr>
           <a:xfrm rot="5400000" flipH="1" flipV="1">
-            <a:off x="5540400" y="12758040"/>
+            <a:off x="9054075" y="12148418"/>
             <a:ext cx="405360" cy="991080"/>
           </a:xfrm>
           <a:prstGeom prst="bentConnector3">
@@ -8924,117 +8908,6 @@
           <a:fontRef idx="minor"/>
         </p:style>
       </p:sp>
-      <p:sp>
-        <p:nvSpPr>
-          <p:cNvPr id="230" name="CustomShape 192"/>
-          <p:cNvSpPr/>
-          <p:nvPr/>
-        </p:nvSpPr>
-        <p:spPr>
-          <a:xfrm rot="5400000" flipH="1" flipV="1">
-            <a:off x="9282600" y="7911360"/>
-            <a:ext cx="646560" cy="3518640"/>
-          </a:xfrm>
-          <a:prstGeom prst="bentConnector3">
-            <a:avLst>
-              <a:gd name="adj1" fmla="val 50000"/>
-            </a:avLst>
-          </a:prstGeom>
-          <a:noFill/>
-          <a:ln w="12700">
-            <a:solidFill>
-              <a:schemeClr val="tx1"/>
-            </a:solidFill>
-            <a:tailEnd type="triangle" w="med" len="med"/>
-          </a:ln>
-        </p:spPr>
-        <p:style>
-          <a:lnRef idx="1">
-            <a:schemeClr val="accent1"/>
-          </a:lnRef>
-          <a:fillRef idx="0">
-            <a:schemeClr val="accent1"/>
-          </a:fillRef>
-          <a:effectRef idx="0">
-            <a:schemeClr val="accent1"/>
-          </a:effectRef>
-          <a:fontRef idx="minor"/>
-        </p:style>
-      </p:sp>
-      <p:sp>
-        <p:nvSpPr>
-          <p:cNvPr id="231" name="CustomShape 193"/>
-          <p:cNvSpPr/>
-          <p:nvPr/>
-        </p:nvSpPr>
-        <p:spPr>
-          <a:xfrm rot="16200000" flipV="1">
-            <a:off x="7606800" y="16335360"/>
-            <a:ext cx="478800" cy="360"/>
-          </a:xfrm>
-          <a:prstGeom prst="bentConnector3">
-            <a:avLst>
-              <a:gd name="adj1" fmla="val 50000"/>
-            </a:avLst>
-          </a:prstGeom>
-          <a:noFill/>
-          <a:ln w="12700">
-            <a:solidFill>
-              <a:schemeClr val="tx1"/>
-            </a:solidFill>
-            <a:tailEnd type="triangle" w="med" len="med"/>
-          </a:ln>
-        </p:spPr>
-        <p:style>
-          <a:lnRef idx="1">
-            <a:schemeClr val="accent1"/>
-          </a:lnRef>
-          <a:fillRef idx="0">
-            <a:schemeClr val="accent1"/>
-          </a:fillRef>
-          <a:effectRef idx="0">
-            <a:schemeClr val="accent1"/>
-          </a:effectRef>
-          <a:fontRef idx="minor"/>
-        </p:style>
-      </p:sp>
-      <p:sp>
-        <p:nvSpPr>
-          <p:cNvPr id="232" name="CustomShape 194"/>
-          <p:cNvSpPr/>
-          <p:nvPr/>
-        </p:nvSpPr>
-        <p:spPr>
-          <a:xfrm flipV="1">
-            <a:off x="14673600" y="6148080"/>
-            <a:ext cx="7167240" cy="13360320"/>
-          </a:xfrm>
-          <a:prstGeom prst="bentConnector3">
-            <a:avLst>
-              <a:gd name="adj1" fmla="val 103189"/>
-            </a:avLst>
-          </a:prstGeom>
-          <a:noFill/>
-          <a:ln w="12700">
-            <a:solidFill>
-              <a:schemeClr val="tx1"/>
-            </a:solidFill>
-            <a:tailEnd type="triangle" w="med" len="med"/>
-          </a:ln>
-        </p:spPr>
-        <p:style>
-          <a:lnRef idx="1">
-            <a:schemeClr val="accent1"/>
-          </a:lnRef>
-          <a:fillRef idx="0">
-            <a:schemeClr val="accent1"/>
-          </a:fillRef>
-          <a:effectRef idx="0">
-            <a:schemeClr val="accent1"/>
-          </a:effectRef>
-          <a:fontRef idx="minor"/>
-        </p:style>
-      </p:sp>
       <p:grpSp>
         <p:nvGrpSpPr>
           <p:cNvPr id="233" name="Group 195"/>
@@ -9043,7 +8916,7 @@
         </p:nvGrpSpPr>
         <p:grpSpPr>
           <a:xfrm>
-            <a:off x="7297920" y="779760"/>
+            <a:off x="10151198" y="779760"/>
             <a:ext cx="3864960" cy="1222920"/>
             <a:chOff x="7297920" y="779760"/>
             <a:chExt cx="3864960" cy="1222920"/>
@@ -9286,7 +9159,7 @@
             <p:spPr>
               <a:xfrm>
                 <a:off x="8728560" y="819000"/>
-                <a:ext cx="1095480" cy="272880"/>
+                <a:ext cx="924525" cy="275545"/>
               </a:xfrm>
               <a:prstGeom prst="rect">
                 <a:avLst/>
@@ -9320,15 +9193,15 @@
                   </a:lnSpc>
                 </a:pPr>
                 <a:r>
-                  <a:rPr lang="en-US" sz="1200" b="0" strike="noStrike" spc="-1">
+                  <a:rPr lang="en-US" sz="1200" b="0" strike="noStrike" spc="-1" dirty="0" err="1">
                     <a:solidFill>
                       <a:srgbClr val="000000"/>
                     </a:solidFill>
                     <a:latin typeface="Courier New"/>
                   </a:rPr>
-                  <a:t>popgen.mat</a:t>
+                  <a:t>core.mat</a:t>
                 </a:r>
-                <a:endParaRPr lang="en-US" sz="1200" b="0" strike="noStrike" spc="-1">
+                <a:endParaRPr lang="en-US" sz="1200" b="0" strike="noStrike" spc="-1" dirty="0">
                   <a:latin typeface="Arial"/>
                 </a:endParaRPr>
               </a:p>
@@ -9656,8 +9529,8 @@
         </p:nvSpPr>
         <p:spPr>
           <a:xfrm>
-            <a:off x="8841600" y="349200"/>
-            <a:ext cx="869760" cy="433080"/>
+            <a:off x="11694878" y="349200"/>
+            <a:ext cx="873742" cy="437128"/>
           </a:xfrm>
           <a:prstGeom prst="rect">
             <a:avLst/>
@@ -9691,56 +9564,19 @@
               </a:lnSpc>
             </a:pPr>
             <a:r>
-              <a:rPr lang="en-US" sz="2250" b="0" strike="noStrike" spc="-1">
+              <a:rPr lang="en-US" sz="2250" b="0" strike="noStrike" spc="-1" dirty="0">
                 <a:solidFill>
                   <a:srgbClr val="000000"/>
                 </a:solidFill>
                 <a:latin typeface="Courier New"/>
               </a:rPr>
-              <a:t>base</a:t>
+              <a:t>core</a:t>
             </a:r>
-            <a:endParaRPr lang="en-US" sz="2250" b="0" strike="noStrike" spc="-1">
+            <a:endParaRPr lang="en-US" sz="2250" b="0" strike="noStrike" spc="-1" dirty="0">
               <a:latin typeface="Arial"/>
             </a:endParaRPr>
           </a:p>
         </p:txBody>
-      </p:sp>
-      <p:sp>
-        <p:nvSpPr>
-          <p:cNvPr id="249" name="CustomShape 211"/>
-          <p:cNvSpPr/>
-          <p:nvPr/>
-        </p:nvSpPr>
-        <p:spPr>
-          <a:xfrm rot="16200000" flipV="1">
-            <a:off x="9918360" y="1501920"/>
-            <a:ext cx="757440" cy="2135880"/>
-          </a:xfrm>
-          <a:prstGeom prst="bentConnector3">
-            <a:avLst>
-              <a:gd name="adj1" fmla="val 50000"/>
-            </a:avLst>
-          </a:prstGeom>
-          <a:noFill/>
-          <a:ln w="12700">
-            <a:solidFill>
-              <a:schemeClr val="tx1"/>
-            </a:solidFill>
-            <a:tailEnd type="triangle" w="med" len="med"/>
-          </a:ln>
-        </p:spPr>
-        <p:style>
-          <a:lnRef idx="1">
-            <a:schemeClr val="accent1"/>
-          </a:lnRef>
-          <a:fillRef idx="0">
-            <a:schemeClr val="accent1"/>
-          </a:fillRef>
-          <a:effectRef idx="0">
-            <a:schemeClr val="accent1"/>
-          </a:effectRef>
-          <a:fontRef idx="minor"/>
-        </p:style>
       </p:sp>
       <p:grpSp>
         <p:nvGrpSpPr>
@@ -9750,7 +9586,7 @@
         </p:nvGrpSpPr>
         <p:grpSpPr>
           <a:xfrm>
-            <a:off x="7819200" y="8125200"/>
+            <a:off x="9190793" y="7727251"/>
             <a:ext cx="10303920" cy="993960"/>
             <a:chOff x="7819200" y="8125200"/>
             <a:chExt cx="10303920" cy="993960"/>
@@ -10358,290 +10194,6 @@
           </p:style>
         </p:sp>
       </p:grpSp>
-      <p:sp>
-        <p:nvSpPr>
-          <p:cNvPr id="265" name="CustomShape 227"/>
-          <p:cNvSpPr/>
-          <p:nvPr/>
-        </p:nvSpPr>
-        <p:spPr>
-          <a:xfrm>
-            <a:off x="18473760" y="20002680"/>
-            <a:ext cx="3027240" cy="1842908"/>
-          </a:xfrm>
-          <a:prstGeom prst="rect">
-            <a:avLst/>
-          </a:prstGeom>
-          <a:solidFill>
-            <a:srgbClr val="000000"/>
-          </a:solidFill>
-          <a:ln>
-            <a:solidFill>
-              <a:srgbClr val="000000"/>
-            </a:solidFill>
-          </a:ln>
-        </p:spPr>
-        <p:style>
-          <a:lnRef idx="2">
-            <a:schemeClr val="dk1">
-              <a:shade val="50000"/>
-            </a:schemeClr>
-          </a:lnRef>
-          <a:fillRef idx="1">
-            <a:schemeClr val="dk1"/>
-          </a:fillRef>
-          <a:effectRef idx="0">
-            <a:schemeClr val="dk1"/>
-          </a:effectRef>
-          <a:fontRef idx="minor"/>
-        </p:style>
-      </p:sp>
-      <p:sp>
-        <p:nvSpPr>
-          <p:cNvPr id="266" name="CustomShape 228"/>
-          <p:cNvSpPr/>
-          <p:nvPr/>
-        </p:nvSpPr>
-        <p:spPr>
-          <a:xfrm>
-            <a:off x="18718200" y="20190240"/>
-            <a:ext cx="748800" cy="182520"/>
-          </a:xfrm>
-          <a:prstGeom prst="rect">
-            <a:avLst/>
-          </a:prstGeom>
-          <a:solidFill>
-            <a:srgbClr val="ED7D31"/>
-          </a:solidFill>
-          <a:ln>
-            <a:solidFill>
-              <a:srgbClr val="AF5C24"/>
-            </a:solidFill>
-          </a:ln>
-        </p:spPr>
-        <p:style>
-          <a:lnRef idx="2">
-            <a:schemeClr val="accent2">
-              <a:shade val="50000"/>
-            </a:schemeClr>
-          </a:lnRef>
-          <a:fillRef idx="1">
-            <a:schemeClr val="accent2"/>
-          </a:fillRef>
-          <a:effectRef idx="0">
-            <a:schemeClr val="accent2"/>
-          </a:effectRef>
-          <a:fontRef idx="minor"/>
-        </p:style>
-        <p:txBody>
-          <a:bodyPr lIns="90000" tIns="45000" rIns="90000" bIns="45000" anchor="ctr">
-            <a:noAutofit/>
-          </a:bodyPr>
-          <a:lstStyle/>
-          <a:p>
-            <a:pPr algn="ctr">
-              <a:lnSpc>
-                <a:spcPct val="100000"/>
-              </a:lnSpc>
-            </a:pPr>
-            <a:r>
-              <a:rPr lang="en-US" sz="1200" b="0" strike="noStrike" spc="-1">
-                <a:solidFill>
-                  <a:srgbClr val="FFFFFF"/>
-                </a:solidFill>
-                <a:latin typeface="Calibri"/>
-              </a:rPr>
-              <a:t>Interface</a:t>
-            </a:r>
-            <a:endParaRPr lang="en-US" sz="1200" b="0" strike="noStrike" spc="-1">
-              <a:latin typeface="Arial"/>
-            </a:endParaRPr>
-          </a:p>
-        </p:txBody>
-      </p:sp>
-      <p:sp>
-        <p:nvSpPr>
-          <p:cNvPr id="267" name="CustomShape 229"/>
-          <p:cNvSpPr/>
-          <p:nvPr/>
-        </p:nvSpPr>
-        <p:spPr>
-          <a:xfrm>
-            <a:off x="18718200" y="20539800"/>
-            <a:ext cx="1727280" cy="182520"/>
-          </a:xfrm>
-          <a:prstGeom prst="rect">
-            <a:avLst/>
-          </a:prstGeom>
-          <a:solidFill>
-            <a:srgbClr val="5B9BD5"/>
-          </a:solidFill>
-          <a:ln>
-            <a:solidFill>
-              <a:srgbClr val="43729D"/>
-            </a:solidFill>
-          </a:ln>
-        </p:spPr>
-        <p:style>
-          <a:lnRef idx="2">
-            <a:schemeClr val="accent5">
-              <a:shade val="50000"/>
-            </a:schemeClr>
-          </a:lnRef>
-          <a:fillRef idx="1">
-            <a:schemeClr val="accent5"/>
-          </a:fillRef>
-          <a:effectRef idx="0">
-            <a:schemeClr val="accent5"/>
-          </a:effectRef>
-          <a:fontRef idx="minor"/>
-        </p:style>
-        <p:txBody>
-          <a:bodyPr lIns="90000" tIns="45000" rIns="90000" bIns="45000" anchor="ctr">
-            <a:noAutofit/>
-          </a:bodyPr>
-          <a:lstStyle/>
-          <a:p>
-            <a:pPr algn="ctr">
-              <a:lnSpc>
-                <a:spcPct val="100000"/>
-              </a:lnSpc>
-            </a:pPr>
-            <a:r>
-              <a:rPr lang="en-US" sz="1200" b="0" strike="noStrike" spc="-1">
-                <a:solidFill>
-                  <a:srgbClr val="FFFFFF"/>
-                </a:solidFill>
-                <a:latin typeface="Calibri"/>
-              </a:rPr>
-              <a:t>Partial Implementation</a:t>
-            </a:r>
-            <a:endParaRPr lang="en-US" sz="1200" b="0" strike="noStrike" spc="-1">
-              <a:latin typeface="Arial"/>
-            </a:endParaRPr>
-          </a:p>
-        </p:txBody>
-      </p:sp>
-      <p:sp>
-        <p:nvSpPr>
-          <p:cNvPr id="268" name="CustomShape 230"/>
-          <p:cNvSpPr/>
-          <p:nvPr/>
-        </p:nvSpPr>
-        <p:spPr>
-          <a:xfrm>
-            <a:off x="18718200" y="20880000"/>
-            <a:ext cx="1442880" cy="182520"/>
-          </a:xfrm>
-          <a:prstGeom prst="rect">
-            <a:avLst/>
-          </a:prstGeom>
-          <a:solidFill>
-            <a:srgbClr val="4472C4"/>
-          </a:solidFill>
-          <a:ln>
-            <a:solidFill>
-              <a:srgbClr val="325490"/>
-            </a:solidFill>
-          </a:ln>
-        </p:spPr>
-        <p:style>
-          <a:lnRef idx="2">
-            <a:schemeClr val="accent1">
-              <a:shade val="50000"/>
-            </a:schemeClr>
-          </a:lnRef>
-          <a:fillRef idx="1">
-            <a:schemeClr val="accent1"/>
-          </a:fillRef>
-          <a:effectRef idx="0">
-            <a:schemeClr val="accent1"/>
-          </a:effectRef>
-          <a:fontRef idx="minor"/>
-        </p:style>
-        <p:txBody>
-          <a:bodyPr lIns="90000" tIns="45000" rIns="90000" bIns="45000" anchor="ctr">
-            <a:noAutofit/>
-          </a:bodyPr>
-          <a:lstStyle/>
-          <a:p>
-            <a:pPr algn="ctr">
-              <a:lnSpc>
-                <a:spcPct val="100000"/>
-              </a:lnSpc>
-            </a:pPr>
-            <a:r>
-              <a:rPr lang="en-US" sz="1200" b="0" strike="noStrike" spc="-1">
-                <a:solidFill>
-                  <a:srgbClr val="FFFFFF"/>
-                </a:solidFill>
-                <a:latin typeface="Calibri"/>
-              </a:rPr>
-              <a:t>Full Implementation</a:t>
-            </a:r>
-            <a:endParaRPr lang="en-US" sz="1200" b="0" strike="noStrike" spc="-1">
-              <a:latin typeface="Arial"/>
-            </a:endParaRPr>
-          </a:p>
-        </p:txBody>
-      </p:sp>
-      <p:sp>
-        <p:nvSpPr>
-          <p:cNvPr id="269" name="CustomShape 231"/>
-          <p:cNvSpPr/>
-          <p:nvPr/>
-        </p:nvSpPr>
-        <p:spPr>
-          <a:xfrm>
-            <a:off x="20693160" y="20170440"/>
-            <a:ext cx="511920" cy="364680"/>
-          </a:xfrm>
-          <a:prstGeom prst="rect">
-            <a:avLst/>
-          </a:prstGeom>
-          <a:noFill/>
-          <a:ln w="0">
-            <a:noFill/>
-          </a:ln>
-        </p:spPr>
-        <p:style>
-          <a:lnRef idx="0">
-            <a:scrgbClr r="0" g="0" b="0"/>
-          </a:lnRef>
-          <a:fillRef idx="0">
-            <a:scrgbClr r="0" g="0" b="0"/>
-          </a:fillRef>
-          <a:effectRef idx="0">
-            <a:scrgbClr r="0" g="0" b="0"/>
-          </a:effectRef>
-          <a:fontRef idx="minor"/>
-        </p:style>
-        <p:txBody>
-          <a:bodyPr wrap="none" lIns="90000" tIns="45000" rIns="90000" bIns="45000">
-            <a:spAutoFit/>
-          </a:bodyPr>
-          <a:lstStyle/>
-          <a:p>
-            <a:pPr>
-              <a:lnSpc>
-                <a:spcPct val="100000"/>
-              </a:lnSpc>
-            </a:pPr>
-            <a:r>
-              <a:rPr lang="en-US" sz="1800" b="0" strike="noStrike" spc="-1">
-                <a:solidFill>
-                  <a:srgbClr val="FF0000"/>
-                </a:solidFill>
-                <a:latin typeface="Calibri"/>
-              </a:rPr>
-              <a:t>Key</a:t>
-            </a:r>
-            <a:endParaRPr lang="en-US" sz="1800" b="0" strike="noStrike" spc="-1">
-              <a:latin typeface="Arial"/>
-            </a:endParaRPr>
-          </a:p>
-        </p:txBody>
-      </p:sp>
       <p:grpSp>
         <p:nvGrpSpPr>
           <p:cNvPr id="270" name="Group 232"/>
@@ -10650,10 +10202,10 @@
         </p:nvGrpSpPr>
         <p:grpSpPr>
           <a:xfrm>
-            <a:off x="1028880" y="8542800"/>
-            <a:ext cx="6039000" cy="592560"/>
-            <a:chOff x="1028880" y="8542800"/>
-            <a:chExt cx="6039000" cy="592560"/>
+            <a:off x="2413793" y="8144851"/>
+            <a:ext cx="6025680" cy="592560"/>
+            <a:chOff x="1042200" y="8542800"/>
+            <a:chExt cx="6025680" cy="592560"/>
           </a:xfrm>
         </p:grpSpPr>
         <p:grpSp>
@@ -10893,7 +10445,7 @@
           </p:nvSpPr>
           <p:spPr>
             <a:xfrm>
-              <a:off x="1028880" y="8626320"/>
+              <a:off x="2080736" y="8564760"/>
               <a:ext cx="1186920" cy="272880"/>
             </a:xfrm>
             <a:prstGeom prst="rect">
@@ -10928,7 +10480,7 @@
                 </a:lnSpc>
               </a:pPr>
               <a:r>
-                <a:rPr lang="en-US" sz="1200" b="0" strike="noStrike" spc="-1">
+                <a:rPr lang="en-US" sz="1200" b="0" strike="noStrike" spc="-1" dirty="0" err="1">
                   <a:solidFill>
                     <a:srgbClr val="000000"/>
                   </a:solidFill>
@@ -10936,7 +10488,7 @@
                 </a:rPr>
                 <a:t>popgen.cmat</a:t>
               </a:r>
-              <a:endParaRPr lang="en-US" sz="1200" b="0" strike="noStrike" spc="-1">
+              <a:endParaRPr lang="en-US" sz="1200" b="0" strike="noStrike" spc="-1" dirty="0">
                 <a:latin typeface="Arial"/>
               </a:endParaRPr>
             </a:p>
@@ -11143,69 +10695,6 @@
           </p:style>
         </p:sp>
       </p:grpSp>
-      <p:sp>
-        <p:nvSpPr>
-          <p:cNvPr id="282" name="CustomShape 244"/>
-          <p:cNvSpPr/>
-          <p:nvPr/>
-        </p:nvSpPr>
-        <p:spPr>
-          <a:xfrm>
-            <a:off x="18718200" y="21216240"/>
-            <a:ext cx="1201680" cy="182520"/>
-          </a:xfrm>
-          <a:prstGeom prst="rect">
-            <a:avLst/>
-          </a:prstGeom>
-          <a:solidFill>
-            <a:srgbClr val="A5A5A5"/>
-          </a:solidFill>
-          <a:ln>
-            <a:solidFill>
-              <a:srgbClr val="7A7A7A"/>
-            </a:solidFill>
-          </a:ln>
-        </p:spPr>
-        <p:style>
-          <a:lnRef idx="2">
-            <a:schemeClr val="accent3">
-              <a:shade val="50000"/>
-            </a:schemeClr>
-          </a:lnRef>
-          <a:fillRef idx="1">
-            <a:schemeClr val="accent3"/>
-          </a:fillRef>
-          <a:effectRef idx="0">
-            <a:schemeClr val="accent3"/>
-          </a:effectRef>
-          <a:fontRef idx="minor"/>
-        </p:style>
-        <p:txBody>
-          <a:bodyPr lIns="90000" tIns="45000" rIns="90000" bIns="45000" anchor="ctr">
-            <a:noAutofit/>
-          </a:bodyPr>
-          <a:lstStyle/>
-          <a:p>
-            <a:pPr algn="ctr">
-              <a:lnSpc>
-                <a:spcPct val="100000"/>
-              </a:lnSpc>
-            </a:pPr>
-            <a:r>
-              <a:rPr lang="en-US" sz="1200" b="0" strike="noStrike" spc="-1">
-                <a:solidFill>
-                  <a:srgbClr val="FFFFFF"/>
-                </a:solidFill>
-                <a:latin typeface="Calibri"/>
-              </a:rPr>
-              <a:t>Unimplemented</a:t>
-            </a:r>
-            <a:endParaRPr lang="en-US" sz="1200" b="0" strike="noStrike" spc="-1">
-              <a:latin typeface="Arial"/>
-            </a:endParaRPr>
-          </a:p>
-        </p:txBody>
-      </p:sp>
       <p:grpSp>
         <p:nvGrpSpPr>
           <p:cNvPr id="283" name="Group 245"/>
@@ -11214,7 +10703,7 @@
         </p:nvGrpSpPr>
         <p:grpSpPr>
           <a:xfrm>
-            <a:off x="7818480" y="5339880"/>
+            <a:off x="9190073" y="4941931"/>
             <a:ext cx="10899000" cy="822240"/>
             <a:chOff x="7818480" y="5339880"/>
             <a:chExt cx="10899000" cy="822240"/>
@@ -12104,7 +11593,7 @@
         </p:nvGrpSpPr>
         <p:grpSpPr>
           <a:xfrm>
-            <a:off x="7822440" y="6511680"/>
+            <a:off x="9194033" y="6113731"/>
             <a:ext cx="11022120" cy="822240"/>
             <a:chOff x="7822440" y="6511680"/>
             <a:chExt cx="11022120" cy="822240"/>
@@ -12957,7 +12446,7 @@
         </p:nvSpPr>
         <p:spPr>
           <a:xfrm rot="10800000" flipV="1">
-            <a:off x="9234000" y="6647040"/>
+            <a:off x="10605593" y="6249091"/>
             <a:ext cx="306000" cy="275040"/>
           </a:xfrm>
           <a:prstGeom prst="bentConnector3">
@@ -13000,7 +12489,7 @@
         </p:nvGrpSpPr>
         <p:grpSpPr>
           <a:xfrm>
-            <a:off x="7314330" y="20415460"/>
+            <a:off x="4914356" y="18741353"/>
             <a:ext cx="3025897" cy="1272240"/>
             <a:chOff x="2987675" y="19135031"/>
             <a:chExt cx="3025897" cy="1272240"/>
@@ -13795,257 +13284,261 @@
       </p:grpSp>
       <p:grpSp>
         <p:nvGrpSpPr>
-          <p:cNvPr id="342" name="Group 304"/>
+          <p:cNvPr id="29" name="Group 28">
+            <a:extLst>
+              <a:ext uri="{FF2B5EF4-FFF2-40B4-BE49-F238E27FC236}">
+                <a16:creationId xmlns:a16="http://schemas.microsoft.com/office/drawing/2014/main" id="{5C0EAD63-BE68-4BE0-A70A-119B2C3969A1}"/>
+              </a:ext>
+            </a:extLst>
+          </p:cNvPr>
           <p:cNvGrpSpPr/>
           <p:nvPr/>
         </p:nvGrpSpPr>
         <p:grpSpPr>
           <a:xfrm>
-            <a:off x="10793595" y="20507700"/>
-            <a:ext cx="2784960" cy="1094400"/>
-            <a:chOff x="18073440" y="15811560"/>
-            <a:chExt cx="2784960" cy="1094400"/>
+            <a:off x="450435" y="11622818"/>
+            <a:ext cx="3027240" cy="1842908"/>
+            <a:chOff x="18473760" y="20002680"/>
+            <a:chExt cx="3027240" cy="1842908"/>
           </a:xfrm>
         </p:grpSpPr>
-        <p:grpSp>
-          <p:nvGrpSpPr>
-            <p:cNvPr id="343" name="Group 305"/>
-            <p:cNvGrpSpPr/>
-            <p:nvPr/>
-          </p:nvGrpSpPr>
-          <p:grpSpPr>
-            <a:xfrm>
-              <a:off x="18073440" y="15811560"/>
-              <a:ext cx="2784960" cy="1094400"/>
-              <a:chOff x="18073440" y="15811560"/>
-              <a:chExt cx="2784960" cy="1094400"/>
-            </a:xfrm>
-          </p:grpSpPr>
-          <p:sp>
-            <p:nvSpPr>
-              <p:cNvPr id="344" name="CustomShape 306"/>
-              <p:cNvSpPr/>
-              <p:nvPr/>
-            </p:nvSpPr>
-            <p:spPr>
-              <a:xfrm>
-                <a:off x="18073440" y="15811560"/>
-                <a:ext cx="2784960" cy="1094400"/>
-              </a:xfrm>
-              <a:prstGeom prst="rect">
-                <a:avLst/>
-              </a:prstGeom>
-              <a:solidFill>
-                <a:schemeClr val="accent6">
-                  <a:alpha val="50000"/>
-                </a:schemeClr>
-              </a:solidFill>
-              <a:ln w="0">
-                <a:noFill/>
-              </a:ln>
-            </p:spPr>
-            <p:style>
-              <a:lnRef idx="0">
-                <a:scrgbClr r="0" g="0" b="0"/>
-              </a:lnRef>
-              <a:fillRef idx="0">
-                <a:scrgbClr r="0" g="0" b="0"/>
-              </a:fillRef>
-              <a:effectRef idx="0">
-                <a:scrgbClr r="0" g="0" b="0"/>
-              </a:effectRef>
-              <a:fontRef idx="minor"/>
-            </p:style>
-          </p:sp>
-          <p:grpSp>
-            <p:nvGrpSpPr>
-              <p:cNvPr id="345" name="Group 307"/>
-              <p:cNvGrpSpPr/>
-              <p:nvPr/>
-            </p:nvGrpSpPr>
-            <p:grpSpPr>
-              <a:xfrm>
-                <a:off x="18164520" y="16191720"/>
-                <a:ext cx="2604600" cy="605880"/>
-                <a:chOff x="18164520" y="16191720"/>
-                <a:chExt cx="2604600" cy="605880"/>
-              </a:xfrm>
-            </p:grpSpPr>
-            <p:sp>
-              <p:nvSpPr>
-                <p:cNvPr id="346" name="CustomShape 308"/>
-                <p:cNvSpPr/>
-                <p:nvPr/>
-              </p:nvSpPr>
-              <p:spPr>
-                <a:xfrm>
-                  <a:off x="18735480" y="16191720"/>
-                  <a:ext cx="1462680" cy="182520"/>
-                </a:xfrm>
-                <a:prstGeom prst="rect">
-                  <a:avLst/>
-                </a:prstGeom>
-                <a:solidFill>
-                  <a:srgbClr val="ED7D31"/>
-                </a:solidFill>
-                <a:ln>
-                  <a:solidFill>
-                    <a:srgbClr val="AF5C24"/>
-                  </a:solidFill>
-                </a:ln>
-              </p:spPr>
-              <p:style>
-                <a:lnRef idx="2">
-                  <a:schemeClr val="accent2">
-                    <a:shade val="50000"/>
-                  </a:schemeClr>
-                </a:lnRef>
-                <a:fillRef idx="1">
-                  <a:schemeClr val="accent2"/>
-                </a:fillRef>
-                <a:effectRef idx="0">
-                  <a:schemeClr val="accent2"/>
-                </a:effectRef>
-                <a:fontRef idx="minor"/>
-              </p:style>
-              <p:txBody>
-                <a:bodyPr lIns="90000" tIns="45000" rIns="90000" bIns="45000" anchor="ctr">
-                  <a:noAutofit/>
-                </a:bodyPr>
-                <a:lstStyle/>
-                <a:p>
-                  <a:pPr algn="ctr">
-                    <a:lnSpc>
-                      <a:spcPct val="100000"/>
-                    </a:lnSpc>
-                  </a:pPr>
-                  <a:r>
-                    <a:rPr lang="en-US" sz="1200" b="0" strike="noStrike" spc="-1">
-                      <a:solidFill>
-                        <a:srgbClr val="FFFFFF"/>
-                      </a:solidFill>
-                      <a:latin typeface="Calibri"/>
-                    </a:rPr>
-                    <a:t>MatingConfiguration</a:t>
-                  </a:r>
-                  <a:endParaRPr lang="en-US" sz="1200" b="0" strike="noStrike" spc="-1">
-                    <a:latin typeface="Arial"/>
-                  </a:endParaRPr>
-                </a:p>
-              </p:txBody>
-            </p:sp>
-            <p:sp>
-              <p:nvSpPr>
-                <p:cNvPr id="347" name="CustomShape 309"/>
-                <p:cNvSpPr/>
-                <p:nvPr/>
-              </p:nvSpPr>
-              <p:spPr>
-                <a:xfrm>
-                  <a:off x="18164520" y="16615080"/>
-                  <a:ext cx="2604600" cy="182520"/>
-                </a:xfrm>
-                <a:prstGeom prst="rect">
-                  <a:avLst/>
-                </a:prstGeom>
-                <a:solidFill>
-                  <a:srgbClr val="4472C4"/>
-                </a:solidFill>
-                <a:ln>
-                  <a:solidFill>
-                    <a:srgbClr val="325490"/>
-                  </a:solidFill>
-                </a:ln>
-              </p:spPr>
-              <p:style>
-                <a:lnRef idx="2">
-                  <a:schemeClr val="accent1">
-                    <a:shade val="50000"/>
-                  </a:schemeClr>
-                </a:lnRef>
-                <a:fillRef idx="1">
-                  <a:schemeClr val="accent1"/>
-                </a:fillRef>
-                <a:effectRef idx="0">
-                  <a:schemeClr val="accent1"/>
-                </a:effectRef>
-                <a:fontRef idx="minor"/>
-              </p:style>
-              <p:txBody>
-                <a:bodyPr lIns="90000" tIns="45000" rIns="90000" bIns="45000" anchor="ctr">
-                  <a:noAutofit/>
-                </a:bodyPr>
-                <a:lstStyle/>
-                <a:p>
-                  <a:pPr algn="ctr">
-                    <a:lnSpc>
-                      <a:spcPct val="100000"/>
-                    </a:lnSpc>
-                  </a:pPr>
-                  <a:r>
-                    <a:rPr lang="en-US" sz="1200" b="0" strike="noStrike" spc="-1">
-                      <a:solidFill>
-                        <a:srgbClr val="FFFFFF"/>
-                      </a:solidFill>
-                      <a:latin typeface="Calibri"/>
-                    </a:rPr>
-                    <a:t>WeightedRandomMatingConfiguration</a:t>
-                  </a:r>
-                  <a:endParaRPr lang="en-US" sz="1200" b="0" strike="noStrike" spc="-1">
-                    <a:latin typeface="Arial"/>
-                  </a:endParaRPr>
-                </a:p>
-              </p:txBody>
-            </p:sp>
-            <p:sp>
-              <p:nvSpPr>
-                <p:cNvPr id="348" name="CustomShape 310"/>
-                <p:cNvSpPr/>
-                <p:nvPr/>
-              </p:nvSpPr>
-              <p:spPr>
-                <a:xfrm rot="5400000" flipH="1" flipV="1">
-                  <a:off x="19347120" y="16494120"/>
-                  <a:ext cx="240120" cy="12240"/>
-                </a:xfrm>
-                <a:prstGeom prst="bentConnector3">
-                  <a:avLst>
-                    <a:gd name="adj1" fmla="val 50000"/>
-                  </a:avLst>
-                </a:prstGeom>
-                <a:noFill/>
-                <a:ln>
-                  <a:solidFill>
-                    <a:srgbClr val="4472C4"/>
-                  </a:solidFill>
-                  <a:tailEnd type="triangle" w="med" len="med"/>
-                </a:ln>
-              </p:spPr>
-              <p:style>
-                <a:lnRef idx="1">
-                  <a:schemeClr val="accent1"/>
-                </a:lnRef>
-                <a:fillRef idx="0">
-                  <a:schemeClr val="accent1"/>
-                </a:fillRef>
-                <a:effectRef idx="0">
-                  <a:schemeClr val="accent1"/>
-                </a:effectRef>
-                <a:fontRef idx="minor"/>
-              </p:style>
-            </p:sp>
-          </p:grpSp>
-        </p:grpSp>
         <p:sp>
           <p:nvSpPr>
-            <p:cNvPr id="349" name="CustomShape 311"/>
+            <p:cNvPr id="265" name="CustomShape 227"/>
             <p:cNvSpPr/>
             <p:nvPr/>
           </p:nvSpPr>
           <p:spPr>
             <a:xfrm>
-              <a:off x="18297720" y="15821640"/>
-              <a:ext cx="1110217" cy="275545"/>
+              <a:off x="18473760" y="20002680"/>
+              <a:ext cx="3027240" cy="1842908"/>
+            </a:xfrm>
+            <a:prstGeom prst="rect">
+              <a:avLst/>
+            </a:prstGeom>
+            <a:solidFill>
+              <a:srgbClr val="000000"/>
+            </a:solidFill>
+            <a:ln>
+              <a:solidFill>
+                <a:srgbClr val="000000"/>
+              </a:solidFill>
+            </a:ln>
+          </p:spPr>
+          <p:style>
+            <a:lnRef idx="2">
+              <a:schemeClr val="dk1">
+                <a:shade val="50000"/>
+              </a:schemeClr>
+            </a:lnRef>
+            <a:fillRef idx="1">
+              <a:schemeClr val="dk1"/>
+            </a:fillRef>
+            <a:effectRef idx="0">
+              <a:schemeClr val="dk1"/>
+            </a:effectRef>
+            <a:fontRef idx="minor"/>
+          </p:style>
+        </p:sp>
+        <p:sp>
+          <p:nvSpPr>
+            <p:cNvPr id="266" name="CustomShape 228"/>
+            <p:cNvSpPr/>
+            <p:nvPr/>
+          </p:nvSpPr>
+          <p:spPr>
+            <a:xfrm>
+              <a:off x="18718200" y="20190240"/>
+              <a:ext cx="748800" cy="182520"/>
+            </a:xfrm>
+            <a:prstGeom prst="rect">
+              <a:avLst/>
+            </a:prstGeom>
+            <a:solidFill>
+              <a:srgbClr val="ED7D31"/>
+            </a:solidFill>
+            <a:ln>
+              <a:solidFill>
+                <a:srgbClr val="AF5C24"/>
+              </a:solidFill>
+            </a:ln>
+          </p:spPr>
+          <p:style>
+            <a:lnRef idx="2">
+              <a:schemeClr val="accent2">
+                <a:shade val="50000"/>
+              </a:schemeClr>
+            </a:lnRef>
+            <a:fillRef idx="1">
+              <a:schemeClr val="accent2"/>
+            </a:fillRef>
+            <a:effectRef idx="0">
+              <a:schemeClr val="accent2"/>
+            </a:effectRef>
+            <a:fontRef idx="minor"/>
+          </p:style>
+          <p:txBody>
+            <a:bodyPr lIns="90000" tIns="45000" rIns="90000" bIns="45000" anchor="ctr">
+              <a:noAutofit/>
+            </a:bodyPr>
+            <a:lstStyle/>
+            <a:p>
+              <a:pPr algn="ctr">
+                <a:lnSpc>
+                  <a:spcPct val="100000"/>
+                </a:lnSpc>
+              </a:pPr>
+              <a:r>
+                <a:rPr lang="en-US" sz="1200" b="0" strike="noStrike" spc="-1">
+                  <a:solidFill>
+                    <a:srgbClr val="FFFFFF"/>
+                  </a:solidFill>
+                  <a:latin typeface="Calibri"/>
+                </a:rPr>
+                <a:t>Interface</a:t>
+              </a:r>
+              <a:endParaRPr lang="en-US" sz="1200" b="0" strike="noStrike" spc="-1">
+                <a:latin typeface="Arial"/>
+              </a:endParaRPr>
+            </a:p>
+          </p:txBody>
+        </p:sp>
+        <p:sp>
+          <p:nvSpPr>
+            <p:cNvPr id="267" name="CustomShape 229"/>
+            <p:cNvSpPr/>
+            <p:nvPr/>
+          </p:nvSpPr>
+          <p:spPr>
+            <a:xfrm>
+              <a:off x="18718200" y="20539800"/>
+              <a:ext cx="1727280" cy="182520"/>
+            </a:xfrm>
+            <a:prstGeom prst="rect">
+              <a:avLst/>
+            </a:prstGeom>
+            <a:solidFill>
+              <a:srgbClr val="5B9BD5"/>
+            </a:solidFill>
+            <a:ln>
+              <a:solidFill>
+                <a:srgbClr val="43729D"/>
+              </a:solidFill>
+            </a:ln>
+          </p:spPr>
+          <p:style>
+            <a:lnRef idx="2">
+              <a:schemeClr val="accent5">
+                <a:shade val="50000"/>
+              </a:schemeClr>
+            </a:lnRef>
+            <a:fillRef idx="1">
+              <a:schemeClr val="accent5"/>
+            </a:fillRef>
+            <a:effectRef idx="0">
+              <a:schemeClr val="accent5"/>
+            </a:effectRef>
+            <a:fontRef idx="minor"/>
+          </p:style>
+          <p:txBody>
+            <a:bodyPr lIns="90000" tIns="45000" rIns="90000" bIns="45000" anchor="ctr">
+              <a:noAutofit/>
+            </a:bodyPr>
+            <a:lstStyle/>
+            <a:p>
+              <a:pPr algn="ctr">
+                <a:lnSpc>
+                  <a:spcPct val="100000"/>
+                </a:lnSpc>
+              </a:pPr>
+              <a:r>
+                <a:rPr lang="en-US" sz="1200" b="0" strike="noStrike" spc="-1">
+                  <a:solidFill>
+                    <a:srgbClr val="FFFFFF"/>
+                  </a:solidFill>
+                  <a:latin typeface="Calibri"/>
+                </a:rPr>
+                <a:t>Partial Implementation</a:t>
+              </a:r>
+              <a:endParaRPr lang="en-US" sz="1200" b="0" strike="noStrike" spc="-1">
+                <a:latin typeface="Arial"/>
+              </a:endParaRPr>
+            </a:p>
+          </p:txBody>
+        </p:sp>
+        <p:sp>
+          <p:nvSpPr>
+            <p:cNvPr id="268" name="CustomShape 230"/>
+            <p:cNvSpPr/>
+            <p:nvPr/>
+          </p:nvSpPr>
+          <p:spPr>
+            <a:xfrm>
+              <a:off x="18718200" y="20880000"/>
+              <a:ext cx="1442880" cy="182520"/>
+            </a:xfrm>
+            <a:prstGeom prst="rect">
+              <a:avLst/>
+            </a:prstGeom>
+            <a:solidFill>
+              <a:srgbClr val="4472C4"/>
+            </a:solidFill>
+            <a:ln>
+              <a:solidFill>
+                <a:srgbClr val="325490"/>
+              </a:solidFill>
+            </a:ln>
+          </p:spPr>
+          <p:style>
+            <a:lnRef idx="2">
+              <a:schemeClr val="accent1">
+                <a:shade val="50000"/>
+              </a:schemeClr>
+            </a:lnRef>
+            <a:fillRef idx="1">
+              <a:schemeClr val="accent1"/>
+            </a:fillRef>
+            <a:effectRef idx="0">
+              <a:schemeClr val="accent1"/>
+            </a:effectRef>
+            <a:fontRef idx="minor"/>
+          </p:style>
+          <p:txBody>
+            <a:bodyPr lIns="90000" tIns="45000" rIns="90000" bIns="45000" anchor="ctr">
+              <a:noAutofit/>
+            </a:bodyPr>
+            <a:lstStyle/>
+            <a:p>
+              <a:pPr algn="ctr">
+                <a:lnSpc>
+                  <a:spcPct val="100000"/>
+                </a:lnSpc>
+              </a:pPr>
+              <a:r>
+                <a:rPr lang="en-US" sz="1200" b="0" strike="noStrike" spc="-1">
+                  <a:solidFill>
+                    <a:srgbClr val="FFFFFF"/>
+                  </a:solidFill>
+                  <a:latin typeface="Calibri"/>
+                </a:rPr>
+                <a:t>Full Implementation</a:t>
+              </a:r>
+              <a:endParaRPr lang="en-US" sz="1200" b="0" strike="noStrike" spc="-1">
+                <a:latin typeface="Arial"/>
+              </a:endParaRPr>
+            </a:p>
+          </p:txBody>
+        </p:sp>
+        <p:sp>
+          <p:nvSpPr>
+            <p:cNvPr id="269" name="CustomShape 231"/>
+            <p:cNvSpPr/>
+            <p:nvPr/>
+          </p:nvSpPr>
+          <p:spPr>
+            <a:xfrm>
+              <a:off x="20693160" y="20170440"/>
+              <a:ext cx="511920" cy="364680"/>
             </a:xfrm>
             <a:prstGeom prst="rect">
               <a:avLst/>
@@ -14079,780 +13572,15 @@
                 </a:lnSpc>
               </a:pPr>
               <a:r>
-                <a:rPr lang="en-US" sz="1200" b="0" strike="noStrike" spc="-1" dirty="0" err="1">
+                <a:rPr lang="en-US" sz="1800" b="0" strike="noStrike" spc="-1">
                   <a:solidFill>
-                    <a:srgbClr val="000000"/>
+                    <a:srgbClr val="FF0000"/>
                   </a:solidFill>
-                  <a:latin typeface="Courier New"/>
+                  <a:latin typeface="Calibri"/>
                 </a:rPr>
-                <a:t>breed.mcfg</a:t>
+                <a:t>Key</a:t>
               </a:r>
-              <a:endParaRPr lang="en-US" sz="1200" b="0" strike="noStrike" spc="-1" dirty="0">
-                <a:latin typeface="Arial"/>
-              </a:endParaRPr>
-            </a:p>
-          </p:txBody>
-        </p:sp>
-      </p:grpSp>
-      <p:sp>
-        <p:nvSpPr>
-          <p:cNvPr id="351" name="CustomShape 244">
-            <a:extLst>
-              <a:ext uri="{FF2B5EF4-FFF2-40B4-BE49-F238E27FC236}">
-                <a16:creationId xmlns:a16="http://schemas.microsoft.com/office/drawing/2014/main" id="{4ECF2AF8-49F5-49F2-B1F9-3F2564A6FB5C}"/>
-              </a:ext>
-            </a:extLst>
-          </p:cNvPr>
-          <p:cNvSpPr/>
-          <p:nvPr/>
-        </p:nvSpPr>
-        <p:spPr>
-          <a:xfrm>
-            <a:off x="18717480" y="21551782"/>
-            <a:ext cx="484920" cy="182520"/>
-          </a:xfrm>
-          <a:prstGeom prst="rect">
-            <a:avLst/>
-          </a:prstGeom>
-          <a:ln/>
-        </p:spPr>
-        <p:style>
-          <a:lnRef idx="2">
-            <a:schemeClr val="accent4">
-              <a:shade val="50000"/>
-            </a:schemeClr>
-          </a:lnRef>
-          <a:fillRef idx="1">
-            <a:schemeClr val="accent4"/>
-          </a:fillRef>
-          <a:effectRef idx="0">
-            <a:schemeClr val="accent4"/>
-          </a:effectRef>
-          <a:fontRef idx="minor">
-            <a:schemeClr val="lt1"/>
-          </a:fontRef>
-        </p:style>
-        <p:txBody>
-          <a:bodyPr lIns="90000" tIns="45000" rIns="90000" bIns="45000" anchor="ctr">
-            <a:noAutofit/>
-          </a:bodyPr>
-          <a:lstStyle/>
-          <a:p>
-            <a:pPr algn="ctr">
-              <a:lnSpc>
-                <a:spcPct val="100000"/>
-              </a:lnSpc>
-            </a:pPr>
-            <a:r>
-              <a:rPr lang="en-US" sz="1200" spc="-1" dirty="0">
-                <a:solidFill>
-                  <a:srgbClr val="FFFFFF"/>
-                </a:solidFill>
-                <a:latin typeface="Calibri"/>
-              </a:rPr>
-              <a:t>Alias</a:t>
-            </a:r>
-            <a:endParaRPr lang="en-US" sz="1200" b="0" strike="noStrike" spc="-1" dirty="0">
-              <a:latin typeface="Arial"/>
-            </a:endParaRPr>
-          </a:p>
-        </p:txBody>
-      </p:sp>
-      <p:grpSp>
-        <p:nvGrpSpPr>
-          <p:cNvPr id="16" name="Group 15">
-            <a:extLst>
-              <a:ext uri="{FF2B5EF4-FFF2-40B4-BE49-F238E27FC236}">
-                <a16:creationId xmlns:a16="http://schemas.microsoft.com/office/drawing/2014/main" id="{60E11222-265B-4C29-8616-E38D8569B605}"/>
-              </a:ext>
-            </a:extLst>
-          </p:cNvPr>
-          <p:cNvGrpSpPr/>
-          <p:nvPr/>
-        </p:nvGrpSpPr>
-        <p:grpSpPr>
-          <a:xfrm>
-            <a:off x="7314330" y="16804755"/>
-            <a:ext cx="6019560" cy="1461240"/>
-            <a:chOff x="1359000" y="18684720"/>
-            <a:chExt cx="6019560" cy="1461240"/>
-          </a:xfrm>
-        </p:grpSpPr>
-        <p:grpSp>
-          <p:nvGrpSpPr>
-            <p:cNvPr id="56" name="Group 18"/>
-            <p:cNvGrpSpPr/>
-            <p:nvPr/>
-          </p:nvGrpSpPr>
-          <p:grpSpPr>
-            <a:xfrm>
-              <a:off x="1359000" y="18684720"/>
-              <a:ext cx="6019560" cy="1461240"/>
-              <a:chOff x="1359000" y="18684720"/>
-              <a:chExt cx="6019560" cy="1461240"/>
-            </a:xfrm>
-          </p:grpSpPr>
-          <p:sp>
-            <p:nvSpPr>
-              <p:cNvPr id="57" name="CustomShape 19"/>
-              <p:cNvSpPr/>
-              <p:nvPr/>
-            </p:nvSpPr>
-            <p:spPr>
-              <a:xfrm>
-                <a:off x="1359000" y="18684720"/>
-                <a:ext cx="6019560" cy="1461240"/>
-              </a:xfrm>
-              <a:prstGeom prst="rect">
-                <a:avLst/>
-              </a:prstGeom>
-              <a:solidFill>
-                <a:schemeClr val="accent6">
-                  <a:alpha val="50000"/>
-                </a:schemeClr>
-              </a:solidFill>
-              <a:ln w="0">
-                <a:noFill/>
-              </a:ln>
-            </p:spPr>
-            <p:style>
-              <a:lnRef idx="0">
-                <a:scrgbClr r="0" g="0" b="0"/>
-              </a:lnRef>
-              <a:fillRef idx="0">
-                <a:scrgbClr r="0" g="0" b="0"/>
-              </a:fillRef>
-              <a:effectRef idx="0">
-                <a:scrgbClr r="0" g="0" b="0"/>
-              </a:effectRef>
-              <a:fontRef idx="minor"/>
-            </p:style>
-          </p:sp>
-          <p:sp>
-            <p:nvSpPr>
-              <p:cNvPr id="58" name="CustomShape 20"/>
-              <p:cNvSpPr/>
-              <p:nvPr/>
-            </p:nvSpPr>
-            <p:spPr>
-              <a:xfrm>
-                <a:off x="1425575" y="19317960"/>
-                <a:ext cx="1374505" cy="182520"/>
-              </a:xfrm>
-              <a:prstGeom prst="rect">
-                <a:avLst/>
-              </a:prstGeom>
-              <a:solidFill>
-                <a:srgbClr val="ED7D31"/>
-              </a:solidFill>
-              <a:ln>
-                <a:solidFill>
-                  <a:srgbClr val="AF5C24"/>
-                </a:solidFill>
-              </a:ln>
-            </p:spPr>
-            <p:style>
-              <a:lnRef idx="2">
-                <a:schemeClr val="accent2">
-                  <a:shade val="50000"/>
-                </a:schemeClr>
-              </a:lnRef>
-              <a:fillRef idx="1">
-                <a:schemeClr val="accent2"/>
-              </a:fillRef>
-              <a:effectRef idx="0">
-                <a:schemeClr val="accent2"/>
-              </a:effectRef>
-              <a:fontRef idx="minor"/>
-            </p:style>
-            <p:txBody>
-              <a:bodyPr lIns="90000" tIns="45000" rIns="90000" bIns="45000" anchor="ctr">
-                <a:noAutofit/>
-              </a:bodyPr>
-              <a:lstStyle/>
-              <a:p>
-                <a:pPr algn="ctr">
-                  <a:lnSpc>
-                    <a:spcPct val="100000"/>
-                  </a:lnSpc>
-                </a:pPr>
-                <a:r>
-                  <a:rPr lang="en-US" sz="1200" b="0" strike="noStrike" spc="-1" dirty="0" err="1">
-                    <a:solidFill>
-                      <a:srgbClr val="FFFFFF"/>
-                    </a:solidFill>
-                    <a:latin typeface="Calibri"/>
-                  </a:rPr>
-                  <a:t>SelectionOperator</a:t>
-                </a:r>
-                <a:endParaRPr lang="en-US" sz="1200" b="0" strike="noStrike" spc="-1" dirty="0">
-                  <a:latin typeface="Arial"/>
-                </a:endParaRPr>
-              </a:p>
-            </p:txBody>
-          </p:sp>
-          <p:sp>
-            <p:nvSpPr>
-              <p:cNvPr id="59" name="CustomShape 21"/>
-              <p:cNvSpPr/>
-              <p:nvPr/>
-            </p:nvSpPr>
-            <p:spPr>
-              <a:xfrm>
-                <a:off x="3339720" y="18740880"/>
-                <a:ext cx="2946960" cy="182520"/>
-              </a:xfrm>
-              <a:prstGeom prst="rect">
-                <a:avLst/>
-              </a:prstGeom>
-              <a:solidFill>
-                <a:srgbClr val="4472C4"/>
-              </a:solidFill>
-              <a:ln>
-                <a:solidFill>
-                  <a:srgbClr val="325490"/>
-                </a:solidFill>
-              </a:ln>
-            </p:spPr>
-            <p:style>
-              <a:lnRef idx="2">
-                <a:schemeClr val="accent1">
-                  <a:shade val="50000"/>
-                </a:schemeClr>
-              </a:lnRef>
-              <a:fillRef idx="1">
-                <a:schemeClr val="accent1"/>
-              </a:fillRef>
-              <a:effectRef idx="0">
-                <a:schemeClr val="accent1"/>
-              </a:effectRef>
-              <a:fontRef idx="minor"/>
-            </p:style>
-            <p:txBody>
-              <a:bodyPr lIns="90000" tIns="45000" rIns="90000" bIns="45000" anchor="ctr">
-                <a:noAutofit/>
-              </a:bodyPr>
-              <a:lstStyle/>
-              <a:p>
-                <a:pPr algn="ctr">
-                  <a:lnSpc>
-                    <a:spcPct val="100000"/>
-                  </a:lnSpc>
-                </a:pPr>
-                <a:r>
-                  <a:rPr lang="en-US" sz="1200" b="0" strike="noStrike" spc="-1" dirty="0" err="1">
-                    <a:solidFill>
-                      <a:srgbClr val="FFFFFF"/>
-                    </a:solidFill>
-                    <a:latin typeface="Calibri"/>
-                  </a:rPr>
-                  <a:t>ConventionalGenomicSelectionOperator</a:t>
-                </a:r>
-                <a:endParaRPr lang="en-US" sz="1200" b="0" strike="noStrike" spc="-1" dirty="0">
-                  <a:latin typeface="Arial"/>
-                </a:endParaRPr>
-              </a:p>
-            </p:txBody>
-          </p:sp>
-          <p:sp>
-            <p:nvSpPr>
-              <p:cNvPr id="60" name="CustomShape 22"/>
-              <p:cNvSpPr/>
-              <p:nvPr/>
-            </p:nvSpPr>
-            <p:spPr>
-              <a:xfrm>
-                <a:off x="3339720" y="19313640"/>
-                <a:ext cx="2946960" cy="182520"/>
-              </a:xfrm>
-              <a:prstGeom prst="rect">
-                <a:avLst/>
-              </a:prstGeom>
-              <a:solidFill>
-                <a:srgbClr val="4472C4"/>
-              </a:solidFill>
-              <a:ln>
-                <a:solidFill>
-                  <a:srgbClr val="325490"/>
-                </a:solidFill>
-              </a:ln>
-            </p:spPr>
-            <p:style>
-              <a:lnRef idx="2">
-                <a:schemeClr val="accent1">
-                  <a:shade val="50000"/>
-                </a:schemeClr>
-              </a:lnRef>
-              <a:fillRef idx="1">
-                <a:schemeClr val="accent1"/>
-              </a:fillRef>
-              <a:effectRef idx="0">
-                <a:schemeClr val="accent1"/>
-              </a:effectRef>
-              <a:fontRef idx="minor"/>
-            </p:style>
-            <p:txBody>
-              <a:bodyPr lIns="90000" tIns="45000" rIns="90000" bIns="45000" anchor="ctr">
-                <a:noAutofit/>
-              </a:bodyPr>
-              <a:lstStyle/>
-              <a:p>
-                <a:pPr algn="ctr">
-                  <a:lnSpc>
-                    <a:spcPct val="100000"/>
-                  </a:lnSpc>
-                </a:pPr>
-                <a:r>
-                  <a:rPr lang="en-US" sz="1200" b="0" strike="noStrike" spc="-1" dirty="0" err="1">
-                    <a:solidFill>
-                      <a:srgbClr val="FFFFFF"/>
-                    </a:solidFill>
-                    <a:latin typeface="Calibri"/>
-                  </a:rPr>
-                  <a:t>MultiObjectiveGenomicMatingOperator</a:t>
-                </a:r>
-                <a:endParaRPr lang="en-US" sz="1200" b="0" strike="noStrike" spc="-1" dirty="0">
-                  <a:latin typeface="Arial"/>
-                </a:endParaRPr>
-              </a:p>
-            </p:txBody>
-          </p:sp>
-          <p:sp>
-            <p:nvSpPr>
-              <p:cNvPr id="61" name="CustomShape 23"/>
-              <p:cNvSpPr/>
-              <p:nvPr/>
-            </p:nvSpPr>
-            <p:spPr>
-              <a:xfrm>
-                <a:off x="3339720" y="19027440"/>
-                <a:ext cx="2946960" cy="182520"/>
-              </a:xfrm>
-              <a:prstGeom prst="rect">
-                <a:avLst/>
-              </a:prstGeom>
-              <a:solidFill>
-                <a:srgbClr val="4472C4"/>
-              </a:solidFill>
-              <a:ln>
-                <a:solidFill>
-                  <a:srgbClr val="325490"/>
-                </a:solidFill>
-              </a:ln>
-            </p:spPr>
-            <p:style>
-              <a:lnRef idx="2">
-                <a:schemeClr val="accent1">
-                  <a:shade val="50000"/>
-                </a:schemeClr>
-              </a:lnRef>
-              <a:fillRef idx="1">
-                <a:schemeClr val="accent1"/>
-              </a:fillRef>
-              <a:effectRef idx="0">
-                <a:schemeClr val="accent1"/>
-              </a:effectRef>
-              <a:fontRef idx="minor"/>
-            </p:style>
-            <p:txBody>
-              <a:bodyPr lIns="90000" tIns="45000" rIns="90000" bIns="45000" anchor="ctr">
-                <a:noAutofit/>
-              </a:bodyPr>
-              <a:lstStyle/>
-              <a:p>
-                <a:pPr algn="ctr">
-                  <a:lnSpc>
-                    <a:spcPct val="100000"/>
-                  </a:lnSpc>
-                </a:pPr>
-                <a:r>
-                  <a:rPr lang="en-US" sz="1200" b="0" strike="noStrike" spc="-1" dirty="0" err="1">
-                    <a:solidFill>
-                      <a:srgbClr val="FFFFFF"/>
-                    </a:solidFill>
-                    <a:latin typeface="Calibri"/>
-                  </a:rPr>
-                  <a:t>WeightedGenomicSelectionOperator</a:t>
-                </a:r>
-                <a:endParaRPr lang="en-US" sz="1200" b="0" strike="noStrike" spc="-1" dirty="0">
-                  <a:latin typeface="Arial"/>
-                </a:endParaRPr>
-              </a:p>
-            </p:txBody>
-          </p:sp>
-          <p:sp>
-            <p:nvSpPr>
-              <p:cNvPr id="62" name="CustomShape 24"/>
-              <p:cNvSpPr/>
-              <p:nvPr/>
-            </p:nvSpPr>
-            <p:spPr>
-              <a:xfrm>
-                <a:off x="3339720" y="19599480"/>
-                <a:ext cx="2946960" cy="182520"/>
-              </a:xfrm>
-              <a:prstGeom prst="rect">
-                <a:avLst/>
-              </a:prstGeom>
-              <a:solidFill>
-                <a:srgbClr val="4472C4"/>
-              </a:solidFill>
-              <a:ln>
-                <a:solidFill>
-                  <a:srgbClr val="325490"/>
-                </a:solidFill>
-              </a:ln>
-            </p:spPr>
-            <p:style>
-              <a:lnRef idx="2">
-                <a:schemeClr val="accent1">
-                  <a:shade val="50000"/>
-                </a:schemeClr>
-              </a:lnRef>
-              <a:fillRef idx="1">
-                <a:schemeClr val="accent1"/>
-              </a:fillRef>
-              <a:effectRef idx="0">
-                <a:schemeClr val="accent1"/>
-              </a:effectRef>
-              <a:fontRef idx="minor"/>
-            </p:style>
-            <p:txBody>
-              <a:bodyPr lIns="90000" tIns="45000" rIns="90000" bIns="45000" anchor="ctr">
-                <a:noAutofit/>
-              </a:bodyPr>
-              <a:lstStyle/>
-              <a:p>
-                <a:pPr algn="ctr">
-                  <a:lnSpc>
-                    <a:spcPct val="100000"/>
-                  </a:lnSpc>
-                </a:pPr>
-                <a:r>
-                  <a:rPr lang="en-US" sz="1200" b="0" strike="noStrike" spc="-1" dirty="0" err="1">
-                    <a:solidFill>
-                      <a:srgbClr val="FFFFFF"/>
-                    </a:solidFill>
-                    <a:latin typeface="Calibri"/>
-                  </a:rPr>
-                  <a:t>MultiObjectiveGenomicSelectionOperator</a:t>
-                </a:r>
-                <a:endParaRPr lang="en-US" sz="1200" b="0" strike="noStrike" spc="-1" dirty="0">
-                  <a:latin typeface="Arial"/>
-                </a:endParaRPr>
-              </a:p>
-            </p:txBody>
-          </p:sp>
-          <p:sp>
-            <p:nvSpPr>
-              <p:cNvPr id="63" name="CustomShape 25"/>
-              <p:cNvSpPr/>
-              <p:nvPr/>
-            </p:nvSpPr>
-            <p:spPr>
-              <a:xfrm>
-                <a:off x="3339720" y="19891080"/>
-                <a:ext cx="2946960" cy="182520"/>
-              </a:xfrm>
-              <a:prstGeom prst="rect">
-                <a:avLst/>
-              </a:prstGeom>
-              <a:solidFill>
-                <a:srgbClr val="4472C4"/>
-              </a:solidFill>
-              <a:ln>
-                <a:solidFill>
-                  <a:srgbClr val="325490"/>
-                </a:solidFill>
-              </a:ln>
-            </p:spPr>
-            <p:style>
-              <a:lnRef idx="2">
-                <a:schemeClr val="accent1">
-                  <a:shade val="50000"/>
-                </a:schemeClr>
-              </a:lnRef>
-              <a:fillRef idx="1">
-                <a:schemeClr val="accent1"/>
-              </a:fillRef>
-              <a:effectRef idx="0">
-                <a:schemeClr val="accent1"/>
-              </a:effectRef>
-              <a:fontRef idx="minor"/>
-            </p:style>
-            <p:txBody>
-              <a:bodyPr lIns="90000" tIns="45000" rIns="90000" bIns="45000" anchor="ctr">
-                <a:noAutofit/>
-              </a:bodyPr>
-              <a:lstStyle/>
-              <a:p>
-                <a:pPr algn="ctr">
-                  <a:lnSpc>
-                    <a:spcPct val="100000"/>
-                  </a:lnSpc>
-                </a:pPr>
-                <a:r>
-                  <a:rPr lang="en-US" sz="1200" b="0" strike="noStrike" spc="-1" dirty="0" err="1">
-                    <a:solidFill>
-                      <a:srgbClr val="FFFFFF"/>
-                    </a:solidFill>
-                    <a:latin typeface="Calibri"/>
-                  </a:rPr>
-                  <a:t>etc</a:t>
-                </a:r>
-                <a:r>
-                  <a:rPr lang="en-US" sz="1200" b="0" strike="noStrike" spc="-1" dirty="0">
-                    <a:solidFill>
-                      <a:srgbClr val="FFFFFF"/>
-                    </a:solidFill>
-                    <a:latin typeface="Calibri"/>
-                  </a:rPr>
-                  <a:t>…</a:t>
-                </a:r>
-                <a:endParaRPr lang="en-US" sz="1200" b="0" strike="noStrike" spc="-1" dirty="0">
-                  <a:latin typeface="Arial"/>
-                </a:endParaRPr>
-              </a:p>
-            </p:txBody>
-          </p:sp>
-          <p:sp>
-            <p:nvSpPr>
-              <p:cNvPr id="64" name="CustomShape 26"/>
-              <p:cNvSpPr/>
-              <p:nvPr/>
-            </p:nvSpPr>
-            <p:spPr>
-              <a:xfrm rot="10800000" flipV="1">
-                <a:off x="2800800" y="18832680"/>
-                <a:ext cx="538920" cy="576720"/>
-              </a:xfrm>
-              <a:prstGeom prst="bentConnector3">
-                <a:avLst>
-                  <a:gd name="adj1" fmla="val 50000"/>
-                </a:avLst>
-              </a:prstGeom>
-              <a:noFill/>
-              <a:ln>
-                <a:solidFill>
-                  <a:srgbClr val="4472C4"/>
-                </a:solidFill>
-                <a:tailEnd type="triangle" w="med" len="med"/>
-              </a:ln>
-            </p:spPr>
-            <p:style>
-              <a:lnRef idx="1">
-                <a:schemeClr val="accent1"/>
-              </a:lnRef>
-              <a:fillRef idx="0">
-                <a:schemeClr val="accent1"/>
-              </a:fillRef>
-              <a:effectRef idx="0">
-                <a:schemeClr val="accent1"/>
-              </a:effectRef>
-              <a:fontRef idx="minor"/>
-            </p:style>
-          </p:sp>
-          <p:sp>
-            <p:nvSpPr>
-              <p:cNvPr id="65" name="CustomShape 27"/>
-              <p:cNvSpPr/>
-              <p:nvPr/>
-            </p:nvSpPr>
-            <p:spPr>
-              <a:xfrm rot="10800000" flipV="1">
-                <a:off x="2800800" y="19119240"/>
-                <a:ext cx="538920" cy="290160"/>
-              </a:xfrm>
-              <a:prstGeom prst="bentConnector3">
-                <a:avLst>
-                  <a:gd name="adj1" fmla="val 50000"/>
-                </a:avLst>
-              </a:prstGeom>
-              <a:noFill/>
-              <a:ln>
-                <a:solidFill>
-                  <a:srgbClr val="4472C4"/>
-                </a:solidFill>
-                <a:tailEnd type="triangle" w="med" len="med"/>
-              </a:ln>
-            </p:spPr>
-            <p:style>
-              <a:lnRef idx="1">
-                <a:schemeClr val="accent1"/>
-              </a:lnRef>
-              <a:fillRef idx="0">
-                <a:schemeClr val="accent1"/>
-              </a:fillRef>
-              <a:effectRef idx="0">
-                <a:schemeClr val="accent1"/>
-              </a:effectRef>
-              <a:fontRef idx="minor"/>
-            </p:style>
-          </p:sp>
-          <p:sp>
-            <p:nvSpPr>
-              <p:cNvPr id="66" name="CustomShape 28"/>
-              <p:cNvSpPr/>
-              <p:nvPr/>
-            </p:nvSpPr>
-            <p:spPr>
-              <a:xfrm rot="10800000" flipV="1">
-                <a:off x="2800800" y="19404720"/>
-                <a:ext cx="538920" cy="3960"/>
-              </a:xfrm>
-              <a:prstGeom prst="bentConnector3">
-                <a:avLst>
-                  <a:gd name="adj1" fmla="val 50000"/>
-                </a:avLst>
-              </a:prstGeom>
-              <a:noFill/>
-              <a:ln>
-                <a:solidFill>
-                  <a:srgbClr val="4472C4"/>
-                </a:solidFill>
-                <a:tailEnd type="triangle" w="med" len="med"/>
-              </a:ln>
-            </p:spPr>
-            <p:style>
-              <a:lnRef idx="1">
-                <a:schemeClr val="accent1"/>
-              </a:lnRef>
-              <a:fillRef idx="0">
-                <a:schemeClr val="accent1"/>
-              </a:fillRef>
-              <a:effectRef idx="0">
-                <a:schemeClr val="accent1"/>
-              </a:effectRef>
-              <a:fontRef idx="minor"/>
-            </p:style>
-          </p:sp>
-          <p:sp>
-            <p:nvSpPr>
-              <p:cNvPr id="67" name="CustomShape 29"/>
-              <p:cNvSpPr/>
-              <p:nvPr/>
-            </p:nvSpPr>
-            <p:spPr>
-              <a:xfrm rot="10800000">
-                <a:off x="2800800" y="19409400"/>
-                <a:ext cx="538920" cy="281520"/>
-              </a:xfrm>
-              <a:prstGeom prst="bentConnector3">
-                <a:avLst>
-                  <a:gd name="adj1" fmla="val 50000"/>
-                </a:avLst>
-              </a:prstGeom>
-              <a:noFill/>
-              <a:ln>
-                <a:solidFill>
-                  <a:srgbClr val="4472C4"/>
-                </a:solidFill>
-                <a:tailEnd type="triangle" w="med" len="med"/>
-              </a:ln>
-            </p:spPr>
-            <p:style>
-              <a:lnRef idx="1">
-                <a:schemeClr val="accent1"/>
-              </a:lnRef>
-              <a:fillRef idx="0">
-                <a:schemeClr val="accent1"/>
-              </a:fillRef>
-              <a:effectRef idx="0">
-                <a:schemeClr val="accent1"/>
-              </a:effectRef>
-              <a:fontRef idx="minor"/>
-            </p:style>
-          </p:sp>
-          <p:sp>
-            <p:nvSpPr>
-              <p:cNvPr id="68" name="CustomShape 30"/>
-              <p:cNvSpPr/>
-              <p:nvPr/>
-            </p:nvSpPr>
-            <p:spPr>
-              <a:xfrm rot="10800000">
-                <a:off x="2800800" y="19409760"/>
-                <a:ext cx="538920" cy="572760"/>
-              </a:xfrm>
-              <a:prstGeom prst="bentConnector3">
-                <a:avLst>
-                  <a:gd name="adj1" fmla="val 50000"/>
-                </a:avLst>
-              </a:prstGeom>
-              <a:noFill/>
-              <a:ln>
-                <a:solidFill>
-                  <a:srgbClr val="4472C4"/>
-                </a:solidFill>
-                <a:tailEnd type="triangle" w="med" len="med"/>
-              </a:ln>
-            </p:spPr>
-            <p:style>
-              <a:lnRef idx="1">
-                <a:schemeClr val="accent1"/>
-              </a:lnRef>
-              <a:fillRef idx="0">
-                <a:schemeClr val="accent1"/>
-              </a:fillRef>
-              <a:effectRef idx="0">
-                <a:schemeClr val="accent1"/>
-              </a:effectRef>
-              <a:fontRef idx="minor"/>
-            </p:style>
-          </p:sp>
-        </p:grpSp>
-        <p:sp>
-          <p:nvSpPr>
-            <p:cNvPr id="191" name="CustomShape 153"/>
-            <p:cNvSpPr/>
-            <p:nvPr/>
-          </p:nvSpPr>
-          <p:spPr>
-            <a:xfrm>
-              <a:off x="1688040" y="18832320"/>
-              <a:ext cx="1002600" cy="272880"/>
-            </a:xfrm>
-            <a:prstGeom prst="rect">
-              <a:avLst/>
-            </a:prstGeom>
-            <a:noFill/>
-            <a:ln w="0">
-              <a:noFill/>
-            </a:ln>
-          </p:spPr>
-          <p:style>
-            <a:lnRef idx="0">
-              <a:scrgbClr r="0" g="0" b="0"/>
-            </a:lnRef>
-            <a:fillRef idx="0">
-              <a:scrgbClr r="0" g="0" b="0"/>
-            </a:fillRef>
-            <a:effectRef idx="0">
-              <a:scrgbClr r="0" g="0" b="0"/>
-            </a:effectRef>
-            <a:fontRef idx="minor"/>
-          </p:style>
-          <p:txBody>
-            <a:bodyPr wrap="none" lIns="90000" tIns="45000" rIns="90000" bIns="45000">
-              <a:spAutoFit/>
-            </a:bodyPr>
-            <a:lstStyle/>
-            <a:p>
-              <a:pPr>
-                <a:lnSpc>
-                  <a:spcPct val="100000"/>
-                </a:lnSpc>
-              </a:pPr>
-              <a:r>
-                <a:rPr lang="en-US" sz="1200" b="0" strike="noStrike" spc="-1">
-                  <a:solidFill>
-                    <a:srgbClr val="000000"/>
-                  </a:solidFill>
-                  <a:latin typeface="Courier New"/>
-                </a:rPr>
-                <a:t>breed.sel</a:t>
-              </a:r>
-              <a:endParaRPr lang="en-US" sz="1200" b="0" strike="noStrike" spc="-1">
+              <a:endParaRPr lang="en-US" sz="1800" b="0" strike="noStrike" spc="-1">
                 <a:latin typeface="Arial"/>
               </a:endParaRPr>
             </a:p>
@@ -14860,41 +13588,40 @@
         </p:sp>
         <p:sp>
           <p:nvSpPr>
-            <p:cNvPr id="352" name="CustomShape 21">
-              <a:extLst>
-                <a:ext uri="{FF2B5EF4-FFF2-40B4-BE49-F238E27FC236}">
-                  <a16:creationId xmlns:a16="http://schemas.microsoft.com/office/drawing/2014/main" id="{28FA03AA-BE72-484B-993C-AD413EF5D397}"/>
-                </a:ext>
-              </a:extLst>
-            </p:cNvPr>
+            <p:cNvPr id="282" name="CustomShape 244"/>
             <p:cNvSpPr/>
             <p:nvPr/>
           </p:nvSpPr>
           <p:spPr>
             <a:xfrm>
-              <a:off x="6648121" y="18736117"/>
-              <a:ext cx="649800" cy="182520"/>
+              <a:off x="18718200" y="21216240"/>
+              <a:ext cx="1201680" cy="182520"/>
             </a:xfrm>
             <a:prstGeom prst="rect">
               <a:avLst/>
             </a:prstGeom>
-            <a:ln/>
+            <a:solidFill>
+              <a:srgbClr val="A5A5A5"/>
+            </a:solidFill>
+            <a:ln>
+              <a:solidFill>
+                <a:srgbClr val="7A7A7A"/>
+              </a:solidFill>
+            </a:ln>
           </p:spPr>
           <p:style>
             <a:lnRef idx="2">
-              <a:schemeClr val="accent4">
+              <a:schemeClr val="accent3">
                 <a:shade val="50000"/>
               </a:schemeClr>
             </a:lnRef>
             <a:fillRef idx="1">
-              <a:schemeClr val="accent4"/>
+              <a:schemeClr val="accent3"/>
             </a:fillRef>
             <a:effectRef idx="0">
-              <a:schemeClr val="accent4"/>
+              <a:schemeClr val="accent3"/>
             </a:effectRef>
-            <a:fontRef idx="minor">
-              <a:schemeClr val="lt1"/>
-            </a:fontRef>
+            <a:fontRef idx="minor"/>
           </p:style>
           <p:txBody>
             <a:bodyPr lIns="90000" tIns="45000" rIns="90000" bIns="45000" anchor="ctr">
@@ -14908,15 +13635,15 @@
                 </a:lnSpc>
               </a:pPr>
               <a:r>
-                <a:rPr lang="en-US" sz="1200" b="0" strike="noStrike" spc="-1" dirty="0">
+                <a:rPr lang="en-US" sz="1200" b="0" strike="noStrike" spc="-1">
                   <a:solidFill>
                     <a:srgbClr val="FFFFFF"/>
                   </a:solidFill>
                   <a:latin typeface="Calibri"/>
                 </a:rPr>
-                <a:t>CGS</a:t>
+                <a:t>Unimplemented</a:t>
               </a:r>
-              <a:endParaRPr lang="en-US" sz="1200" b="0" strike="noStrike" spc="-1" dirty="0">
+              <a:endParaRPr lang="en-US" sz="1200" b="0" strike="noStrike" spc="-1">
                 <a:latin typeface="Arial"/>
               </a:endParaRPr>
             </a:p>
@@ -14924,10 +13651,10 @@
         </p:sp>
         <p:sp>
           <p:nvSpPr>
-            <p:cNvPr id="353" name="CustomShape 21">
+            <p:cNvPr id="351" name="CustomShape 244">
               <a:extLst>
                 <a:ext uri="{FF2B5EF4-FFF2-40B4-BE49-F238E27FC236}">
-                  <a16:creationId xmlns:a16="http://schemas.microsoft.com/office/drawing/2014/main" id="{EED9CE28-0892-4C54-91EB-1758301DF0AB}"/>
+                  <a16:creationId xmlns:a16="http://schemas.microsoft.com/office/drawing/2014/main" id="{4ECF2AF8-49F5-49F2-B1F9-3F2564A6FB5C}"/>
                 </a:ext>
               </a:extLst>
             </p:cNvPr>
@@ -14936,200 +13663,8 @@
           </p:nvSpPr>
           <p:spPr>
             <a:xfrm>
-              <a:off x="6648121" y="19023120"/>
-              <a:ext cx="649800" cy="182520"/>
-            </a:xfrm>
-            <a:prstGeom prst="rect">
-              <a:avLst/>
-            </a:prstGeom>
-            <a:ln/>
-          </p:spPr>
-          <p:style>
-            <a:lnRef idx="2">
-              <a:schemeClr val="accent4">
-                <a:shade val="50000"/>
-              </a:schemeClr>
-            </a:lnRef>
-            <a:fillRef idx="1">
-              <a:schemeClr val="accent4"/>
-            </a:fillRef>
-            <a:effectRef idx="0">
-              <a:schemeClr val="accent4"/>
-            </a:effectRef>
-            <a:fontRef idx="minor">
-              <a:schemeClr val="lt1"/>
-            </a:fontRef>
-          </p:style>
-          <p:txBody>
-            <a:bodyPr lIns="90000" tIns="45000" rIns="90000" bIns="45000" anchor="ctr">
-              <a:noAutofit/>
-            </a:bodyPr>
-            <a:lstStyle/>
-            <a:p>
-              <a:pPr algn="ctr">
-                <a:lnSpc>
-                  <a:spcPct val="100000"/>
-                </a:lnSpc>
-              </a:pPr>
-              <a:r>
-                <a:rPr lang="en-US" sz="1200" b="0" strike="noStrike" spc="-1" dirty="0">
-                  <a:solidFill>
-                    <a:srgbClr val="FFFFFF"/>
-                  </a:solidFill>
-                  <a:latin typeface="Calibri"/>
-                </a:rPr>
-                <a:t>WGS</a:t>
-              </a:r>
-              <a:endParaRPr lang="en-US" sz="1200" b="0" strike="noStrike" spc="-1" dirty="0">
-                <a:latin typeface="Arial"/>
-              </a:endParaRPr>
-            </a:p>
-          </p:txBody>
-        </p:sp>
-        <p:sp>
-          <p:nvSpPr>
-            <p:cNvPr id="354" name="CustomShape 21">
-              <a:extLst>
-                <a:ext uri="{FF2B5EF4-FFF2-40B4-BE49-F238E27FC236}">
-                  <a16:creationId xmlns:a16="http://schemas.microsoft.com/office/drawing/2014/main" id="{F516A869-E8AF-48F8-B114-E7E1D9304AAD}"/>
-                </a:ext>
-              </a:extLst>
-            </p:cNvPr>
-            <p:cNvSpPr/>
-            <p:nvPr/>
-          </p:nvSpPr>
-          <p:spPr>
-            <a:xfrm>
-              <a:off x="6648121" y="19311660"/>
-              <a:ext cx="649800" cy="182520"/>
-            </a:xfrm>
-            <a:prstGeom prst="rect">
-              <a:avLst/>
-            </a:prstGeom>
-            <a:ln/>
-          </p:spPr>
-          <p:style>
-            <a:lnRef idx="2">
-              <a:schemeClr val="accent4">
-                <a:shade val="50000"/>
-              </a:schemeClr>
-            </a:lnRef>
-            <a:fillRef idx="1">
-              <a:schemeClr val="accent4"/>
-            </a:fillRef>
-            <a:effectRef idx="0">
-              <a:schemeClr val="accent4"/>
-            </a:effectRef>
-            <a:fontRef idx="minor">
-              <a:schemeClr val="lt1"/>
-            </a:fontRef>
-          </p:style>
-          <p:txBody>
-            <a:bodyPr lIns="90000" tIns="45000" rIns="90000" bIns="45000" anchor="ctr">
-              <a:noAutofit/>
-            </a:bodyPr>
-            <a:lstStyle/>
-            <a:p>
-              <a:pPr algn="ctr">
-                <a:lnSpc>
-                  <a:spcPct val="100000"/>
-                </a:lnSpc>
-              </a:pPr>
-              <a:r>
-                <a:rPr lang="en-US" sz="1200" b="0" strike="noStrike" spc="-1" dirty="0">
-                  <a:solidFill>
-                    <a:srgbClr val="FFFFFF"/>
-                  </a:solidFill>
-                  <a:latin typeface="Calibri"/>
-                </a:rPr>
-                <a:t>MOGM</a:t>
-              </a:r>
-              <a:endParaRPr lang="en-US" sz="1200" b="0" strike="noStrike" spc="-1" dirty="0">
-                <a:latin typeface="Arial"/>
-              </a:endParaRPr>
-            </a:p>
-          </p:txBody>
-        </p:sp>
-        <p:sp>
-          <p:nvSpPr>
-            <p:cNvPr id="355" name="CustomShape 21">
-              <a:extLst>
-                <a:ext uri="{FF2B5EF4-FFF2-40B4-BE49-F238E27FC236}">
-                  <a16:creationId xmlns:a16="http://schemas.microsoft.com/office/drawing/2014/main" id="{F2FA06D0-8E95-4A6F-AE49-E38F20924AF1}"/>
-                </a:ext>
-              </a:extLst>
-            </p:cNvPr>
-            <p:cNvSpPr/>
-            <p:nvPr/>
-          </p:nvSpPr>
-          <p:spPr>
-            <a:xfrm>
-              <a:off x="6648532" y="19598663"/>
-              <a:ext cx="649800" cy="182520"/>
-            </a:xfrm>
-            <a:prstGeom prst="rect">
-              <a:avLst/>
-            </a:prstGeom>
-            <a:ln/>
-          </p:spPr>
-          <p:style>
-            <a:lnRef idx="2">
-              <a:schemeClr val="accent4">
-                <a:shade val="50000"/>
-              </a:schemeClr>
-            </a:lnRef>
-            <a:fillRef idx="1">
-              <a:schemeClr val="accent4"/>
-            </a:fillRef>
-            <a:effectRef idx="0">
-              <a:schemeClr val="accent4"/>
-            </a:effectRef>
-            <a:fontRef idx="minor">
-              <a:schemeClr val="lt1"/>
-            </a:fontRef>
-          </p:style>
-          <p:txBody>
-            <a:bodyPr lIns="90000" tIns="45000" rIns="90000" bIns="45000" anchor="ctr">
-              <a:noAutofit/>
-            </a:bodyPr>
-            <a:lstStyle/>
-            <a:p>
-              <a:pPr algn="ctr">
-                <a:lnSpc>
-                  <a:spcPct val="100000"/>
-                </a:lnSpc>
-              </a:pPr>
-              <a:r>
-                <a:rPr lang="en-US" sz="1200" b="0" strike="noStrike" spc="-1" dirty="0">
-                  <a:solidFill>
-                    <a:srgbClr val="FFFFFF"/>
-                  </a:solidFill>
-                  <a:latin typeface="Calibri"/>
-                </a:rPr>
-                <a:t>MOGS</a:t>
-              </a:r>
-              <a:endParaRPr lang="en-US" sz="1200" b="0" strike="noStrike" spc="-1" dirty="0">
-                <a:latin typeface="Arial"/>
-              </a:endParaRPr>
-            </a:p>
-          </p:txBody>
-        </p:sp>
-        <p:sp>
-          <p:nvSpPr>
-            <p:cNvPr id="356" name="CustomShape 21">
-              <a:extLst>
-                <a:ext uri="{FF2B5EF4-FFF2-40B4-BE49-F238E27FC236}">
-                  <a16:creationId xmlns:a16="http://schemas.microsoft.com/office/drawing/2014/main" id="{3DC108F6-34CF-4624-AB03-BDD3CA3CB0AC}"/>
-                </a:ext>
-              </a:extLst>
-            </p:cNvPr>
-            <p:cNvSpPr/>
-            <p:nvPr/>
-          </p:nvSpPr>
-          <p:spPr>
-            <a:xfrm>
-              <a:off x="6648469" y="19889152"/>
-              <a:ext cx="649800" cy="182520"/>
+              <a:off x="18717480" y="21551782"/>
+              <a:ext cx="484920" cy="182520"/>
             </a:xfrm>
             <a:prstGeom prst="rect">
               <a:avLst/>
@@ -15170,7 +13705,7 @@
                   </a:solidFill>
                   <a:latin typeface="Calibri"/>
                 </a:rPr>
-                <a:t>etc...</a:t>
+                <a:t>Alias</a:t>
               </a:r>
               <a:endParaRPr lang="en-US" sz="1200" b="0" strike="noStrike" spc="-1" dirty="0">
                 <a:latin typeface="Arial"/>
@@ -15178,217 +13713,6 @@
             </a:p>
           </p:txBody>
         </p:sp>
-        <p:cxnSp>
-          <p:nvCxnSpPr>
-            <p:cNvPr id="6" name="Connector: Elbow 5">
-              <a:extLst>
-                <a:ext uri="{FF2B5EF4-FFF2-40B4-BE49-F238E27FC236}">
-                  <a16:creationId xmlns:a16="http://schemas.microsoft.com/office/drawing/2014/main" id="{B2E15B5C-2D53-4B9A-8B91-E7C1005DF31C}"/>
-                </a:ext>
-              </a:extLst>
-            </p:cNvPr>
-            <p:cNvCxnSpPr>
-              <a:stCxn id="352" idx="1"/>
-              <a:endCxn id="59" idx="3"/>
-            </p:cNvCxnSpPr>
-            <p:nvPr/>
-          </p:nvCxnSpPr>
-          <p:spPr>
-            <a:xfrm rot="10800000" flipV="1">
-              <a:off x="6286681" y="18827376"/>
-              <a:ext cx="361441" cy="4763"/>
-            </a:xfrm>
-            <a:prstGeom prst="bentConnector3">
-              <a:avLst/>
-            </a:prstGeom>
-            <a:ln>
-              <a:tailEnd type="triangle"/>
-            </a:ln>
-          </p:spPr>
-          <p:style>
-            <a:lnRef idx="1">
-              <a:schemeClr val="accent1"/>
-            </a:lnRef>
-            <a:fillRef idx="0">
-              <a:schemeClr val="accent1"/>
-            </a:fillRef>
-            <a:effectRef idx="0">
-              <a:schemeClr val="accent1"/>
-            </a:effectRef>
-            <a:fontRef idx="minor">
-              <a:schemeClr val="tx1"/>
-            </a:fontRef>
-          </p:style>
-        </p:cxnSp>
-        <p:cxnSp>
-          <p:nvCxnSpPr>
-            <p:cNvPr id="8" name="Connector: Elbow 7">
-              <a:extLst>
-                <a:ext uri="{FF2B5EF4-FFF2-40B4-BE49-F238E27FC236}">
-                  <a16:creationId xmlns:a16="http://schemas.microsoft.com/office/drawing/2014/main" id="{B48C6B15-B6BD-49D8-9374-94D1D7D9F2A7}"/>
-                </a:ext>
-              </a:extLst>
-            </p:cNvPr>
-            <p:cNvCxnSpPr>
-              <a:stCxn id="353" idx="1"/>
-              <a:endCxn id="61" idx="3"/>
-            </p:cNvCxnSpPr>
-            <p:nvPr/>
-          </p:nvCxnSpPr>
-          <p:spPr>
-            <a:xfrm rot="10800000" flipV="1">
-              <a:off x="6286681" y="19114380"/>
-              <a:ext cx="361441" cy="4320"/>
-            </a:xfrm>
-            <a:prstGeom prst="bentConnector3">
-              <a:avLst/>
-            </a:prstGeom>
-            <a:ln>
-              <a:tailEnd type="triangle"/>
-            </a:ln>
-          </p:spPr>
-          <p:style>
-            <a:lnRef idx="1">
-              <a:schemeClr val="accent1"/>
-            </a:lnRef>
-            <a:fillRef idx="0">
-              <a:schemeClr val="accent1"/>
-            </a:fillRef>
-            <a:effectRef idx="0">
-              <a:schemeClr val="accent1"/>
-            </a:effectRef>
-            <a:fontRef idx="minor">
-              <a:schemeClr val="tx1"/>
-            </a:fontRef>
-          </p:style>
-        </p:cxnSp>
-        <p:cxnSp>
-          <p:nvCxnSpPr>
-            <p:cNvPr id="10" name="Connector: Elbow 9">
-              <a:extLst>
-                <a:ext uri="{FF2B5EF4-FFF2-40B4-BE49-F238E27FC236}">
-                  <a16:creationId xmlns:a16="http://schemas.microsoft.com/office/drawing/2014/main" id="{8CED5D83-1F09-48FE-93A9-42F56E8A8488}"/>
-                </a:ext>
-              </a:extLst>
-            </p:cNvPr>
-            <p:cNvCxnSpPr>
-              <a:cxnSpLocks/>
-              <a:stCxn id="354" idx="1"/>
-              <a:endCxn id="60" idx="3"/>
-            </p:cNvCxnSpPr>
-            <p:nvPr/>
-          </p:nvCxnSpPr>
-          <p:spPr>
-            <a:xfrm rot="10800000" flipV="1">
-              <a:off x="6286681" y="19402920"/>
-              <a:ext cx="361441" cy="1980"/>
-            </a:xfrm>
-            <a:prstGeom prst="bentConnector3">
-              <a:avLst/>
-            </a:prstGeom>
-            <a:ln>
-              <a:tailEnd type="triangle"/>
-            </a:ln>
-          </p:spPr>
-          <p:style>
-            <a:lnRef idx="1">
-              <a:schemeClr val="accent1"/>
-            </a:lnRef>
-            <a:fillRef idx="0">
-              <a:schemeClr val="accent1"/>
-            </a:fillRef>
-            <a:effectRef idx="0">
-              <a:schemeClr val="accent1"/>
-            </a:effectRef>
-            <a:fontRef idx="minor">
-              <a:schemeClr val="tx1"/>
-            </a:fontRef>
-          </p:style>
-        </p:cxnSp>
-        <p:cxnSp>
-          <p:nvCxnSpPr>
-            <p:cNvPr id="13" name="Connector: Elbow 12">
-              <a:extLst>
-                <a:ext uri="{FF2B5EF4-FFF2-40B4-BE49-F238E27FC236}">
-                  <a16:creationId xmlns:a16="http://schemas.microsoft.com/office/drawing/2014/main" id="{0B8004B1-3419-4423-A2B8-88BC00AABA29}"/>
-                </a:ext>
-              </a:extLst>
-            </p:cNvPr>
-            <p:cNvCxnSpPr>
-              <a:stCxn id="355" idx="1"/>
-              <a:endCxn id="62" idx="3"/>
-            </p:cNvCxnSpPr>
-            <p:nvPr/>
-          </p:nvCxnSpPr>
-          <p:spPr>
-            <a:xfrm rot="10800000" flipV="1">
-              <a:off x="6286680" y="19689922"/>
-              <a:ext cx="361852" cy="817"/>
-            </a:xfrm>
-            <a:prstGeom prst="bentConnector3">
-              <a:avLst/>
-            </a:prstGeom>
-            <a:ln>
-              <a:tailEnd type="triangle"/>
-            </a:ln>
-          </p:spPr>
-          <p:style>
-            <a:lnRef idx="1">
-              <a:schemeClr val="accent1"/>
-            </a:lnRef>
-            <a:fillRef idx="0">
-              <a:schemeClr val="accent1"/>
-            </a:fillRef>
-            <a:effectRef idx="0">
-              <a:schemeClr val="accent1"/>
-            </a:effectRef>
-            <a:fontRef idx="minor">
-              <a:schemeClr val="tx1"/>
-            </a:fontRef>
-          </p:style>
-        </p:cxnSp>
-        <p:cxnSp>
-          <p:nvCxnSpPr>
-            <p:cNvPr id="15" name="Connector: Elbow 14">
-              <a:extLst>
-                <a:ext uri="{FF2B5EF4-FFF2-40B4-BE49-F238E27FC236}">
-                  <a16:creationId xmlns:a16="http://schemas.microsoft.com/office/drawing/2014/main" id="{DA7E9B0E-9733-4C64-9A64-7271DCACF6DA}"/>
-                </a:ext>
-              </a:extLst>
-            </p:cNvPr>
-            <p:cNvCxnSpPr>
-              <a:stCxn id="356" idx="1"/>
-              <a:endCxn id="63" idx="3"/>
-            </p:cNvCxnSpPr>
-            <p:nvPr/>
-          </p:nvCxnSpPr>
-          <p:spPr>
-            <a:xfrm rot="10800000" flipV="1">
-              <a:off x="6286681" y="19980412"/>
-              <a:ext cx="361789" cy="1928"/>
-            </a:xfrm>
-            <a:prstGeom prst="bentConnector3">
-              <a:avLst/>
-            </a:prstGeom>
-            <a:ln>
-              <a:tailEnd type="triangle"/>
-            </a:ln>
-          </p:spPr>
-          <p:style>
-            <a:lnRef idx="1">
-              <a:schemeClr val="accent1"/>
-            </a:lnRef>
-            <a:fillRef idx="0">
-              <a:schemeClr val="accent1"/>
-            </a:fillRef>
-            <a:effectRef idx="0">
-              <a:schemeClr val="accent1"/>
-            </a:effectRef>
-            <a:fontRef idx="minor">
-              <a:schemeClr val="tx1"/>
-            </a:fontRef>
-          </p:style>
-        </p:cxnSp>
       </p:grpSp>
       <p:grpSp>
         <p:nvGrpSpPr>
@@ -15404,10 +13728,10 @@
         </p:nvGrpSpPr>
         <p:grpSpPr>
           <a:xfrm>
-            <a:off x="7318617" y="18477599"/>
-            <a:ext cx="7060143" cy="776880"/>
+            <a:off x="14125839" y="19078722"/>
+            <a:ext cx="6964635" cy="776880"/>
             <a:chOff x="2437691" y="18389411"/>
-            <a:chExt cx="7060143" cy="776880"/>
+            <a:chExt cx="6964635" cy="776880"/>
           </a:xfrm>
         </p:grpSpPr>
         <p:grpSp>
@@ -15425,9 +13749,9 @@
           <p:grpSpPr>
             <a:xfrm>
               <a:off x="2437691" y="18389411"/>
-              <a:ext cx="7060143" cy="776880"/>
+              <a:ext cx="6964635" cy="776880"/>
               <a:chOff x="10670039" y="10474922"/>
-              <a:chExt cx="7060143" cy="776880"/>
+              <a:chExt cx="6964635" cy="776880"/>
             </a:xfrm>
           </p:grpSpPr>
           <p:grpSp>
@@ -15445,9 +13769,9 @@
             <p:grpSpPr>
               <a:xfrm>
                 <a:off x="10670039" y="10474922"/>
-                <a:ext cx="7060143" cy="776880"/>
+                <a:ext cx="6964635" cy="776880"/>
                 <a:chOff x="10670039" y="10474922"/>
-                <a:chExt cx="7060143" cy="776880"/>
+                <a:chExt cx="6964635" cy="776880"/>
               </a:xfrm>
             </p:grpSpPr>
             <p:sp>
@@ -15465,7 +13789,7 @@
               <p:spPr>
                 <a:xfrm>
                   <a:off x="10670039" y="10474922"/>
-                  <a:ext cx="7060143" cy="776880"/>
+                  <a:ext cx="6964635" cy="776880"/>
                 </a:xfrm>
                 <a:prstGeom prst="rect">
                   <a:avLst/>
@@ -15570,7 +13894,7 @@
               </p:nvSpPr>
               <p:spPr>
                 <a:xfrm>
-                  <a:off x="13600320" y="10585440"/>
+                  <a:off x="13517770" y="10585440"/>
                   <a:ext cx="2978844" cy="182520"/>
                 </a:xfrm>
                 <a:prstGeom prst="rect">
@@ -15634,7 +13958,7 @@
               </p:nvSpPr>
               <p:spPr>
                 <a:xfrm>
-                  <a:off x="13600320" y="10951200"/>
+                  <a:off x="13517770" y="10951200"/>
                   <a:ext cx="2978844" cy="182520"/>
                 </a:xfrm>
                 <a:prstGeom prst="rect">
@@ -15698,7 +14022,7 @@
               </p:nvSpPr>
               <p:spPr>
                 <a:xfrm>
-                  <a:off x="16897091" y="10582920"/>
+                  <a:off x="16814541" y="10582920"/>
                   <a:ext cx="713880" cy="182520"/>
                 </a:xfrm>
                 <a:prstGeom prst="rect">
@@ -15763,7 +14087,7 @@
               </p:nvSpPr>
               <p:spPr>
                 <a:xfrm>
-                  <a:off x="16897091" y="10948680"/>
+                  <a:off x="16814541" y="10948680"/>
                   <a:ext cx="713880" cy="182520"/>
                 </a:xfrm>
                 <a:prstGeom prst="rect">
@@ -15901,7 +14225,7 @@
           </p:nvCxnSpPr>
           <p:spPr>
             <a:xfrm rot="10800000" flipV="1">
-              <a:off x="8346817" y="18588669"/>
+              <a:off x="8264267" y="18588669"/>
               <a:ext cx="317927" cy="2520"/>
             </a:xfrm>
             <a:prstGeom prst="bentConnector3">
@@ -15944,7 +14268,7 @@
           </p:nvCxnSpPr>
           <p:spPr>
             <a:xfrm rot="10800000" flipV="1">
-              <a:off x="8346817" y="18954429"/>
+              <a:off x="8264267" y="18954429"/>
               <a:ext cx="317927" cy="2520"/>
             </a:xfrm>
             <a:prstGeom prst="bentConnector3">
@@ -15988,7 +14312,7 @@
           <p:spPr>
             <a:xfrm rot="10800000" flipV="1">
               <a:off x="4919642" y="18591189"/>
-              <a:ext cx="448330" cy="182880"/>
+              <a:ext cx="365780" cy="182880"/>
             </a:xfrm>
             <a:prstGeom prst="bentConnector3">
               <a:avLst/>
@@ -16031,7 +14355,7 @@
           <p:spPr>
             <a:xfrm rot="10800000">
               <a:off x="4919642" y="18774069"/>
-              <a:ext cx="448330" cy="182880"/>
+              <a:ext cx="365780" cy="182880"/>
             </a:xfrm>
             <a:prstGeom prst="bentConnector3">
               <a:avLst/>
@@ -16056,52 +14380,6 @@
           </p:style>
         </p:cxnSp>
       </p:grpSp>
-      <p:cxnSp>
-        <p:nvCxnSpPr>
-          <p:cNvPr id="37" name="Connector: Elbow 36">
-            <a:extLst>
-              <a:ext uri="{FF2B5EF4-FFF2-40B4-BE49-F238E27FC236}">
-                <a16:creationId xmlns:a16="http://schemas.microsoft.com/office/drawing/2014/main" id="{F3E439E1-C06F-4941-96FE-8DD25DB2EDCF}"/>
-              </a:ext>
-            </a:extLst>
-          </p:cNvPr>
-          <p:cNvCxnSpPr>
-            <a:cxnSpLocks/>
-            <a:stCxn id="326" idx="3"/>
-            <a:endCxn id="344" idx="1"/>
-          </p:cNvCxnSpPr>
-          <p:nvPr/>
-        </p:nvCxnSpPr>
-        <p:spPr>
-          <a:xfrm>
-            <a:off x="10340227" y="21051580"/>
-            <a:ext cx="453368" cy="3320"/>
-          </a:xfrm>
-          <a:prstGeom prst="bentConnector3">
-            <a:avLst/>
-          </a:prstGeom>
-          <a:ln w="12700">
-            <a:solidFill>
-              <a:schemeClr val="accent6"/>
-            </a:solidFill>
-            <a:tailEnd type="triangle"/>
-          </a:ln>
-        </p:spPr>
-        <p:style>
-          <a:lnRef idx="1">
-            <a:schemeClr val="accent1"/>
-          </a:lnRef>
-          <a:fillRef idx="0">
-            <a:schemeClr val="accent1"/>
-          </a:fillRef>
-          <a:effectRef idx="0">
-            <a:schemeClr val="accent1"/>
-          </a:effectRef>
-          <a:fontRef idx="minor">
-            <a:schemeClr val="tx1"/>
-          </a:fontRef>
-        </p:style>
-      </p:cxnSp>
       <p:grpSp>
         <p:nvGrpSpPr>
           <p:cNvPr id="394" name="Group 393">
@@ -16116,10 +14394,10 @@
         </p:nvGrpSpPr>
         <p:grpSpPr>
           <a:xfrm>
-            <a:off x="576720" y="17279675"/>
-            <a:ext cx="5906520" cy="3677855"/>
-            <a:chOff x="636840" y="17268419"/>
-            <a:chExt cx="5906520" cy="3677855"/>
+            <a:off x="8397226" y="18091831"/>
+            <a:ext cx="5257009" cy="2953693"/>
+            <a:chOff x="1047680" y="17760499"/>
+            <a:chExt cx="5257009" cy="2953693"/>
           </a:xfrm>
         </p:grpSpPr>
         <p:grpSp>
@@ -16136,10 +14414,10 @@
           </p:nvGrpSpPr>
           <p:grpSpPr>
             <a:xfrm>
-              <a:off x="636840" y="17268419"/>
-              <a:ext cx="5906520" cy="3677855"/>
-              <a:chOff x="636840" y="17268419"/>
-              <a:chExt cx="5906520" cy="3677855"/>
+              <a:off x="1047680" y="17760499"/>
+              <a:ext cx="5257009" cy="2953693"/>
+              <a:chOff x="1047680" y="17760499"/>
+              <a:chExt cx="5257009" cy="2953693"/>
             </a:xfrm>
           </p:grpSpPr>
           <p:grpSp>
@@ -16156,10 +14434,10 @@
             </p:nvGrpSpPr>
             <p:grpSpPr>
               <a:xfrm>
-                <a:off x="636840" y="17268419"/>
-                <a:ext cx="5906520" cy="3677855"/>
-                <a:chOff x="1450266" y="17661419"/>
-                <a:chExt cx="5906520" cy="3677855"/>
+                <a:off x="1047680" y="17760499"/>
+                <a:ext cx="5257009" cy="2953693"/>
+                <a:chOff x="1861106" y="18153499"/>
+                <a:chExt cx="5257009" cy="2953693"/>
               </a:xfrm>
             </p:grpSpPr>
             <p:grpSp>
@@ -16170,10 +14448,10 @@
               </p:nvGrpSpPr>
               <p:grpSpPr>
                 <a:xfrm>
-                  <a:off x="1450266" y="17661419"/>
-                  <a:ext cx="5906520" cy="3677855"/>
-                  <a:chOff x="11073050" y="21452399"/>
-                  <a:chExt cx="5906520" cy="3677855"/>
+                  <a:off x="1861106" y="18153499"/>
+                  <a:ext cx="5257009" cy="2953693"/>
+                  <a:chOff x="11483890" y="21944479"/>
+                  <a:chExt cx="5257009" cy="2953693"/>
                 </a:xfrm>
               </p:grpSpPr>
               <p:sp>
@@ -16184,8 +14462,8 @@
                 </p:nvSpPr>
                 <p:spPr>
                   <a:xfrm>
-                    <a:off x="11073050" y="21452399"/>
-                    <a:ext cx="5906520" cy="3677855"/>
+                    <a:off x="11483890" y="21944479"/>
+                    <a:ext cx="5257009" cy="2953693"/>
                   </a:xfrm>
                   <a:prstGeom prst="rect">
                     <a:avLst/>
@@ -16220,7 +14498,7 @@
                 </p:nvSpPr>
                 <p:spPr>
                   <a:xfrm>
-                    <a:off x="14187820" y="22562422"/>
+                    <a:off x="13993083" y="22562422"/>
                     <a:ext cx="1264140" cy="182520"/>
                   </a:xfrm>
                   <a:prstGeom prst="rect">
@@ -16283,7 +14561,7 @@
                 </p:nvSpPr>
                 <p:spPr>
                   <a:xfrm>
-                    <a:off x="16186280" y="23471702"/>
+                    <a:off x="15906874" y="23446301"/>
                     <a:ext cx="643680" cy="182520"/>
                   </a:xfrm>
                   <a:prstGeom prst="rect">
@@ -16356,7 +14634,7 @@
               </p:nvSpPr>
               <p:spPr>
                 <a:xfrm>
-                  <a:off x="1572306" y="17875680"/>
+                  <a:off x="2896286" y="19043327"/>
                   <a:ext cx="1110217" cy="275545"/>
                 </a:xfrm>
                 <a:prstGeom prst="rect">
@@ -16420,7 +14698,7 @@
             </p:nvSpPr>
             <p:spPr>
               <a:xfrm>
-                <a:off x="803891" y="20352600"/>
+                <a:off x="1210303" y="20293332"/>
                 <a:ext cx="1110218" cy="182520"/>
               </a:xfrm>
               <a:prstGeom prst="rect">
@@ -16627,7 +14905,7 @@
             </p:nvSpPr>
             <p:spPr>
               <a:xfrm>
-                <a:off x="3751610" y="19467855"/>
+                <a:off x="3556873" y="19467855"/>
                 <a:ext cx="1510811" cy="182520"/>
               </a:xfrm>
               <a:prstGeom prst="rect">
@@ -16696,7 +14974,7 @@
             </p:nvSpPr>
             <p:spPr>
               <a:xfrm>
-                <a:off x="3751610" y="19049650"/>
+                <a:off x="3556873" y="19049650"/>
                 <a:ext cx="1510811" cy="182520"/>
               </a:xfrm>
               <a:prstGeom prst="rect">
@@ -16774,7 +15052,7 @@
             </p:nvSpPr>
             <p:spPr>
               <a:xfrm>
-                <a:off x="3751610" y="17983434"/>
+                <a:off x="3556873" y="17983434"/>
                 <a:ext cx="1264140" cy="182520"/>
               </a:xfrm>
               <a:prstGeom prst="rect">
@@ -16848,8 +15126,8 @@
           </p:nvCxnSpPr>
           <p:spPr>
             <a:xfrm rot="10800000" flipV="1">
-              <a:off x="3188020" y="18074694"/>
-              <a:ext cx="563590" cy="204780"/>
+              <a:off x="3188021" y="18074694"/>
+              <a:ext cx="368853" cy="204780"/>
             </a:xfrm>
             <a:prstGeom prst="bentConnector3">
               <a:avLst/>
@@ -16890,8 +15168,8 @@
           </p:nvCxnSpPr>
           <p:spPr>
             <a:xfrm rot="10800000">
-              <a:off x="3188020" y="18279474"/>
-              <a:ext cx="563590" cy="190228"/>
+              <a:off x="3188021" y="18279474"/>
+              <a:ext cx="368853" cy="190228"/>
             </a:xfrm>
             <a:prstGeom prst="bentConnector3">
               <a:avLst/>
@@ -16932,8 +15210,8 @@
           </p:nvCxnSpPr>
           <p:spPr>
             <a:xfrm rot="10800000" flipV="1">
-              <a:off x="3188020" y="19140909"/>
-              <a:ext cx="563590" cy="205227"/>
+              <a:off x="3188021" y="19140909"/>
+              <a:ext cx="368853" cy="205227"/>
             </a:xfrm>
             <a:prstGeom prst="bentConnector3">
               <a:avLst/>
@@ -16974,8 +15252,8 @@
           </p:nvCxnSpPr>
           <p:spPr>
             <a:xfrm rot="10800000">
-              <a:off x="3188020" y="19346137"/>
-              <a:ext cx="563590" cy="212978"/>
+              <a:off x="3188021" y="19346137"/>
+              <a:ext cx="368853" cy="212978"/>
             </a:xfrm>
             <a:prstGeom prst="bentConnector3">
               <a:avLst/>
@@ -17016,8 +15294,8 @@
           </p:nvCxnSpPr>
           <p:spPr>
             <a:xfrm rot="5400000" flipH="1" flipV="1">
-              <a:off x="1221519" y="19483619"/>
-              <a:ext cx="1006463" cy="731500"/>
+              <a:off x="1454359" y="19657191"/>
+              <a:ext cx="947195" cy="325088"/>
             </a:xfrm>
             <a:prstGeom prst="bentConnector2">
               <a:avLst/>
@@ -17058,8 +15336,8 @@
           </p:nvCxnSpPr>
           <p:spPr>
             <a:xfrm rot="5400000" flipH="1" flipV="1">
-              <a:off x="688187" y="18950287"/>
-              <a:ext cx="2073126" cy="731500"/>
+              <a:off x="921027" y="19123859"/>
+              <a:ext cx="2013858" cy="325088"/>
             </a:xfrm>
             <a:prstGeom prst="bentConnector2">
               <a:avLst/>
@@ -17097,7 +15375,7 @@
           </p:nvSpPr>
           <p:spPr>
             <a:xfrm>
-              <a:off x="5752600" y="17966078"/>
+              <a:off x="5473194" y="18177753"/>
               <a:ext cx="643680" cy="182520"/>
             </a:xfrm>
             <a:prstGeom prst="rect">
@@ -17175,7 +15453,7 @@
           </p:nvSpPr>
           <p:spPr>
             <a:xfrm>
-              <a:off x="2702149" y="20356893"/>
+              <a:off x="2736017" y="20297625"/>
               <a:ext cx="643680" cy="182520"/>
             </a:xfrm>
             <a:prstGeom prst="rect">
@@ -17242,10 +15520,10 @@
       </p:grpSp>
       <p:grpSp>
         <p:nvGrpSpPr>
-          <p:cNvPr id="396" name="Group 395">
+          <p:cNvPr id="365" name="Group 196">
             <a:extLst>
               <a:ext uri="{FF2B5EF4-FFF2-40B4-BE49-F238E27FC236}">
-                <a16:creationId xmlns:a16="http://schemas.microsoft.com/office/drawing/2014/main" id="{6FF951DD-4D84-4C22-A67F-159B39D41491}"/>
+                <a16:creationId xmlns:a16="http://schemas.microsoft.com/office/drawing/2014/main" id="{D5D3E089-1CEA-4D9E-B161-4C85AC1F6B7F}"/>
               </a:ext>
             </a:extLst>
           </p:cNvPr>
@@ -17254,18 +15532,18 @@
         </p:nvGrpSpPr>
         <p:grpSpPr>
           <a:xfrm>
-            <a:off x="2463754" y="21551782"/>
-            <a:ext cx="2128372" cy="679641"/>
-            <a:chOff x="3961133" y="21561234"/>
-            <a:chExt cx="2128372" cy="679641"/>
+            <a:off x="8646282" y="775016"/>
+            <a:ext cx="1202140" cy="287606"/>
+            <a:chOff x="7968424" y="983555"/>
+            <a:chExt cx="2178309" cy="287606"/>
           </a:xfrm>
         </p:grpSpPr>
         <p:sp>
           <p:nvSpPr>
-            <p:cNvPr id="395" name="CustomShape 37">
+            <p:cNvPr id="385" name="CustomShape 198">
               <a:extLst>
                 <a:ext uri="{FF2B5EF4-FFF2-40B4-BE49-F238E27FC236}">
-                  <a16:creationId xmlns:a16="http://schemas.microsoft.com/office/drawing/2014/main" id="{31D66494-89F1-4258-B6B1-F981912C86B3}"/>
+                  <a16:creationId xmlns:a16="http://schemas.microsoft.com/office/drawing/2014/main" id="{8DB6610E-85F1-4E36-973F-AD170773AE99}"/>
                 </a:ext>
               </a:extLst>
             </p:cNvPr>
@@ -17274,8 +15552,8 @@
           </p:nvSpPr>
           <p:spPr>
             <a:xfrm>
-              <a:off x="3961133" y="21561234"/>
-              <a:ext cx="2128372" cy="679641"/>
+              <a:off x="7968424" y="983555"/>
+              <a:ext cx="2178308" cy="287606"/>
             </a:xfrm>
             <a:prstGeom prst="rect">
               <a:avLst/>
@@ -17304,14 +15582,20 @@
         </p:sp>
         <p:sp>
           <p:nvSpPr>
-            <p:cNvPr id="175" name="CustomShape 137"/>
+            <p:cNvPr id="370" name="CustomShape 202">
+              <a:extLst>
+                <a:ext uri="{FF2B5EF4-FFF2-40B4-BE49-F238E27FC236}">
+                  <a16:creationId xmlns:a16="http://schemas.microsoft.com/office/drawing/2014/main" id="{E6D60293-DFA9-4D6D-8F68-C9A82355A366}"/>
+                </a:ext>
+              </a:extLst>
+            </p:cNvPr>
             <p:cNvSpPr/>
             <p:nvPr/>
           </p:nvSpPr>
           <p:spPr>
             <a:xfrm>
-              <a:off x="4184930" y="21747454"/>
-              <a:ext cx="1017371" cy="275545"/>
+              <a:off x="7968424" y="983555"/>
+              <a:ext cx="2178309" cy="275545"/>
             </a:xfrm>
             <a:prstGeom prst="rect">
               <a:avLst/>
@@ -17334,7 +15618,7 @@
             <a:fontRef idx="minor"/>
           </p:style>
           <p:txBody>
-            <a:bodyPr wrap="none" lIns="90000" tIns="45000" rIns="90000" bIns="45000">
+            <a:bodyPr wrap="square" lIns="90000" tIns="45000" rIns="90000" bIns="45000">
               <a:spAutoFit/>
             </a:bodyPr>
             <a:lstStyle/>
@@ -17345,13 +15629,139 @@
                 </a:lnSpc>
               </a:pPr>
               <a:r>
-                <a:rPr lang="en-US" sz="1200" b="0" strike="noStrike" spc="-1" dirty="0">
+                <a:rPr lang="en-US" sz="1200" b="0" strike="noStrike" spc="-1" dirty="0" err="1">
                   <a:solidFill>
                     <a:srgbClr val="000000"/>
                   </a:solidFill>
                   <a:latin typeface="Courier New"/>
                 </a:rPr>
-                <a:t>breed.log</a:t>
+                <a:t>core.random</a:t>
+              </a:r>
+              <a:endParaRPr lang="en-US" sz="1200" b="0" strike="noStrike" spc="-1" dirty="0">
+                <a:latin typeface="Arial"/>
+              </a:endParaRPr>
+            </a:p>
+          </p:txBody>
+        </p:sp>
+      </p:grpSp>
+      <p:grpSp>
+        <p:nvGrpSpPr>
+          <p:cNvPr id="397" name="Group 196">
+            <a:extLst>
+              <a:ext uri="{FF2B5EF4-FFF2-40B4-BE49-F238E27FC236}">
+                <a16:creationId xmlns:a16="http://schemas.microsoft.com/office/drawing/2014/main" id="{D9F83D99-37E8-4AEF-B1A1-D47FFE866FDD}"/>
+              </a:ext>
+            </a:extLst>
+          </p:cNvPr>
+          <p:cNvGrpSpPr/>
+          <p:nvPr/>
+        </p:nvGrpSpPr>
+        <p:grpSpPr>
+          <a:xfrm>
+            <a:off x="8646283" y="1715965"/>
+            <a:ext cx="1202139" cy="287606"/>
+            <a:chOff x="7968424" y="983555"/>
+            <a:chExt cx="2178308" cy="287606"/>
+          </a:xfrm>
+        </p:grpSpPr>
+        <p:sp>
+          <p:nvSpPr>
+            <p:cNvPr id="399" name="CustomShape 198">
+              <a:extLst>
+                <a:ext uri="{FF2B5EF4-FFF2-40B4-BE49-F238E27FC236}">
+                  <a16:creationId xmlns:a16="http://schemas.microsoft.com/office/drawing/2014/main" id="{41422927-A31A-4A2F-9724-B0D789D33F73}"/>
+                </a:ext>
+              </a:extLst>
+            </p:cNvPr>
+            <p:cNvSpPr/>
+            <p:nvPr/>
+          </p:nvSpPr>
+          <p:spPr>
+            <a:xfrm>
+              <a:off x="7968424" y="983555"/>
+              <a:ext cx="2178308" cy="287606"/>
+            </a:xfrm>
+            <a:prstGeom prst="rect">
+              <a:avLst/>
+            </a:prstGeom>
+            <a:solidFill>
+              <a:schemeClr val="accent6">
+                <a:alpha val="50000"/>
+              </a:schemeClr>
+            </a:solidFill>
+            <a:ln w="0">
+              <a:noFill/>
+            </a:ln>
+          </p:spPr>
+          <p:style>
+            <a:lnRef idx="0">
+              <a:scrgbClr r="0" g="0" b="0"/>
+            </a:lnRef>
+            <a:fillRef idx="0">
+              <a:scrgbClr r="0" g="0" b="0"/>
+            </a:fillRef>
+            <a:effectRef idx="0">
+              <a:scrgbClr r="0" g="0" b="0"/>
+            </a:effectRef>
+            <a:fontRef idx="minor"/>
+          </p:style>
+        </p:sp>
+        <p:sp>
+          <p:nvSpPr>
+            <p:cNvPr id="400" name="CustomShape 202">
+              <a:extLst>
+                <a:ext uri="{FF2B5EF4-FFF2-40B4-BE49-F238E27FC236}">
+                  <a16:creationId xmlns:a16="http://schemas.microsoft.com/office/drawing/2014/main" id="{40F8D4EF-0882-4651-ACA0-C8360A132405}"/>
+                </a:ext>
+              </a:extLst>
+            </p:cNvPr>
+            <p:cNvSpPr/>
+            <p:nvPr/>
+          </p:nvSpPr>
+          <p:spPr>
+            <a:xfrm>
+              <a:off x="8032437" y="983555"/>
+              <a:ext cx="2065654" cy="275545"/>
+            </a:xfrm>
+            <a:prstGeom prst="rect">
+              <a:avLst/>
+            </a:prstGeom>
+            <a:noFill/>
+            <a:ln w="0">
+              <a:noFill/>
+            </a:ln>
+          </p:spPr>
+          <p:style>
+            <a:lnRef idx="0">
+              <a:scrgbClr r="0" g="0" b="0"/>
+            </a:lnRef>
+            <a:fillRef idx="0">
+              <a:scrgbClr r="0" g="0" b="0"/>
+            </a:fillRef>
+            <a:effectRef idx="0">
+              <a:scrgbClr r="0" g="0" b="0"/>
+            </a:effectRef>
+            <a:fontRef idx="minor"/>
+          </p:style>
+          <p:txBody>
+            <a:bodyPr wrap="square" lIns="90000" tIns="45000" rIns="90000" bIns="45000">
+              <a:spAutoFit/>
+            </a:bodyPr>
+            <a:lstStyle/>
+            <a:p>
+              <a:pPr>
+                <a:lnSpc>
+                  <a:spcPct val="100000"/>
+                </a:lnSpc>
+              </a:pPr>
+              <a:r>
+                <a:rPr lang="en-US" sz="1200" b="0" strike="noStrike" spc="-1" dirty="0" err="1">
+                  <a:solidFill>
+                    <a:srgbClr val="000000"/>
+                  </a:solidFill>
+                  <a:latin typeface="Courier New"/>
+                </a:rPr>
+                <a:t>core.error</a:t>
               </a:r>
               <a:endParaRPr lang="en-US" sz="1200" b="0" strike="noStrike" spc="-1" dirty="0">
                 <a:latin typeface="Arial"/>
@@ -17362,24 +15772,23 @@
       </p:grpSp>
       <p:cxnSp>
         <p:nvCxnSpPr>
-          <p:cNvPr id="398" name="Connector: Elbow 397">
+          <p:cNvPr id="9" name="Connector: Elbow 8">
             <a:extLst>
               <a:ext uri="{FF2B5EF4-FFF2-40B4-BE49-F238E27FC236}">
-                <a16:creationId xmlns:a16="http://schemas.microsoft.com/office/drawing/2014/main" id="{FE32B16B-BD2D-42AD-9D82-8A87916ACBD5}"/>
+                <a16:creationId xmlns:a16="http://schemas.microsoft.com/office/drawing/2014/main" id="{FA3213FE-D2F0-44EB-92EB-DFAAED2AC28B}"/>
               </a:ext>
             </a:extLst>
           </p:cNvPr>
           <p:cNvCxnSpPr>
-            <a:cxnSpLocks/>
-            <a:stCxn id="75" idx="2"/>
-            <a:endCxn id="395" idx="0"/>
+            <a:stCxn id="44" idx="3"/>
+            <a:endCxn id="286" idx="1"/>
           </p:cNvCxnSpPr>
           <p:nvPr/>
         </p:nvCxnSpPr>
         <p:spPr>
-          <a:xfrm rot="5400000">
-            <a:off x="3231834" y="21253636"/>
-            <a:ext cx="594252" cy="2040"/>
+          <a:xfrm flipV="1">
+            <a:off x="7008185" y="5353051"/>
+            <a:ext cx="2181888" cy="723"/>
           </a:xfrm>
           <a:prstGeom prst="bentConnector3">
             <a:avLst/>
@@ -17406,27 +15815,2317 @@
           </a:fontRef>
         </p:style>
       </p:cxnSp>
+      <p:grpSp>
+        <p:nvGrpSpPr>
+          <p:cNvPr id="14" name="Group 13">
+            <a:extLst>
+              <a:ext uri="{FF2B5EF4-FFF2-40B4-BE49-F238E27FC236}">
+                <a16:creationId xmlns:a16="http://schemas.microsoft.com/office/drawing/2014/main" id="{F707C7A3-C4B9-4770-8817-DD0E5D98D98F}"/>
+              </a:ext>
+            </a:extLst>
+          </p:cNvPr>
+          <p:cNvGrpSpPr/>
+          <p:nvPr/>
+        </p:nvGrpSpPr>
+        <p:grpSpPr>
+          <a:xfrm>
+            <a:off x="14120746" y="16390287"/>
+            <a:ext cx="1248671" cy="674421"/>
+            <a:chOff x="2463754" y="21405819"/>
+            <a:chExt cx="1248671" cy="674421"/>
+          </a:xfrm>
+        </p:grpSpPr>
+        <p:grpSp>
+          <p:nvGrpSpPr>
+            <p:cNvPr id="396" name="Group 395">
+              <a:extLst>
+                <a:ext uri="{FF2B5EF4-FFF2-40B4-BE49-F238E27FC236}">
+                  <a16:creationId xmlns:a16="http://schemas.microsoft.com/office/drawing/2014/main" id="{6FF951DD-4D84-4C22-A67F-159B39D41491}"/>
+                </a:ext>
+              </a:extLst>
+            </p:cNvPr>
+            <p:cNvGrpSpPr/>
+            <p:nvPr/>
+          </p:nvGrpSpPr>
+          <p:grpSpPr>
+            <a:xfrm>
+              <a:off x="2463754" y="21405819"/>
+              <a:ext cx="1248671" cy="674421"/>
+              <a:chOff x="3961133" y="21415271"/>
+              <a:chExt cx="1248671" cy="674421"/>
+            </a:xfrm>
+          </p:grpSpPr>
+          <p:sp>
+            <p:nvSpPr>
+              <p:cNvPr id="395" name="CustomShape 37">
+                <a:extLst>
+                  <a:ext uri="{FF2B5EF4-FFF2-40B4-BE49-F238E27FC236}">
+                    <a16:creationId xmlns:a16="http://schemas.microsoft.com/office/drawing/2014/main" id="{31D66494-89F1-4258-B6B1-F981912C86B3}"/>
+                  </a:ext>
+                </a:extLst>
+              </p:cNvPr>
+              <p:cNvSpPr/>
+              <p:nvPr/>
+            </p:nvSpPr>
+            <p:spPr>
+              <a:xfrm>
+                <a:off x="3961133" y="21415271"/>
+                <a:ext cx="1248671" cy="674421"/>
+              </a:xfrm>
+              <a:prstGeom prst="rect">
+                <a:avLst/>
+              </a:prstGeom>
+              <a:solidFill>
+                <a:schemeClr val="accent6">
+                  <a:alpha val="50000"/>
+                </a:schemeClr>
+              </a:solidFill>
+              <a:ln w="0">
+                <a:noFill/>
+              </a:ln>
+            </p:spPr>
+            <p:style>
+              <a:lnRef idx="0">
+                <a:scrgbClr r="0" g="0" b="0"/>
+              </a:lnRef>
+              <a:fillRef idx="0">
+                <a:scrgbClr r="0" g="0" b="0"/>
+              </a:fillRef>
+              <a:effectRef idx="0">
+                <a:scrgbClr r="0" g="0" b="0"/>
+              </a:effectRef>
+              <a:fontRef idx="minor"/>
+            </p:style>
+          </p:sp>
+          <p:sp>
+            <p:nvSpPr>
+              <p:cNvPr id="175" name="CustomShape 137"/>
+              <p:cNvSpPr/>
+              <p:nvPr/>
+            </p:nvSpPr>
+            <p:spPr>
+              <a:xfrm>
+                <a:off x="4076519" y="21463368"/>
+                <a:ext cx="1017371" cy="275545"/>
+              </a:xfrm>
+              <a:prstGeom prst="rect">
+                <a:avLst/>
+              </a:prstGeom>
+              <a:noFill/>
+              <a:ln w="0">
+                <a:noFill/>
+              </a:ln>
+            </p:spPr>
+            <p:style>
+              <a:lnRef idx="0">
+                <a:scrgbClr r="0" g="0" b="0"/>
+              </a:lnRef>
+              <a:fillRef idx="0">
+                <a:scrgbClr r="0" g="0" b="0"/>
+              </a:fillRef>
+              <a:effectRef idx="0">
+                <a:scrgbClr r="0" g="0" b="0"/>
+              </a:effectRef>
+              <a:fontRef idx="minor"/>
+            </p:style>
+            <p:txBody>
+              <a:bodyPr wrap="none" lIns="90000" tIns="45000" rIns="90000" bIns="45000">
+                <a:spAutoFit/>
+              </a:bodyPr>
+              <a:lstStyle/>
+              <a:p>
+                <a:pPr>
+                  <a:lnSpc>
+                    <a:spcPct val="100000"/>
+                  </a:lnSpc>
+                </a:pPr>
+                <a:r>
+                  <a:rPr lang="en-US" sz="1200" b="0" strike="noStrike" spc="-1" dirty="0">
+                    <a:solidFill>
+                      <a:srgbClr val="000000"/>
+                    </a:solidFill>
+                    <a:latin typeface="Courier New"/>
+                  </a:rPr>
+                  <a:t>breed.log</a:t>
+                </a:r>
+                <a:endParaRPr lang="en-US" sz="1200" b="0" strike="noStrike" spc="-1" dirty="0">
+                  <a:latin typeface="Arial"/>
+                </a:endParaRPr>
+              </a:p>
+            </p:txBody>
+          </p:sp>
+        </p:grpSp>
+        <p:sp>
+          <p:nvSpPr>
+            <p:cNvPr id="402" name="CustomShape 38">
+              <a:extLst>
+                <a:ext uri="{FF2B5EF4-FFF2-40B4-BE49-F238E27FC236}">
+                  <a16:creationId xmlns:a16="http://schemas.microsoft.com/office/drawing/2014/main" id="{B77349FC-0F81-49E7-8075-22F2C6875782}"/>
+                </a:ext>
+              </a:extLst>
+            </p:cNvPr>
+            <p:cNvSpPr/>
+            <p:nvPr/>
+          </p:nvSpPr>
+          <p:spPr>
+            <a:xfrm>
+              <a:off x="2725222" y="21794045"/>
+              <a:ext cx="738703" cy="182520"/>
+            </a:xfrm>
+            <a:prstGeom prst="rect">
+              <a:avLst/>
+            </a:prstGeom>
+            <a:solidFill>
+              <a:srgbClr val="ED7D31"/>
+            </a:solidFill>
+            <a:ln>
+              <a:solidFill>
+                <a:srgbClr val="AF5C24"/>
+              </a:solidFill>
+            </a:ln>
+          </p:spPr>
+          <p:style>
+            <a:lnRef idx="2">
+              <a:schemeClr val="accent2">
+                <a:shade val="50000"/>
+              </a:schemeClr>
+            </a:lnRef>
+            <a:fillRef idx="1">
+              <a:schemeClr val="accent2"/>
+            </a:fillRef>
+            <a:effectRef idx="0">
+              <a:schemeClr val="accent2"/>
+            </a:effectRef>
+            <a:fontRef idx="minor"/>
+          </p:style>
+          <p:txBody>
+            <a:bodyPr lIns="90000" tIns="45000" rIns="90000" bIns="45000" anchor="ctr">
+              <a:noAutofit/>
+            </a:bodyPr>
+            <a:lstStyle/>
+            <a:p>
+              <a:pPr algn="ctr">
+                <a:lnSpc>
+                  <a:spcPct val="100000"/>
+                </a:lnSpc>
+              </a:pPr>
+              <a:r>
+                <a:rPr lang="en-US" sz="1200" b="0" strike="noStrike" spc="-1" dirty="0" err="1">
+                  <a:solidFill>
+                    <a:srgbClr val="FFFFFF"/>
+                  </a:solidFill>
+                  <a:latin typeface="Calibri"/>
+                </a:rPr>
+                <a:t>LogBook</a:t>
+              </a:r>
+              <a:endParaRPr lang="en-US" sz="1200" b="0" strike="noStrike" spc="-1" dirty="0">
+                <a:latin typeface="Arial"/>
+              </a:endParaRPr>
+            </a:p>
+          </p:txBody>
+        </p:sp>
+      </p:grpSp>
       <p:cxnSp>
         <p:nvCxnSpPr>
-          <p:cNvPr id="401" name="Connector: Elbow 400">
+          <p:cNvPr id="18" name="Connector: Elbow 17">
             <a:extLst>
               <a:ext uri="{FF2B5EF4-FFF2-40B4-BE49-F238E27FC236}">
-                <a16:creationId xmlns:a16="http://schemas.microsoft.com/office/drawing/2014/main" id="{2659018C-D119-4BD2-932E-3BA7137DB0AA}"/>
+                <a16:creationId xmlns:a16="http://schemas.microsoft.com/office/drawing/2014/main" id="{CBF9C6A1-16BD-4D72-98F4-6B18E4E52645}"/>
               </a:ext>
             </a:extLst>
           </p:cNvPr>
           <p:cNvCxnSpPr>
-            <a:stCxn id="75" idx="3"/>
-            <a:endCxn id="57" idx="1"/>
+            <a:cxnSpLocks/>
+            <a:stCxn id="40" idx="0"/>
+            <a:endCxn id="39" idx="2"/>
           </p:cNvCxnSpPr>
           <p:nvPr/>
         </p:nvCxnSpPr>
         <p:spPr>
-          <a:xfrm flipV="1">
-            <a:off x="6483240" y="17535375"/>
-            <a:ext cx="831090" cy="1583228"/>
+          <a:xfrm rot="5400000" flipH="1" flipV="1">
+            <a:off x="11182627" y="2370694"/>
+            <a:ext cx="360211" cy="745"/>
           </a:xfrm>
           <a:prstGeom prst="bentConnector3">
+            <a:avLst/>
+          </a:prstGeom>
+          <a:ln w="12700">
+            <a:solidFill>
+              <a:schemeClr val="tx1"/>
+            </a:solidFill>
+            <a:tailEnd type="triangle"/>
+          </a:ln>
+        </p:spPr>
+        <p:style>
+          <a:lnRef idx="1">
+            <a:schemeClr val="accent1"/>
+          </a:lnRef>
+          <a:fillRef idx="0">
+            <a:schemeClr val="accent1"/>
+          </a:fillRef>
+          <a:effectRef idx="0">
+            <a:schemeClr val="accent1"/>
+          </a:effectRef>
+          <a:fontRef idx="minor">
+            <a:schemeClr val="tx1"/>
+          </a:fontRef>
+        </p:style>
+      </p:cxnSp>
+      <p:cxnSp>
+        <p:nvCxnSpPr>
+          <p:cNvPr id="21" name="Connector: Elbow 20">
+            <a:extLst>
+              <a:ext uri="{FF2B5EF4-FFF2-40B4-BE49-F238E27FC236}">
+                <a16:creationId xmlns:a16="http://schemas.microsoft.com/office/drawing/2014/main" id="{D2D13C21-6F5C-4030-9889-500DC3E161E4}"/>
+              </a:ext>
+            </a:extLst>
+          </p:cNvPr>
+          <p:cNvCxnSpPr>
+            <a:cxnSpLocks/>
+            <a:stCxn id="42" idx="0"/>
+            <a:endCxn id="40" idx="2"/>
+          </p:cNvCxnSpPr>
+          <p:nvPr/>
+        </p:nvCxnSpPr>
+        <p:spPr>
+          <a:xfrm rot="5400000" flipH="1" flipV="1">
+            <a:off x="11143224" y="9165563"/>
+            <a:ext cx="435607" cy="2665"/>
+          </a:xfrm>
+          <a:prstGeom prst="bentConnector3">
+            <a:avLst/>
+          </a:prstGeom>
+          <a:ln w="12700">
+            <a:solidFill>
+              <a:schemeClr val="tx1"/>
+            </a:solidFill>
+            <a:tailEnd type="triangle"/>
+          </a:ln>
+        </p:spPr>
+        <p:style>
+          <a:lnRef idx="1">
+            <a:schemeClr val="accent1"/>
+          </a:lnRef>
+          <a:fillRef idx="0">
+            <a:schemeClr val="accent1"/>
+          </a:fillRef>
+          <a:effectRef idx="0">
+            <a:schemeClr val="accent1"/>
+          </a:effectRef>
+          <a:fontRef idx="minor">
+            <a:schemeClr val="tx1"/>
+          </a:fontRef>
+        </p:style>
+      </p:cxnSp>
+      <p:grpSp>
+        <p:nvGrpSpPr>
+          <p:cNvPr id="438" name="Group 437">
+            <a:extLst>
+              <a:ext uri="{FF2B5EF4-FFF2-40B4-BE49-F238E27FC236}">
+                <a16:creationId xmlns:a16="http://schemas.microsoft.com/office/drawing/2014/main" id="{E466AFA4-1B19-4F2D-A49A-FEF575C71C38}"/>
+              </a:ext>
+            </a:extLst>
+          </p:cNvPr>
+          <p:cNvGrpSpPr/>
+          <p:nvPr/>
+        </p:nvGrpSpPr>
+        <p:grpSpPr>
+          <a:xfrm>
+            <a:off x="1593204" y="17069877"/>
+            <a:ext cx="6350871" cy="1461240"/>
+            <a:chOff x="7314329" y="16804755"/>
+            <a:chExt cx="6350871" cy="1461240"/>
+          </a:xfrm>
+        </p:grpSpPr>
+        <p:grpSp>
+          <p:nvGrpSpPr>
+            <p:cNvPr id="16" name="Group 15">
+              <a:extLst>
+                <a:ext uri="{FF2B5EF4-FFF2-40B4-BE49-F238E27FC236}">
+                  <a16:creationId xmlns:a16="http://schemas.microsoft.com/office/drawing/2014/main" id="{60E11222-265B-4C29-8616-E38D8569B605}"/>
+                </a:ext>
+              </a:extLst>
+            </p:cNvPr>
+            <p:cNvGrpSpPr/>
+            <p:nvPr/>
+          </p:nvGrpSpPr>
+          <p:grpSpPr>
+            <a:xfrm>
+              <a:off x="7314329" y="16804755"/>
+              <a:ext cx="6350871" cy="1461240"/>
+              <a:chOff x="1358999" y="18684720"/>
+              <a:chExt cx="6350871" cy="1461240"/>
+            </a:xfrm>
+          </p:grpSpPr>
+          <p:grpSp>
+            <p:nvGrpSpPr>
+              <p:cNvPr id="56" name="Group 18"/>
+              <p:cNvGrpSpPr/>
+              <p:nvPr/>
+            </p:nvGrpSpPr>
+            <p:grpSpPr>
+              <a:xfrm>
+                <a:off x="1358999" y="18684720"/>
+                <a:ext cx="6350871" cy="1461240"/>
+                <a:chOff x="1358999" y="18684720"/>
+                <a:chExt cx="6350871" cy="1461240"/>
+              </a:xfrm>
+            </p:grpSpPr>
+            <p:sp>
+              <p:nvSpPr>
+                <p:cNvPr id="57" name="CustomShape 19"/>
+                <p:cNvSpPr/>
+                <p:nvPr/>
+              </p:nvSpPr>
+              <p:spPr>
+                <a:xfrm>
+                  <a:off x="1358999" y="18684720"/>
+                  <a:ext cx="6350871" cy="1461240"/>
+                </a:xfrm>
+                <a:prstGeom prst="rect">
+                  <a:avLst/>
+                </a:prstGeom>
+                <a:solidFill>
+                  <a:schemeClr val="accent6">
+                    <a:alpha val="50000"/>
+                  </a:schemeClr>
+                </a:solidFill>
+                <a:ln w="0">
+                  <a:noFill/>
+                </a:ln>
+              </p:spPr>
+              <p:style>
+                <a:lnRef idx="0">
+                  <a:scrgbClr r="0" g="0" b="0"/>
+                </a:lnRef>
+                <a:fillRef idx="0">
+                  <a:scrgbClr r="0" g="0" b="0"/>
+                </a:fillRef>
+                <a:effectRef idx="0">
+                  <a:scrgbClr r="0" g="0" b="0"/>
+                </a:effectRef>
+                <a:fontRef idx="minor"/>
+              </p:style>
+            </p:sp>
+            <p:sp>
+              <p:nvSpPr>
+                <p:cNvPr id="58" name="CustomShape 20"/>
+                <p:cNvSpPr/>
+                <p:nvPr/>
+              </p:nvSpPr>
+              <p:spPr>
+                <a:xfrm>
+                  <a:off x="1425575" y="19034332"/>
+                  <a:ext cx="1818878" cy="182520"/>
+                </a:xfrm>
+                <a:prstGeom prst="rect">
+                  <a:avLst/>
+                </a:prstGeom>
+                <a:solidFill>
+                  <a:srgbClr val="ED7D31"/>
+                </a:solidFill>
+                <a:ln>
+                  <a:solidFill>
+                    <a:srgbClr val="AF5C24"/>
+                  </a:solidFill>
+                </a:ln>
+              </p:spPr>
+              <p:style>
+                <a:lnRef idx="2">
+                  <a:schemeClr val="accent2">
+                    <a:shade val="50000"/>
+                  </a:schemeClr>
+                </a:lnRef>
+                <a:fillRef idx="1">
+                  <a:schemeClr val="accent2"/>
+                </a:fillRef>
+                <a:effectRef idx="0">
+                  <a:schemeClr val="accent2"/>
+                </a:effectRef>
+                <a:fontRef idx="minor"/>
+              </p:style>
+              <p:txBody>
+                <a:bodyPr lIns="90000" tIns="45000" rIns="90000" bIns="45000" anchor="ctr">
+                  <a:noAutofit/>
+                </a:bodyPr>
+                <a:lstStyle/>
+                <a:p>
+                  <a:pPr algn="ctr">
+                    <a:lnSpc>
+                      <a:spcPct val="100000"/>
+                    </a:lnSpc>
+                  </a:pPr>
+                  <a:r>
+                    <a:rPr lang="en-US" sz="1200" b="0" strike="noStrike" spc="-1" dirty="0" err="1">
+                      <a:solidFill>
+                        <a:srgbClr val="FFFFFF"/>
+                      </a:solidFill>
+                      <a:latin typeface="Calibri"/>
+                    </a:rPr>
+                    <a:t>ParentSelectionOperator</a:t>
+                  </a:r>
+                  <a:endParaRPr lang="en-US" sz="1200" b="0" strike="noStrike" spc="-1" dirty="0">
+                    <a:latin typeface="Arial"/>
+                  </a:endParaRPr>
+                </a:p>
+              </p:txBody>
+            </p:sp>
+            <p:sp>
+              <p:nvSpPr>
+                <p:cNvPr id="59" name="CustomShape 21"/>
+                <p:cNvSpPr/>
+                <p:nvPr/>
+              </p:nvSpPr>
+              <p:spPr>
+                <a:xfrm>
+                  <a:off x="3680935" y="18745113"/>
+                  <a:ext cx="2946960" cy="182520"/>
+                </a:xfrm>
+                <a:prstGeom prst="rect">
+                  <a:avLst/>
+                </a:prstGeom>
+                <a:solidFill>
+                  <a:srgbClr val="4472C4"/>
+                </a:solidFill>
+                <a:ln>
+                  <a:solidFill>
+                    <a:srgbClr val="325490"/>
+                  </a:solidFill>
+                </a:ln>
+              </p:spPr>
+              <p:style>
+                <a:lnRef idx="2">
+                  <a:schemeClr val="accent1">
+                    <a:shade val="50000"/>
+                  </a:schemeClr>
+                </a:lnRef>
+                <a:fillRef idx="1">
+                  <a:schemeClr val="accent1"/>
+                </a:fillRef>
+                <a:effectRef idx="0">
+                  <a:schemeClr val="accent1"/>
+                </a:effectRef>
+                <a:fontRef idx="minor"/>
+              </p:style>
+              <p:txBody>
+                <a:bodyPr lIns="90000" tIns="45000" rIns="90000" bIns="45000" anchor="ctr">
+                  <a:noAutofit/>
+                </a:bodyPr>
+                <a:lstStyle/>
+                <a:p>
+                  <a:pPr algn="ctr">
+                    <a:lnSpc>
+                      <a:spcPct val="100000"/>
+                    </a:lnSpc>
+                  </a:pPr>
+                  <a:r>
+                    <a:rPr lang="en-US" sz="1200" b="0" strike="noStrike" spc="-1" dirty="0" err="1">
+                      <a:solidFill>
+                        <a:srgbClr val="FFFFFF"/>
+                      </a:solidFill>
+                      <a:latin typeface="Calibri"/>
+                    </a:rPr>
+                    <a:t>ConventionalGenomicSelectionOperator</a:t>
+                  </a:r>
+                  <a:endParaRPr lang="en-US" sz="1200" b="0" strike="noStrike" spc="-1" dirty="0">
+                    <a:latin typeface="Arial"/>
+                  </a:endParaRPr>
+                </a:p>
+              </p:txBody>
+            </p:sp>
+            <p:sp>
+              <p:nvSpPr>
+                <p:cNvPr id="60" name="CustomShape 22"/>
+                <p:cNvSpPr/>
+                <p:nvPr/>
+              </p:nvSpPr>
+              <p:spPr>
+                <a:xfrm>
+                  <a:off x="3680935" y="19317873"/>
+                  <a:ext cx="2946960" cy="182520"/>
+                </a:xfrm>
+                <a:prstGeom prst="rect">
+                  <a:avLst/>
+                </a:prstGeom>
+                <a:solidFill>
+                  <a:srgbClr val="4472C4"/>
+                </a:solidFill>
+                <a:ln>
+                  <a:solidFill>
+                    <a:srgbClr val="325490"/>
+                  </a:solidFill>
+                </a:ln>
+              </p:spPr>
+              <p:style>
+                <a:lnRef idx="2">
+                  <a:schemeClr val="accent1">
+                    <a:shade val="50000"/>
+                  </a:schemeClr>
+                </a:lnRef>
+                <a:fillRef idx="1">
+                  <a:schemeClr val="accent1"/>
+                </a:fillRef>
+                <a:effectRef idx="0">
+                  <a:schemeClr val="accent1"/>
+                </a:effectRef>
+                <a:fontRef idx="minor"/>
+              </p:style>
+              <p:txBody>
+                <a:bodyPr lIns="90000" tIns="45000" rIns="90000" bIns="45000" anchor="ctr">
+                  <a:noAutofit/>
+                </a:bodyPr>
+                <a:lstStyle/>
+                <a:p>
+                  <a:pPr algn="ctr">
+                    <a:lnSpc>
+                      <a:spcPct val="100000"/>
+                    </a:lnSpc>
+                  </a:pPr>
+                  <a:r>
+                    <a:rPr lang="en-US" sz="1200" b="0" strike="noStrike" spc="-1" dirty="0" err="1">
+                      <a:solidFill>
+                        <a:srgbClr val="FFFFFF"/>
+                      </a:solidFill>
+                      <a:latin typeface="Calibri"/>
+                    </a:rPr>
+                    <a:t>MultiObjectiveGenomicMatingOperator</a:t>
+                  </a:r>
+                  <a:endParaRPr lang="en-US" sz="1200" b="0" strike="noStrike" spc="-1" dirty="0">
+                    <a:latin typeface="Arial"/>
+                  </a:endParaRPr>
+                </a:p>
+              </p:txBody>
+            </p:sp>
+            <p:sp>
+              <p:nvSpPr>
+                <p:cNvPr id="61" name="CustomShape 23"/>
+                <p:cNvSpPr/>
+                <p:nvPr/>
+              </p:nvSpPr>
+              <p:spPr>
+                <a:xfrm>
+                  <a:off x="3680935" y="19031673"/>
+                  <a:ext cx="2946960" cy="182520"/>
+                </a:xfrm>
+                <a:prstGeom prst="rect">
+                  <a:avLst/>
+                </a:prstGeom>
+                <a:solidFill>
+                  <a:srgbClr val="4472C4"/>
+                </a:solidFill>
+                <a:ln>
+                  <a:solidFill>
+                    <a:srgbClr val="325490"/>
+                  </a:solidFill>
+                </a:ln>
+              </p:spPr>
+              <p:style>
+                <a:lnRef idx="2">
+                  <a:schemeClr val="accent1">
+                    <a:shade val="50000"/>
+                  </a:schemeClr>
+                </a:lnRef>
+                <a:fillRef idx="1">
+                  <a:schemeClr val="accent1"/>
+                </a:fillRef>
+                <a:effectRef idx="0">
+                  <a:schemeClr val="accent1"/>
+                </a:effectRef>
+                <a:fontRef idx="minor"/>
+              </p:style>
+              <p:txBody>
+                <a:bodyPr lIns="90000" tIns="45000" rIns="90000" bIns="45000" anchor="ctr">
+                  <a:noAutofit/>
+                </a:bodyPr>
+                <a:lstStyle/>
+                <a:p>
+                  <a:pPr algn="ctr">
+                    <a:lnSpc>
+                      <a:spcPct val="100000"/>
+                    </a:lnSpc>
+                  </a:pPr>
+                  <a:r>
+                    <a:rPr lang="en-US" sz="1200" b="0" strike="noStrike" spc="-1" dirty="0" err="1">
+                      <a:solidFill>
+                        <a:srgbClr val="FFFFFF"/>
+                      </a:solidFill>
+                      <a:latin typeface="Calibri"/>
+                    </a:rPr>
+                    <a:t>WeightedGenomicSelectionOperator</a:t>
+                  </a:r>
+                  <a:endParaRPr lang="en-US" sz="1200" b="0" strike="noStrike" spc="-1" dirty="0">
+                    <a:latin typeface="Arial"/>
+                  </a:endParaRPr>
+                </a:p>
+              </p:txBody>
+            </p:sp>
+            <p:sp>
+              <p:nvSpPr>
+                <p:cNvPr id="62" name="CustomShape 24"/>
+                <p:cNvSpPr/>
+                <p:nvPr/>
+              </p:nvSpPr>
+              <p:spPr>
+                <a:xfrm>
+                  <a:off x="3680935" y="19603713"/>
+                  <a:ext cx="2946960" cy="182520"/>
+                </a:xfrm>
+                <a:prstGeom prst="rect">
+                  <a:avLst/>
+                </a:prstGeom>
+                <a:solidFill>
+                  <a:srgbClr val="4472C4"/>
+                </a:solidFill>
+                <a:ln>
+                  <a:solidFill>
+                    <a:srgbClr val="325490"/>
+                  </a:solidFill>
+                </a:ln>
+              </p:spPr>
+              <p:style>
+                <a:lnRef idx="2">
+                  <a:schemeClr val="accent1">
+                    <a:shade val="50000"/>
+                  </a:schemeClr>
+                </a:lnRef>
+                <a:fillRef idx="1">
+                  <a:schemeClr val="accent1"/>
+                </a:fillRef>
+                <a:effectRef idx="0">
+                  <a:schemeClr val="accent1"/>
+                </a:effectRef>
+                <a:fontRef idx="minor"/>
+              </p:style>
+              <p:txBody>
+                <a:bodyPr lIns="90000" tIns="45000" rIns="90000" bIns="45000" anchor="ctr">
+                  <a:noAutofit/>
+                </a:bodyPr>
+                <a:lstStyle/>
+                <a:p>
+                  <a:pPr algn="ctr">
+                    <a:lnSpc>
+                      <a:spcPct val="100000"/>
+                    </a:lnSpc>
+                  </a:pPr>
+                  <a:r>
+                    <a:rPr lang="en-US" sz="1200" b="0" strike="noStrike" spc="-1" dirty="0" err="1">
+                      <a:solidFill>
+                        <a:srgbClr val="FFFFFF"/>
+                      </a:solidFill>
+                      <a:latin typeface="Calibri"/>
+                    </a:rPr>
+                    <a:t>MultiObjectiveGenomicSelectionOperator</a:t>
+                  </a:r>
+                  <a:endParaRPr lang="en-US" sz="1200" b="0" strike="noStrike" spc="-1" dirty="0">
+                    <a:latin typeface="Arial"/>
+                  </a:endParaRPr>
+                </a:p>
+              </p:txBody>
+            </p:sp>
+            <p:sp>
+              <p:nvSpPr>
+                <p:cNvPr id="63" name="CustomShape 25"/>
+                <p:cNvSpPr/>
+                <p:nvPr/>
+              </p:nvSpPr>
+              <p:spPr>
+                <a:xfrm>
+                  <a:off x="3680935" y="19895313"/>
+                  <a:ext cx="2946960" cy="182520"/>
+                </a:xfrm>
+                <a:prstGeom prst="rect">
+                  <a:avLst/>
+                </a:prstGeom>
+                <a:solidFill>
+                  <a:srgbClr val="4472C4"/>
+                </a:solidFill>
+                <a:ln>
+                  <a:solidFill>
+                    <a:srgbClr val="325490"/>
+                  </a:solidFill>
+                </a:ln>
+              </p:spPr>
+              <p:style>
+                <a:lnRef idx="2">
+                  <a:schemeClr val="accent1">
+                    <a:shade val="50000"/>
+                  </a:schemeClr>
+                </a:lnRef>
+                <a:fillRef idx="1">
+                  <a:schemeClr val="accent1"/>
+                </a:fillRef>
+                <a:effectRef idx="0">
+                  <a:schemeClr val="accent1"/>
+                </a:effectRef>
+                <a:fontRef idx="minor"/>
+              </p:style>
+              <p:txBody>
+                <a:bodyPr lIns="90000" tIns="45000" rIns="90000" bIns="45000" anchor="ctr">
+                  <a:noAutofit/>
+                </a:bodyPr>
+                <a:lstStyle/>
+                <a:p>
+                  <a:pPr algn="ctr">
+                    <a:lnSpc>
+                      <a:spcPct val="100000"/>
+                    </a:lnSpc>
+                  </a:pPr>
+                  <a:r>
+                    <a:rPr lang="en-US" sz="1200" b="0" strike="noStrike" spc="-1" dirty="0" err="1">
+                      <a:solidFill>
+                        <a:srgbClr val="FFFFFF"/>
+                      </a:solidFill>
+                      <a:latin typeface="Calibri"/>
+                    </a:rPr>
+                    <a:t>etc</a:t>
+                  </a:r>
+                  <a:r>
+                    <a:rPr lang="en-US" sz="1200" b="0" strike="noStrike" spc="-1" dirty="0">
+                      <a:solidFill>
+                        <a:srgbClr val="FFFFFF"/>
+                      </a:solidFill>
+                      <a:latin typeface="Calibri"/>
+                    </a:rPr>
+                    <a:t>…</a:t>
+                  </a:r>
+                  <a:endParaRPr lang="en-US" sz="1200" b="0" strike="noStrike" spc="-1" dirty="0">
+                    <a:latin typeface="Arial"/>
+                  </a:endParaRPr>
+                </a:p>
+              </p:txBody>
+            </p:sp>
+          </p:grpSp>
+          <p:sp>
+            <p:nvSpPr>
+              <p:cNvPr id="191" name="CustomShape 153"/>
+              <p:cNvSpPr/>
+              <p:nvPr/>
+            </p:nvSpPr>
+            <p:spPr>
+              <a:xfrm>
+                <a:off x="1865833" y="19268344"/>
+                <a:ext cx="1002600" cy="272880"/>
+              </a:xfrm>
+              <a:prstGeom prst="rect">
+                <a:avLst/>
+              </a:prstGeom>
+              <a:noFill/>
+              <a:ln w="0">
+                <a:noFill/>
+              </a:ln>
+            </p:spPr>
+            <p:style>
+              <a:lnRef idx="0">
+                <a:scrgbClr r="0" g="0" b="0"/>
+              </a:lnRef>
+              <a:fillRef idx="0">
+                <a:scrgbClr r="0" g="0" b="0"/>
+              </a:fillRef>
+              <a:effectRef idx="0">
+                <a:scrgbClr r="0" g="0" b="0"/>
+              </a:effectRef>
+              <a:fontRef idx="minor"/>
+            </p:style>
+            <p:txBody>
+              <a:bodyPr wrap="none" lIns="90000" tIns="45000" rIns="90000" bIns="45000">
+                <a:spAutoFit/>
+              </a:bodyPr>
+              <a:lstStyle/>
+              <a:p>
+                <a:pPr>
+                  <a:lnSpc>
+                    <a:spcPct val="100000"/>
+                  </a:lnSpc>
+                </a:pPr>
+                <a:r>
+                  <a:rPr lang="en-US" sz="1200" b="0" strike="noStrike" spc="-1" dirty="0" err="1">
+                    <a:solidFill>
+                      <a:srgbClr val="000000"/>
+                    </a:solidFill>
+                    <a:latin typeface="Courier New"/>
+                  </a:rPr>
+                  <a:t>breed.sel</a:t>
+                </a:r>
+                <a:endParaRPr lang="en-US" sz="1200" b="0" strike="noStrike" spc="-1" dirty="0">
+                  <a:latin typeface="Arial"/>
+                </a:endParaRPr>
+              </a:p>
+            </p:txBody>
+          </p:sp>
+          <p:sp>
+            <p:nvSpPr>
+              <p:cNvPr id="352" name="CustomShape 21">
+                <a:extLst>
+                  <a:ext uri="{FF2B5EF4-FFF2-40B4-BE49-F238E27FC236}">
+                    <a16:creationId xmlns:a16="http://schemas.microsoft.com/office/drawing/2014/main" id="{28FA03AA-BE72-484B-993C-AD413EF5D397}"/>
+                  </a:ext>
+                </a:extLst>
+              </p:cNvPr>
+              <p:cNvSpPr/>
+              <p:nvPr/>
+            </p:nvSpPr>
+            <p:spPr>
+              <a:xfrm>
+                <a:off x="6989336" y="18740350"/>
+                <a:ext cx="649800" cy="182520"/>
+              </a:xfrm>
+              <a:prstGeom prst="rect">
+                <a:avLst/>
+              </a:prstGeom>
+              <a:ln/>
+            </p:spPr>
+            <p:style>
+              <a:lnRef idx="2">
+                <a:schemeClr val="accent4">
+                  <a:shade val="50000"/>
+                </a:schemeClr>
+              </a:lnRef>
+              <a:fillRef idx="1">
+                <a:schemeClr val="accent4"/>
+              </a:fillRef>
+              <a:effectRef idx="0">
+                <a:schemeClr val="accent4"/>
+              </a:effectRef>
+              <a:fontRef idx="minor">
+                <a:schemeClr val="lt1"/>
+              </a:fontRef>
+            </p:style>
+            <p:txBody>
+              <a:bodyPr lIns="90000" tIns="45000" rIns="90000" bIns="45000" anchor="ctr">
+                <a:noAutofit/>
+              </a:bodyPr>
+              <a:lstStyle/>
+              <a:p>
+                <a:pPr algn="ctr">
+                  <a:lnSpc>
+                    <a:spcPct val="100000"/>
+                  </a:lnSpc>
+                </a:pPr>
+                <a:r>
+                  <a:rPr lang="en-US" sz="1200" b="0" strike="noStrike" spc="-1" dirty="0">
+                    <a:solidFill>
+                      <a:srgbClr val="FFFFFF"/>
+                    </a:solidFill>
+                    <a:latin typeface="Calibri"/>
+                  </a:rPr>
+                  <a:t>CGS</a:t>
+                </a:r>
+                <a:endParaRPr lang="en-US" sz="1200" b="0" strike="noStrike" spc="-1" dirty="0">
+                  <a:latin typeface="Arial"/>
+                </a:endParaRPr>
+              </a:p>
+            </p:txBody>
+          </p:sp>
+          <p:sp>
+            <p:nvSpPr>
+              <p:cNvPr id="353" name="CustomShape 21">
+                <a:extLst>
+                  <a:ext uri="{FF2B5EF4-FFF2-40B4-BE49-F238E27FC236}">
+                    <a16:creationId xmlns:a16="http://schemas.microsoft.com/office/drawing/2014/main" id="{EED9CE28-0892-4C54-91EB-1758301DF0AB}"/>
+                  </a:ext>
+                </a:extLst>
+              </p:cNvPr>
+              <p:cNvSpPr/>
+              <p:nvPr/>
+            </p:nvSpPr>
+            <p:spPr>
+              <a:xfrm>
+                <a:off x="6989336" y="19027353"/>
+                <a:ext cx="649800" cy="182520"/>
+              </a:xfrm>
+              <a:prstGeom prst="rect">
+                <a:avLst/>
+              </a:prstGeom>
+              <a:ln/>
+            </p:spPr>
+            <p:style>
+              <a:lnRef idx="2">
+                <a:schemeClr val="accent4">
+                  <a:shade val="50000"/>
+                </a:schemeClr>
+              </a:lnRef>
+              <a:fillRef idx="1">
+                <a:schemeClr val="accent4"/>
+              </a:fillRef>
+              <a:effectRef idx="0">
+                <a:schemeClr val="accent4"/>
+              </a:effectRef>
+              <a:fontRef idx="minor">
+                <a:schemeClr val="lt1"/>
+              </a:fontRef>
+            </p:style>
+            <p:txBody>
+              <a:bodyPr lIns="90000" tIns="45000" rIns="90000" bIns="45000" anchor="ctr">
+                <a:noAutofit/>
+              </a:bodyPr>
+              <a:lstStyle/>
+              <a:p>
+                <a:pPr algn="ctr">
+                  <a:lnSpc>
+                    <a:spcPct val="100000"/>
+                  </a:lnSpc>
+                </a:pPr>
+                <a:r>
+                  <a:rPr lang="en-US" sz="1200" b="0" strike="noStrike" spc="-1" dirty="0">
+                    <a:solidFill>
+                      <a:srgbClr val="FFFFFF"/>
+                    </a:solidFill>
+                    <a:latin typeface="Calibri"/>
+                  </a:rPr>
+                  <a:t>WGS</a:t>
+                </a:r>
+                <a:endParaRPr lang="en-US" sz="1200" b="0" strike="noStrike" spc="-1" dirty="0">
+                  <a:latin typeface="Arial"/>
+                </a:endParaRPr>
+              </a:p>
+            </p:txBody>
+          </p:sp>
+          <p:sp>
+            <p:nvSpPr>
+              <p:cNvPr id="354" name="CustomShape 21">
+                <a:extLst>
+                  <a:ext uri="{FF2B5EF4-FFF2-40B4-BE49-F238E27FC236}">
+                    <a16:creationId xmlns:a16="http://schemas.microsoft.com/office/drawing/2014/main" id="{F516A869-E8AF-48F8-B114-E7E1D9304AAD}"/>
+                  </a:ext>
+                </a:extLst>
+              </p:cNvPr>
+              <p:cNvSpPr/>
+              <p:nvPr/>
+            </p:nvSpPr>
+            <p:spPr>
+              <a:xfrm>
+                <a:off x="6989336" y="19315893"/>
+                <a:ext cx="649800" cy="182520"/>
+              </a:xfrm>
+              <a:prstGeom prst="rect">
+                <a:avLst/>
+              </a:prstGeom>
+              <a:ln/>
+            </p:spPr>
+            <p:style>
+              <a:lnRef idx="2">
+                <a:schemeClr val="accent4">
+                  <a:shade val="50000"/>
+                </a:schemeClr>
+              </a:lnRef>
+              <a:fillRef idx="1">
+                <a:schemeClr val="accent4"/>
+              </a:fillRef>
+              <a:effectRef idx="0">
+                <a:schemeClr val="accent4"/>
+              </a:effectRef>
+              <a:fontRef idx="minor">
+                <a:schemeClr val="lt1"/>
+              </a:fontRef>
+            </p:style>
+            <p:txBody>
+              <a:bodyPr lIns="90000" tIns="45000" rIns="90000" bIns="45000" anchor="ctr">
+                <a:noAutofit/>
+              </a:bodyPr>
+              <a:lstStyle/>
+              <a:p>
+                <a:pPr algn="ctr">
+                  <a:lnSpc>
+                    <a:spcPct val="100000"/>
+                  </a:lnSpc>
+                </a:pPr>
+                <a:r>
+                  <a:rPr lang="en-US" sz="1200" b="0" strike="noStrike" spc="-1" dirty="0">
+                    <a:solidFill>
+                      <a:srgbClr val="FFFFFF"/>
+                    </a:solidFill>
+                    <a:latin typeface="Calibri"/>
+                  </a:rPr>
+                  <a:t>MOGM</a:t>
+                </a:r>
+                <a:endParaRPr lang="en-US" sz="1200" b="0" strike="noStrike" spc="-1" dirty="0">
+                  <a:latin typeface="Arial"/>
+                </a:endParaRPr>
+              </a:p>
+            </p:txBody>
+          </p:sp>
+          <p:sp>
+            <p:nvSpPr>
+              <p:cNvPr id="355" name="CustomShape 21">
+                <a:extLst>
+                  <a:ext uri="{FF2B5EF4-FFF2-40B4-BE49-F238E27FC236}">
+                    <a16:creationId xmlns:a16="http://schemas.microsoft.com/office/drawing/2014/main" id="{F2FA06D0-8E95-4A6F-AE49-E38F20924AF1}"/>
+                  </a:ext>
+                </a:extLst>
+              </p:cNvPr>
+              <p:cNvSpPr/>
+              <p:nvPr/>
+            </p:nvSpPr>
+            <p:spPr>
+              <a:xfrm>
+                <a:off x="6989747" y="19602896"/>
+                <a:ext cx="649800" cy="182520"/>
+              </a:xfrm>
+              <a:prstGeom prst="rect">
+                <a:avLst/>
+              </a:prstGeom>
+              <a:ln/>
+            </p:spPr>
+            <p:style>
+              <a:lnRef idx="2">
+                <a:schemeClr val="accent4">
+                  <a:shade val="50000"/>
+                </a:schemeClr>
+              </a:lnRef>
+              <a:fillRef idx="1">
+                <a:schemeClr val="accent4"/>
+              </a:fillRef>
+              <a:effectRef idx="0">
+                <a:schemeClr val="accent4"/>
+              </a:effectRef>
+              <a:fontRef idx="minor">
+                <a:schemeClr val="lt1"/>
+              </a:fontRef>
+            </p:style>
+            <p:txBody>
+              <a:bodyPr lIns="90000" tIns="45000" rIns="90000" bIns="45000" anchor="ctr">
+                <a:noAutofit/>
+              </a:bodyPr>
+              <a:lstStyle/>
+              <a:p>
+                <a:pPr algn="ctr">
+                  <a:lnSpc>
+                    <a:spcPct val="100000"/>
+                  </a:lnSpc>
+                </a:pPr>
+                <a:r>
+                  <a:rPr lang="en-US" sz="1200" b="0" strike="noStrike" spc="-1" dirty="0">
+                    <a:solidFill>
+                      <a:srgbClr val="FFFFFF"/>
+                    </a:solidFill>
+                    <a:latin typeface="Calibri"/>
+                  </a:rPr>
+                  <a:t>MOGS</a:t>
+                </a:r>
+                <a:endParaRPr lang="en-US" sz="1200" b="0" strike="noStrike" spc="-1" dirty="0">
+                  <a:latin typeface="Arial"/>
+                </a:endParaRPr>
+              </a:p>
+            </p:txBody>
+          </p:sp>
+          <p:sp>
+            <p:nvSpPr>
+              <p:cNvPr id="356" name="CustomShape 21">
+                <a:extLst>
+                  <a:ext uri="{FF2B5EF4-FFF2-40B4-BE49-F238E27FC236}">
+                    <a16:creationId xmlns:a16="http://schemas.microsoft.com/office/drawing/2014/main" id="{3DC108F6-34CF-4624-AB03-BDD3CA3CB0AC}"/>
+                  </a:ext>
+                </a:extLst>
+              </p:cNvPr>
+              <p:cNvSpPr/>
+              <p:nvPr/>
+            </p:nvSpPr>
+            <p:spPr>
+              <a:xfrm>
+                <a:off x="6989684" y="19893385"/>
+                <a:ext cx="649800" cy="182520"/>
+              </a:xfrm>
+              <a:prstGeom prst="rect">
+                <a:avLst/>
+              </a:prstGeom>
+              <a:ln/>
+            </p:spPr>
+            <p:style>
+              <a:lnRef idx="2">
+                <a:schemeClr val="accent4">
+                  <a:shade val="50000"/>
+                </a:schemeClr>
+              </a:lnRef>
+              <a:fillRef idx="1">
+                <a:schemeClr val="accent4"/>
+              </a:fillRef>
+              <a:effectRef idx="0">
+                <a:schemeClr val="accent4"/>
+              </a:effectRef>
+              <a:fontRef idx="minor">
+                <a:schemeClr val="lt1"/>
+              </a:fontRef>
+            </p:style>
+            <p:txBody>
+              <a:bodyPr lIns="90000" tIns="45000" rIns="90000" bIns="45000" anchor="ctr">
+                <a:noAutofit/>
+              </a:bodyPr>
+              <a:lstStyle/>
+              <a:p>
+                <a:pPr algn="ctr">
+                  <a:lnSpc>
+                    <a:spcPct val="100000"/>
+                  </a:lnSpc>
+                </a:pPr>
+                <a:r>
+                  <a:rPr lang="en-US" sz="1200" spc="-1" dirty="0">
+                    <a:solidFill>
+                      <a:srgbClr val="FFFFFF"/>
+                    </a:solidFill>
+                    <a:latin typeface="Calibri"/>
+                  </a:rPr>
+                  <a:t>etc...</a:t>
+                </a:r>
+                <a:endParaRPr lang="en-US" sz="1200" b="0" strike="noStrike" spc="-1" dirty="0">
+                  <a:latin typeface="Arial"/>
+                </a:endParaRPr>
+              </a:p>
+            </p:txBody>
+          </p:sp>
+        </p:grpSp>
+        <p:sp>
+          <p:nvSpPr>
+            <p:cNvPr id="404" name="CustomShape 20">
+              <a:extLst>
+                <a:ext uri="{FF2B5EF4-FFF2-40B4-BE49-F238E27FC236}">
+                  <a16:creationId xmlns:a16="http://schemas.microsoft.com/office/drawing/2014/main" id="{A81D2D37-40CE-4023-9F56-3844FFBA847E}"/>
+                </a:ext>
+              </a:extLst>
+            </p:cNvPr>
+            <p:cNvSpPr/>
+            <p:nvPr/>
+          </p:nvSpPr>
+          <p:spPr>
+            <a:xfrm>
+              <a:off x="7380905" y="17725508"/>
+              <a:ext cx="1818878" cy="182520"/>
+            </a:xfrm>
+            <a:prstGeom prst="rect">
+              <a:avLst/>
+            </a:prstGeom>
+            <a:solidFill>
+              <a:srgbClr val="ED7D31"/>
+            </a:solidFill>
+            <a:ln>
+              <a:solidFill>
+                <a:srgbClr val="AF5C24"/>
+              </a:solidFill>
+            </a:ln>
+          </p:spPr>
+          <p:style>
+            <a:lnRef idx="2">
+              <a:schemeClr val="accent2">
+                <a:shade val="50000"/>
+              </a:schemeClr>
+            </a:lnRef>
+            <a:fillRef idx="1">
+              <a:schemeClr val="accent2"/>
+            </a:fillRef>
+            <a:effectRef idx="0">
+              <a:schemeClr val="accent2"/>
+            </a:effectRef>
+            <a:fontRef idx="minor"/>
+          </p:style>
+          <p:txBody>
+            <a:bodyPr lIns="90000" tIns="45000" rIns="90000" bIns="45000" anchor="ctr">
+              <a:noAutofit/>
+            </a:bodyPr>
+            <a:lstStyle/>
+            <a:p>
+              <a:pPr algn="ctr">
+                <a:lnSpc>
+                  <a:spcPct val="100000"/>
+                </a:lnSpc>
+              </a:pPr>
+              <a:r>
+                <a:rPr lang="en-US" sz="1200" b="0" strike="noStrike" spc="-1" dirty="0" err="1">
+                  <a:solidFill>
+                    <a:srgbClr val="FFFFFF"/>
+                  </a:solidFill>
+                  <a:latin typeface="Calibri"/>
+                </a:rPr>
+                <a:t>SurvivorSelectionOperator</a:t>
+              </a:r>
+              <a:endParaRPr lang="en-US" sz="1200" b="0" strike="noStrike" spc="-1" dirty="0">
+                <a:latin typeface="Arial"/>
+              </a:endParaRPr>
+            </a:p>
+          </p:txBody>
+        </p:sp>
+        <p:cxnSp>
+          <p:nvCxnSpPr>
+            <p:cNvPr id="247" name="Connector: Elbow 246">
+              <a:extLst>
+                <a:ext uri="{FF2B5EF4-FFF2-40B4-BE49-F238E27FC236}">
+                  <a16:creationId xmlns:a16="http://schemas.microsoft.com/office/drawing/2014/main" id="{1EC9E0D8-E4F7-42DC-9D08-1B6A8C1A0B72}"/>
+                </a:ext>
+              </a:extLst>
+            </p:cNvPr>
+            <p:cNvCxnSpPr>
+              <a:stCxn id="59" idx="1"/>
+              <a:endCxn id="58" idx="3"/>
+            </p:cNvCxnSpPr>
+            <p:nvPr/>
+          </p:nvCxnSpPr>
+          <p:spPr>
+            <a:xfrm rot="10800000" flipV="1">
+              <a:off x="9199783" y="16956407"/>
+              <a:ext cx="436482" cy="289219"/>
+            </a:xfrm>
+            <a:prstGeom prst="bentConnector3">
+              <a:avLst/>
+            </a:prstGeom>
+            <a:ln>
+              <a:tailEnd type="triangle"/>
+            </a:ln>
+          </p:spPr>
+          <p:style>
+            <a:lnRef idx="1">
+              <a:schemeClr val="accent1"/>
+            </a:lnRef>
+            <a:fillRef idx="0">
+              <a:schemeClr val="accent1"/>
+            </a:fillRef>
+            <a:effectRef idx="0">
+              <a:schemeClr val="accent1"/>
+            </a:effectRef>
+            <a:fontRef idx="minor">
+              <a:schemeClr val="tx1"/>
+            </a:fontRef>
+          </p:style>
+        </p:cxnSp>
+        <p:cxnSp>
+          <p:nvCxnSpPr>
+            <p:cNvPr id="408" name="Connector: Elbow 407">
+              <a:extLst>
+                <a:ext uri="{FF2B5EF4-FFF2-40B4-BE49-F238E27FC236}">
+                  <a16:creationId xmlns:a16="http://schemas.microsoft.com/office/drawing/2014/main" id="{C99B1987-DC95-44E7-B0F2-DC267091B859}"/>
+                </a:ext>
+              </a:extLst>
+            </p:cNvPr>
+            <p:cNvCxnSpPr>
+              <a:stCxn id="61" idx="1"/>
+              <a:endCxn id="58" idx="3"/>
+            </p:cNvCxnSpPr>
+            <p:nvPr/>
+          </p:nvCxnSpPr>
+          <p:spPr>
+            <a:xfrm rot="10800000" flipV="1">
+              <a:off x="9199783" y="17242967"/>
+              <a:ext cx="436482" cy="2659"/>
+            </a:xfrm>
+            <a:prstGeom prst="bentConnector3">
+              <a:avLst/>
+            </a:prstGeom>
+            <a:ln>
+              <a:tailEnd type="triangle"/>
+            </a:ln>
+          </p:spPr>
+          <p:style>
+            <a:lnRef idx="1">
+              <a:schemeClr val="accent1"/>
+            </a:lnRef>
+            <a:fillRef idx="0">
+              <a:schemeClr val="accent1"/>
+            </a:fillRef>
+            <a:effectRef idx="0">
+              <a:schemeClr val="accent1"/>
+            </a:effectRef>
+            <a:fontRef idx="minor">
+              <a:schemeClr val="tx1"/>
+            </a:fontRef>
+          </p:style>
+        </p:cxnSp>
+        <p:cxnSp>
+          <p:nvCxnSpPr>
+            <p:cNvPr id="410" name="Connector: Elbow 409">
+              <a:extLst>
+                <a:ext uri="{FF2B5EF4-FFF2-40B4-BE49-F238E27FC236}">
+                  <a16:creationId xmlns:a16="http://schemas.microsoft.com/office/drawing/2014/main" id="{B1A7FFF6-685C-4098-9D0D-8BC261E773FF}"/>
+                </a:ext>
+              </a:extLst>
+            </p:cNvPr>
+            <p:cNvCxnSpPr>
+              <a:stCxn id="60" idx="1"/>
+              <a:endCxn id="58" idx="3"/>
+            </p:cNvCxnSpPr>
+            <p:nvPr/>
+          </p:nvCxnSpPr>
+          <p:spPr>
+            <a:xfrm rot="10800000">
+              <a:off x="9199783" y="17245628"/>
+              <a:ext cx="436482" cy="283541"/>
+            </a:xfrm>
+            <a:prstGeom prst="bentConnector3">
+              <a:avLst/>
+            </a:prstGeom>
+            <a:ln>
+              <a:tailEnd type="triangle"/>
+            </a:ln>
+          </p:spPr>
+          <p:style>
+            <a:lnRef idx="1">
+              <a:schemeClr val="accent1"/>
+            </a:lnRef>
+            <a:fillRef idx="0">
+              <a:schemeClr val="accent1"/>
+            </a:fillRef>
+            <a:effectRef idx="0">
+              <a:schemeClr val="accent1"/>
+            </a:effectRef>
+            <a:fontRef idx="minor">
+              <a:schemeClr val="tx1"/>
+            </a:fontRef>
+          </p:style>
+        </p:cxnSp>
+        <p:cxnSp>
+          <p:nvCxnSpPr>
+            <p:cNvPr id="412" name="Connector: Elbow 411">
+              <a:extLst>
+                <a:ext uri="{FF2B5EF4-FFF2-40B4-BE49-F238E27FC236}">
+                  <a16:creationId xmlns:a16="http://schemas.microsoft.com/office/drawing/2014/main" id="{AEEBB95D-3430-4D84-BDB8-6F48273F105D}"/>
+                </a:ext>
+              </a:extLst>
+            </p:cNvPr>
+            <p:cNvCxnSpPr>
+              <a:stCxn id="62" idx="1"/>
+              <a:endCxn id="58" idx="3"/>
+            </p:cNvCxnSpPr>
+            <p:nvPr/>
+          </p:nvCxnSpPr>
+          <p:spPr>
+            <a:xfrm rot="10800000">
+              <a:off x="9199783" y="17245628"/>
+              <a:ext cx="436482" cy="569381"/>
+            </a:xfrm>
+            <a:prstGeom prst="bentConnector3">
+              <a:avLst/>
+            </a:prstGeom>
+            <a:ln>
+              <a:tailEnd type="triangle"/>
+            </a:ln>
+          </p:spPr>
+          <p:style>
+            <a:lnRef idx="1">
+              <a:schemeClr val="accent1"/>
+            </a:lnRef>
+            <a:fillRef idx="0">
+              <a:schemeClr val="accent1"/>
+            </a:fillRef>
+            <a:effectRef idx="0">
+              <a:schemeClr val="accent1"/>
+            </a:effectRef>
+            <a:fontRef idx="minor">
+              <a:schemeClr val="tx1"/>
+            </a:fontRef>
+          </p:style>
+        </p:cxnSp>
+        <p:cxnSp>
+          <p:nvCxnSpPr>
+            <p:cNvPr id="414" name="Connector: Elbow 413">
+              <a:extLst>
+                <a:ext uri="{FF2B5EF4-FFF2-40B4-BE49-F238E27FC236}">
+                  <a16:creationId xmlns:a16="http://schemas.microsoft.com/office/drawing/2014/main" id="{ABE9C265-15E4-4175-80D7-F1AE4D51D75D}"/>
+                </a:ext>
+              </a:extLst>
+            </p:cNvPr>
+            <p:cNvCxnSpPr>
+              <a:stCxn id="63" idx="1"/>
+              <a:endCxn id="58" idx="3"/>
+            </p:cNvCxnSpPr>
+            <p:nvPr/>
+          </p:nvCxnSpPr>
+          <p:spPr>
+            <a:xfrm rot="10800000">
+              <a:off x="9199783" y="17245628"/>
+              <a:ext cx="436482" cy="860981"/>
+            </a:xfrm>
+            <a:prstGeom prst="bentConnector3">
+              <a:avLst/>
+            </a:prstGeom>
+            <a:ln>
+              <a:tailEnd type="triangle"/>
+            </a:ln>
+          </p:spPr>
+          <p:style>
+            <a:lnRef idx="1">
+              <a:schemeClr val="accent1"/>
+            </a:lnRef>
+            <a:fillRef idx="0">
+              <a:schemeClr val="accent1"/>
+            </a:fillRef>
+            <a:effectRef idx="0">
+              <a:schemeClr val="accent1"/>
+            </a:effectRef>
+            <a:fontRef idx="minor">
+              <a:schemeClr val="tx1"/>
+            </a:fontRef>
+          </p:style>
+        </p:cxnSp>
+        <p:cxnSp>
+          <p:nvCxnSpPr>
+            <p:cNvPr id="416" name="Connector: Elbow 415">
+              <a:extLst>
+                <a:ext uri="{FF2B5EF4-FFF2-40B4-BE49-F238E27FC236}">
+                  <a16:creationId xmlns:a16="http://schemas.microsoft.com/office/drawing/2014/main" id="{AEC7C3A5-2FBF-4E73-9EFD-5347055483B9}"/>
+                </a:ext>
+              </a:extLst>
+            </p:cNvPr>
+            <p:cNvCxnSpPr>
+              <a:stCxn id="59" idx="1"/>
+              <a:endCxn id="404" idx="3"/>
+            </p:cNvCxnSpPr>
+            <p:nvPr/>
+          </p:nvCxnSpPr>
+          <p:spPr>
+            <a:xfrm rot="10800000" flipV="1">
+              <a:off x="9199783" y="16956408"/>
+              <a:ext cx="436482" cy="860360"/>
+            </a:xfrm>
+            <a:prstGeom prst="bentConnector3">
+              <a:avLst/>
+            </a:prstGeom>
+            <a:ln>
+              <a:tailEnd type="triangle"/>
+            </a:ln>
+          </p:spPr>
+          <p:style>
+            <a:lnRef idx="1">
+              <a:schemeClr val="accent1"/>
+            </a:lnRef>
+            <a:fillRef idx="0">
+              <a:schemeClr val="accent1"/>
+            </a:fillRef>
+            <a:effectRef idx="0">
+              <a:schemeClr val="accent1"/>
+            </a:effectRef>
+            <a:fontRef idx="minor">
+              <a:schemeClr val="tx1"/>
+            </a:fontRef>
+          </p:style>
+        </p:cxnSp>
+        <p:cxnSp>
+          <p:nvCxnSpPr>
+            <p:cNvPr id="418" name="Connector: Elbow 417">
+              <a:extLst>
+                <a:ext uri="{FF2B5EF4-FFF2-40B4-BE49-F238E27FC236}">
+                  <a16:creationId xmlns:a16="http://schemas.microsoft.com/office/drawing/2014/main" id="{FEA76887-3DF0-44BF-A434-BDF403BA770E}"/>
+                </a:ext>
+              </a:extLst>
+            </p:cNvPr>
+            <p:cNvCxnSpPr>
+              <a:stCxn id="61" idx="1"/>
+              <a:endCxn id="404" idx="3"/>
+            </p:cNvCxnSpPr>
+            <p:nvPr/>
+          </p:nvCxnSpPr>
+          <p:spPr>
+            <a:xfrm rot="10800000" flipV="1">
+              <a:off x="9199783" y="17242968"/>
+              <a:ext cx="436482" cy="573800"/>
+            </a:xfrm>
+            <a:prstGeom prst="bentConnector3">
+              <a:avLst/>
+            </a:prstGeom>
+            <a:ln>
+              <a:tailEnd type="triangle"/>
+            </a:ln>
+          </p:spPr>
+          <p:style>
+            <a:lnRef idx="1">
+              <a:schemeClr val="accent1"/>
+            </a:lnRef>
+            <a:fillRef idx="0">
+              <a:schemeClr val="accent1"/>
+            </a:fillRef>
+            <a:effectRef idx="0">
+              <a:schemeClr val="accent1"/>
+            </a:effectRef>
+            <a:fontRef idx="minor">
+              <a:schemeClr val="tx1"/>
+            </a:fontRef>
+          </p:style>
+        </p:cxnSp>
+        <p:cxnSp>
+          <p:nvCxnSpPr>
+            <p:cNvPr id="420" name="Connector: Elbow 419">
+              <a:extLst>
+                <a:ext uri="{FF2B5EF4-FFF2-40B4-BE49-F238E27FC236}">
+                  <a16:creationId xmlns:a16="http://schemas.microsoft.com/office/drawing/2014/main" id="{3CC557A3-31B1-4574-9F77-4CA8F455E7CA}"/>
+                </a:ext>
+              </a:extLst>
+            </p:cNvPr>
+            <p:cNvCxnSpPr>
+              <a:stCxn id="60" idx="1"/>
+              <a:endCxn id="404" idx="3"/>
+            </p:cNvCxnSpPr>
+            <p:nvPr/>
+          </p:nvCxnSpPr>
+          <p:spPr>
+            <a:xfrm rot="10800000" flipV="1">
+              <a:off x="9199783" y="17529168"/>
+              <a:ext cx="436482" cy="287600"/>
+            </a:xfrm>
+            <a:prstGeom prst="bentConnector3">
+              <a:avLst/>
+            </a:prstGeom>
+            <a:ln>
+              <a:tailEnd type="triangle"/>
+            </a:ln>
+          </p:spPr>
+          <p:style>
+            <a:lnRef idx="1">
+              <a:schemeClr val="accent1"/>
+            </a:lnRef>
+            <a:fillRef idx="0">
+              <a:schemeClr val="accent1"/>
+            </a:fillRef>
+            <a:effectRef idx="0">
+              <a:schemeClr val="accent1"/>
+            </a:effectRef>
+            <a:fontRef idx="minor">
+              <a:schemeClr val="tx1"/>
+            </a:fontRef>
+          </p:style>
+        </p:cxnSp>
+        <p:cxnSp>
+          <p:nvCxnSpPr>
+            <p:cNvPr id="422" name="Connector: Elbow 421">
+              <a:extLst>
+                <a:ext uri="{FF2B5EF4-FFF2-40B4-BE49-F238E27FC236}">
+                  <a16:creationId xmlns:a16="http://schemas.microsoft.com/office/drawing/2014/main" id="{D9953634-66E5-43AD-B642-1DCFB833E7B0}"/>
+                </a:ext>
+              </a:extLst>
+            </p:cNvPr>
+            <p:cNvCxnSpPr>
+              <a:stCxn id="62" idx="1"/>
+              <a:endCxn id="404" idx="3"/>
+            </p:cNvCxnSpPr>
+            <p:nvPr/>
+          </p:nvCxnSpPr>
+          <p:spPr>
+            <a:xfrm rot="10800000" flipV="1">
+              <a:off x="9199783" y="17815008"/>
+              <a:ext cx="436482" cy="1760"/>
+            </a:xfrm>
+            <a:prstGeom prst="bentConnector3">
+              <a:avLst/>
+            </a:prstGeom>
+            <a:ln>
+              <a:tailEnd type="triangle"/>
+            </a:ln>
+          </p:spPr>
+          <p:style>
+            <a:lnRef idx="1">
+              <a:schemeClr val="accent1"/>
+            </a:lnRef>
+            <a:fillRef idx="0">
+              <a:schemeClr val="accent1"/>
+            </a:fillRef>
+            <a:effectRef idx="0">
+              <a:schemeClr val="accent1"/>
+            </a:effectRef>
+            <a:fontRef idx="minor">
+              <a:schemeClr val="tx1"/>
+            </a:fontRef>
+          </p:style>
+        </p:cxnSp>
+        <p:cxnSp>
+          <p:nvCxnSpPr>
+            <p:cNvPr id="424" name="Connector: Elbow 423">
+              <a:extLst>
+                <a:ext uri="{FF2B5EF4-FFF2-40B4-BE49-F238E27FC236}">
+                  <a16:creationId xmlns:a16="http://schemas.microsoft.com/office/drawing/2014/main" id="{CAEB5557-282C-4F35-9C2E-2E4E58A917C8}"/>
+                </a:ext>
+              </a:extLst>
+            </p:cNvPr>
+            <p:cNvCxnSpPr>
+              <a:stCxn id="63" idx="1"/>
+              <a:endCxn id="404" idx="3"/>
+            </p:cNvCxnSpPr>
+            <p:nvPr/>
+          </p:nvCxnSpPr>
+          <p:spPr>
+            <a:xfrm rot="10800000">
+              <a:off x="9199783" y="17816768"/>
+              <a:ext cx="436482" cy="289840"/>
+            </a:xfrm>
+            <a:prstGeom prst="bentConnector3">
+              <a:avLst/>
+            </a:prstGeom>
+            <a:ln>
+              <a:tailEnd type="triangle"/>
+            </a:ln>
+          </p:spPr>
+          <p:style>
+            <a:lnRef idx="1">
+              <a:schemeClr val="accent1"/>
+            </a:lnRef>
+            <a:fillRef idx="0">
+              <a:schemeClr val="accent1"/>
+            </a:fillRef>
+            <a:effectRef idx="0">
+              <a:schemeClr val="accent1"/>
+            </a:effectRef>
+            <a:fontRef idx="minor">
+              <a:schemeClr val="tx1"/>
+            </a:fontRef>
+          </p:style>
+        </p:cxnSp>
+        <p:cxnSp>
+          <p:nvCxnSpPr>
+            <p:cNvPr id="426" name="Connector: Elbow 425">
+              <a:extLst>
+                <a:ext uri="{FF2B5EF4-FFF2-40B4-BE49-F238E27FC236}">
+                  <a16:creationId xmlns:a16="http://schemas.microsoft.com/office/drawing/2014/main" id="{72174C41-9204-45E7-9068-315FD68812F4}"/>
+                </a:ext>
+              </a:extLst>
+            </p:cNvPr>
+            <p:cNvCxnSpPr>
+              <a:stCxn id="352" idx="1"/>
+              <a:endCxn id="59" idx="3"/>
+            </p:cNvCxnSpPr>
+            <p:nvPr/>
+          </p:nvCxnSpPr>
+          <p:spPr>
+            <a:xfrm rot="10800000" flipV="1">
+              <a:off x="12583226" y="16951644"/>
+              <a:ext cx="361441" cy="4763"/>
+            </a:xfrm>
+            <a:prstGeom prst="bentConnector3">
+              <a:avLst/>
+            </a:prstGeom>
+            <a:ln>
+              <a:tailEnd type="triangle"/>
+            </a:ln>
+          </p:spPr>
+          <p:style>
+            <a:lnRef idx="1">
+              <a:schemeClr val="accent1"/>
+            </a:lnRef>
+            <a:fillRef idx="0">
+              <a:schemeClr val="accent1"/>
+            </a:fillRef>
+            <a:effectRef idx="0">
+              <a:schemeClr val="accent1"/>
+            </a:effectRef>
+            <a:fontRef idx="minor">
+              <a:schemeClr val="tx1"/>
+            </a:fontRef>
+          </p:style>
+        </p:cxnSp>
+        <p:cxnSp>
+          <p:nvCxnSpPr>
+            <p:cNvPr id="428" name="Connector: Elbow 427">
+              <a:extLst>
+                <a:ext uri="{FF2B5EF4-FFF2-40B4-BE49-F238E27FC236}">
+                  <a16:creationId xmlns:a16="http://schemas.microsoft.com/office/drawing/2014/main" id="{945C110F-35E4-48F8-8310-7DD9829C9ACA}"/>
+                </a:ext>
+              </a:extLst>
+            </p:cNvPr>
+            <p:cNvCxnSpPr>
+              <a:stCxn id="353" idx="1"/>
+              <a:endCxn id="61" idx="3"/>
+            </p:cNvCxnSpPr>
+            <p:nvPr/>
+          </p:nvCxnSpPr>
+          <p:spPr>
+            <a:xfrm rot="10800000" flipV="1">
+              <a:off x="12583226" y="17238648"/>
+              <a:ext cx="361441" cy="4320"/>
+            </a:xfrm>
+            <a:prstGeom prst="bentConnector3">
+              <a:avLst/>
+            </a:prstGeom>
+            <a:ln>
+              <a:tailEnd type="triangle"/>
+            </a:ln>
+          </p:spPr>
+          <p:style>
+            <a:lnRef idx="1">
+              <a:schemeClr val="accent1"/>
+            </a:lnRef>
+            <a:fillRef idx="0">
+              <a:schemeClr val="accent1"/>
+            </a:fillRef>
+            <a:effectRef idx="0">
+              <a:schemeClr val="accent1"/>
+            </a:effectRef>
+            <a:fontRef idx="minor">
+              <a:schemeClr val="tx1"/>
+            </a:fontRef>
+          </p:style>
+        </p:cxnSp>
+        <p:cxnSp>
+          <p:nvCxnSpPr>
+            <p:cNvPr id="432" name="Connector: Elbow 431">
+              <a:extLst>
+                <a:ext uri="{FF2B5EF4-FFF2-40B4-BE49-F238E27FC236}">
+                  <a16:creationId xmlns:a16="http://schemas.microsoft.com/office/drawing/2014/main" id="{B995E563-9D37-4A12-8D5B-99A1C52C3015}"/>
+                </a:ext>
+              </a:extLst>
+            </p:cNvPr>
+            <p:cNvCxnSpPr>
+              <a:stCxn id="354" idx="1"/>
+              <a:endCxn id="60" idx="3"/>
+            </p:cNvCxnSpPr>
+            <p:nvPr/>
+          </p:nvCxnSpPr>
+          <p:spPr>
+            <a:xfrm rot="10800000" flipV="1">
+              <a:off x="12583226" y="17527188"/>
+              <a:ext cx="361441" cy="1980"/>
+            </a:xfrm>
+            <a:prstGeom prst="bentConnector3">
+              <a:avLst/>
+            </a:prstGeom>
+            <a:ln>
+              <a:tailEnd type="triangle"/>
+            </a:ln>
+          </p:spPr>
+          <p:style>
+            <a:lnRef idx="1">
+              <a:schemeClr val="accent1"/>
+            </a:lnRef>
+            <a:fillRef idx="0">
+              <a:schemeClr val="accent1"/>
+            </a:fillRef>
+            <a:effectRef idx="0">
+              <a:schemeClr val="accent1"/>
+            </a:effectRef>
+            <a:fontRef idx="minor">
+              <a:schemeClr val="tx1"/>
+            </a:fontRef>
+          </p:style>
+        </p:cxnSp>
+        <p:cxnSp>
+          <p:nvCxnSpPr>
+            <p:cNvPr id="434" name="Connector: Elbow 433">
+              <a:extLst>
+                <a:ext uri="{FF2B5EF4-FFF2-40B4-BE49-F238E27FC236}">
+                  <a16:creationId xmlns:a16="http://schemas.microsoft.com/office/drawing/2014/main" id="{17FA1561-8E18-438E-981D-9D0ED1366D5B}"/>
+                </a:ext>
+              </a:extLst>
+            </p:cNvPr>
+            <p:cNvCxnSpPr>
+              <a:stCxn id="355" idx="1"/>
+              <a:endCxn id="62" idx="3"/>
+            </p:cNvCxnSpPr>
+            <p:nvPr/>
+          </p:nvCxnSpPr>
+          <p:spPr>
+            <a:xfrm rot="10800000" flipV="1">
+              <a:off x="12583225" y="17814190"/>
+              <a:ext cx="361852" cy="817"/>
+            </a:xfrm>
+            <a:prstGeom prst="bentConnector3">
+              <a:avLst/>
+            </a:prstGeom>
+            <a:ln>
+              <a:tailEnd type="triangle"/>
+            </a:ln>
+          </p:spPr>
+          <p:style>
+            <a:lnRef idx="1">
+              <a:schemeClr val="accent1"/>
+            </a:lnRef>
+            <a:fillRef idx="0">
+              <a:schemeClr val="accent1"/>
+            </a:fillRef>
+            <a:effectRef idx="0">
+              <a:schemeClr val="accent1"/>
+            </a:effectRef>
+            <a:fontRef idx="minor">
+              <a:schemeClr val="tx1"/>
+            </a:fontRef>
+          </p:style>
+        </p:cxnSp>
+        <p:cxnSp>
+          <p:nvCxnSpPr>
+            <p:cNvPr id="436" name="Connector: Elbow 435">
+              <a:extLst>
+                <a:ext uri="{FF2B5EF4-FFF2-40B4-BE49-F238E27FC236}">
+                  <a16:creationId xmlns:a16="http://schemas.microsoft.com/office/drawing/2014/main" id="{66985F91-FEFC-4F3C-AA9C-28A37EFD2AD1}"/>
+                </a:ext>
+              </a:extLst>
+            </p:cNvPr>
+            <p:cNvCxnSpPr>
+              <a:stCxn id="356" idx="1"/>
+              <a:endCxn id="63" idx="3"/>
+            </p:cNvCxnSpPr>
+            <p:nvPr/>
+          </p:nvCxnSpPr>
+          <p:spPr>
+            <a:xfrm rot="10800000" flipV="1">
+              <a:off x="12583226" y="18104680"/>
+              <a:ext cx="361789" cy="1928"/>
+            </a:xfrm>
+            <a:prstGeom prst="bentConnector3">
+              <a:avLst/>
+            </a:prstGeom>
+            <a:ln>
+              <a:tailEnd type="triangle"/>
+            </a:ln>
+          </p:spPr>
+          <p:style>
+            <a:lnRef idx="1">
+              <a:schemeClr val="accent1"/>
+            </a:lnRef>
+            <a:fillRef idx="0">
+              <a:schemeClr val="accent1"/>
+            </a:fillRef>
+            <a:effectRef idx="0">
+              <a:schemeClr val="accent1"/>
+            </a:effectRef>
+            <a:fontRef idx="minor">
+              <a:schemeClr val="tx1"/>
+            </a:fontRef>
+          </p:style>
+        </p:cxnSp>
+      </p:grpSp>
+      <p:grpSp>
+        <p:nvGrpSpPr>
+          <p:cNvPr id="439" name="Group 438">
+            <a:extLst>
+              <a:ext uri="{FF2B5EF4-FFF2-40B4-BE49-F238E27FC236}">
+                <a16:creationId xmlns:a16="http://schemas.microsoft.com/office/drawing/2014/main" id="{CD66607B-4982-4E16-BD7E-5A20D1E935F1}"/>
+              </a:ext>
+            </a:extLst>
+          </p:cNvPr>
+          <p:cNvGrpSpPr/>
+          <p:nvPr/>
+        </p:nvGrpSpPr>
+        <p:grpSpPr>
+          <a:xfrm>
+            <a:off x="6153375" y="16190954"/>
+            <a:ext cx="1790700" cy="674421"/>
+            <a:chOff x="2236710" y="21405819"/>
+            <a:chExt cx="1790700" cy="674421"/>
+          </a:xfrm>
+        </p:grpSpPr>
+        <p:grpSp>
+          <p:nvGrpSpPr>
+            <p:cNvPr id="440" name="Group 439">
+              <a:extLst>
+                <a:ext uri="{FF2B5EF4-FFF2-40B4-BE49-F238E27FC236}">
+                  <a16:creationId xmlns:a16="http://schemas.microsoft.com/office/drawing/2014/main" id="{735BF596-693B-4254-B5A3-9D597AE775BC}"/>
+                </a:ext>
+              </a:extLst>
+            </p:cNvPr>
+            <p:cNvGrpSpPr/>
+            <p:nvPr/>
+          </p:nvGrpSpPr>
+          <p:grpSpPr>
+            <a:xfrm>
+              <a:off x="2236710" y="21405819"/>
+              <a:ext cx="1790700" cy="674421"/>
+              <a:chOff x="3734089" y="21415271"/>
+              <a:chExt cx="1790700" cy="674421"/>
+            </a:xfrm>
+          </p:grpSpPr>
+          <p:sp>
+            <p:nvSpPr>
+              <p:cNvPr id="442" name="CustomShape 37">
+                <a:extLst>
+                  <a:ext uri="{FF2B5EF4-FFF2-40B4-BE49-F238E27FC236}">
+                    <a16:creationId xmlns:a16="http://schemas.microsoft.com/office/drawing/2014/main" id="{A7BCA048-9F92-43C6-9FAF-80152821A86B}"/>
+                  </a:ext>
+                </a:extLst>
+              </p:cNvPr>
+              <p:cNvSpPr/>
+              <p:nvPr/>
+            </p:nvSpPr>
+            <p:spPr>
+              <a:xfrm>
+                <a:off x="3734089" y="21415271"/>
+                <a:ext cx="1790700" cy="674421"/>
+              </a:xfrm>
+              <a:prstGeom prst="rect">
+                <a:avLst/>
+              </a:prstGeom>
+              <a:solidFill>
+                <a:schemeClr val="accent6">
+                  <a:alpha val="50000"/>
+                </a:schemeClr>
+              </a:solidFill>
+              <a:ln w="0">
+                <a:noFill/>
+              </a:ln>
+            </p:spPr>
+            <p:style>
+              <a:lnRef idx="0">
+                <a:scrgbClr r="0" g="0" b="0"/>
+              </a:lnRef>
+              <a:fillRef idx="0">
+                <a:scrgbClr r="0" g="0" b="0"/>
+              </a:fillRef>
+              <a:effectRef idx="0">
+                <a:scrgbClr r="0" g="0" b="0"/>
+              </a:effectRef>
+              <a:fontRef idx="minor"/>
+            </p:style>
+          </p:sp>
+          <p:sp>
+            <p:nvSpPr>
+              <p:cNvPr id="443" name="CustomShape 137">
+                <a:extLst>
+                  <a:ext uri="{FF2B5EF4-FFF2-40B4-BE49-F238E27FC236}">
+                    <a16:creationId xmlns:a16="http://schemas.microsoft.com/office/drawing/2014/main" id="{1379E289-D047-4DC4-949C-E2C5954EA54A}"/>
+                  </a:ext>
+                </a:extLst>
+              </p:cNvPr>
+              <p:cNvSpPr/>
+              <p:nvPr/>
+            </p:nvSpPr>
+            <p:spPr>
+              <a:xfrm>
+                <a:off x="4059585" y="21463368"/>
+                <a:ext cx="1110217" cy="275545"/>
+              </a:xfrm>
+              <a:prstGeom prst="rect">
+                <a:avLst/>
+              </a:prstGeom>
+              <a:noFill/>
+              <a:ln w="0">
+                <a:noFill/>
+              </a:ln>
+            </p:spPr>
+            <p:style>
+              <a:lnRef idx="0">
+                <a:scrgbClr r="0" g="0" b="0"/>
+              </a:lnRef>
+              <a:fillRef idx="0">
+                <a:scrgbClr r="0" g="0" b="0"/>
+              </a:fillRef>
+              <a:effectRef idx="0">
+                <a:scrgbClr r="0" g="0" b="0"/>
+              </a:effectRef>
+              <a:fontRef idx="minor"/>
+            </p:style>
+            <p:txBody>
+              <a:bodyPr wrap="none" lIns="90000" tIns="45000" rIns="90000" bIns="45000">
+                <a:spAutoFit/>
+              </a:bodyPr>
+              <a:lstStyle/>
+              <a:p>
+                <a:pPr>
+                  <a:lnSpc>
+                    <a:spcPct val="100000"/>
+                  </a:lnSpc>
+                </a:pPr>
+                <a:r>
+                  <a:rPr lang="en-US" sz="1200" b="0" strike="noStrike" spc="-1" dirty="0" err="1">
+                    <a:solidFill>
+                      <a:srgbClr val="000000"/>
+                    </a:solidFill>
+                    <a:latin typeface="Courier New"/>
+                  </a:rPr>
+                  <a:t>breed.init</a:t>
+                </a:r>
+                <a:endParaRPr lang="en-US" sz="1200" b="0" strike="noStrike" spc="-1" dirty="0">
+                  <a:latin typeface="Arial"/>
+                </a:endParaRPr>
+              </a:p>
+            </p:txBody>
+          </p:sp>
+        </p:grpSp>
+        <p:sp>
+          <p:nvSpPr>
+            <p:cNvPr id="441" name="CustomShape 38">
+              <a:extLst>
+                <a:ext uri="{FF2B5EF4-FFF2-40B4-BE49-F238E27FC236}">
+                  <a16:creationId xmlns:a16="http://schemas.microsoft.com/office/drawing/2014/main" id="{D2464B10-7A7B-4123-97A6-B891E7DFE68B}"/>
+                </a:ext>
+              </a:extLst>
+            </p:cNvPr>
+            <p:cNvSpPr/>
+            <p:nvPr/>
+          </p:nvSpPr>
+          <p:spPr>
+            <a:xfrm>
+              <a:off x="2351009" y="21794045"/>
+              <a:ext cx="1543050" cy="182520"/>
+            </a:xfrm>
+            <a:prstGeom prst="rect">
+              <a:avLst/>
+            </a:prstGeom>
+            <a:solidFill>
+              <a:srgbClr val="ED7D31"/>
+            </a:solidFill>
+            <a:ln>
+              <a:solidFill>
+                <a:srgbClr val="AF5C24"/>
+              </a:solidFill>
+            </a:ln>
+          </p:spPr>
+          <p:style>
+            <a:lnRef idx="2">
+              <a:schemeClr val="accent2">
+                <a:shade val="50000"/>
+              </a:schemeClr>
+            </a:lnRef>
+            <a:fillRef idx="1">
+              <a:schemeClr val="accent2"/>
+            </a:fillRef>
+            <a:effectRef idx="0">
+              <a:schemeClr val="accent2"/>
+            </a:effectRef>
+            <a:fontRef idx="minor"/>
+          </p:style>
+          <p:txBody>
+            <a:bodyPr lIns="90000" tIns="45000" rIns="90000" bIns="45000" anchor="ctr">
+              <a:noAutofit/>
+            </a:bodyPr>
+            <a:lstStyle/>
+            <a:p>
+              <a:pPr algn="ctr">
+                <a:lnSpc>
+                  <a:spcPct val="100000"/>
+                </a:lnSpc>
+              </a:pPr>
+              <a:r>
+                <a:rPr lang="en-US" sz="1200" b="0" strike="noStrike" spc="-1" dirty="0" err="1">
+                  <a:solidFill>
+                    <a:srgbClr val="FFFFFF"/>
+                  </a:solidFill>
+                  <a:latin typeface="Calibri"/>
+                </a:rPr>
+                <a:t>InitializationOperator</a:t>
+              </a:r>
+              <a:endParaRPr lang="en-US" sz="1200" b="0" strike="noStrike" spc="-1" dirty="0">
+                <a:latin typeface="Arial"/>
+              </a:endParaRPr>
+            </a:p>
+          </p:txBody>
+        </p:sp>
+      </p:grpSp>
+      <p:grpSp>
+        <p:nvGrpSpPr>
+          <p:cNvPr id="445" name="Group 444">
+            <a:extLst>
+              <a:ext uri="{FF2B5EF4-FFF2-40B4-BE49-F238E27FC236}">
+                <a16:creationId xmlns:a16="http://schemas.microsoft.com/office/drawing/2014/main" id="{D1E9BA3E-1EA3-439D-BD12-897D614116FB}"/>
+              </a:ext>
+            </a:extLst>
+          </p:cNvPr>
+          <p:cNvGrpSpPr/>
+          <p:nvPr/>
+        </p:nvGrpSpPr>
+        <p:grpSpPr>
+          <a:xfrm>
+            <a:off x="14120746" y="18223376"/>
+            <a:ext cx="1790700" cy="674421"/>
+            <a:chOff x="2236710" y="21405819"/>
+            <a:chExt cx="1790700" cy="674421"/>
+          </a:xfrm>
+        </p:grpSpPr>
+        <p:grpSp>
+          <p:nvGrpSpPr>
+            <p:cNvPr id="446" name="Group 445">
+              <a:extLst>
+                <a:ext uri="{FF2B5EF4-FFF2-40B4-BE49-F238E27FC236}">
+                  <a16:creationId xmlns:a16="http://schemas.microsoft.com/office/drawing/2014/main" id="{0D7A424A-32B7-4424-B0ED-3527CFAEF8EB}"/>
+                </a:ext>
+              </a:extLst>
+            </p:cNvPr>
+            <p:cNvGrpSpPr/>
+            <p:nvPr/>
+          </p:nvGrpSpPr>
+          <p:grpSpPr>
+            <a:xfrm>
+              <a:off x="2236710" y="21405819"/>
+              <a:ext cx="1790700" cy="674421"/>
+              <a:chOff x="3734089" y="21415271"/>
+              <a:chExt cx="1790700" cy="674421"/>
+            </a:xfrm>
+          </p:grpSpPr>
+          <p:sp>
+            <p:nvSpPr>
+              <p:cNvPr id="448" name="CustomShape 37">
+                <a:extLst>
+                  <a:ext uri="{FF2B5EF4-FFF2-40B4-BE49-F238E27FC236}">
+                    <a16:creationId xmlns:a16="http://schemas.microsoft.com/office/drawing/2014/main" id="{4E1DCF18-28B5-4567-B106-42FC29544AF6}"/>
+                  </a:ext>
+                </a:extLst>
+              </p:cNvPr>
+              <p:cNvSpPr/>
+              <p:nvPr/>
+            </p:nvSpPr>
+            <p:spPr>
+              <a:xfrm>
+                <a:off x="3734089" y="21415271"/>
+                <a:ext cx="1790700" cy="674421"/>
+              </a:xfrm>
+              <a:prstGeom prst="rect">
+                <a:avLst/>
+              </a:prstGeom>
+              <a:solidFill>
+                <a:schemeClr val="accent6">
+                  <a:alpha val="50000"/>
+                </a:schemeClr>
+              </a:solidFill>
+              <a:ln w="0">
+                <a:noFill/>
+              </a:ln>
+            </p:spPr>
+            <p:style>
+              <a:lnRef idx="0">
+                <a:scrgbClr r="0" g="0" b="0"/>
+              </a:lnRef>
+              <a:fillRef idx="0">
+                <a:scrgbClr r="0" g="0" b="0"/>
+              </a:fillRef>
+              <a:effectRef idx="0">
+                <a:scrgbClr r="0" g="0" b="0"/>
+              </a:effectRef>
+              <a:fontRef idx="minor"/>
+            </p:style>
+          </p:sp>
+          <p:sp>
+            <p:nvSpPr>
+              <p:cNvPr id="449" name="CustomShape 137">
+                <a:extLst>
+                  <a:ext uri="{FF2B5EF4-FFF2-40B4-BE49-F238E27FC236}">
+                    <a16:creationId xmlns:a16="http://schemas.microsoft.com/office/drawing/2014/main" id="{5D8172A7-D8DE-49A2-960B-6AEFDF7068DF}"/>
+                  </a:ext>
+                </a:extLst>
+              </p:cNvPr>
+              <p:cNvSpPr/>
+              <p:nvPr/>
+            </p:nvSpPr>
+            <p:spPr>
+              <a:xfrm>
+                <a:off x="4059585" y="21463368"/>
+                <a:ext cx="1110217" cy="275545"/>
+              </a:xfrm>
+              <a:prstGeom prst="rect">
+                <a:avLst/>
+              </a:prstGeom>
+              <a:noFill/>
+              <a:ln w="0">
+                <a:noFill/>
+              </a:ln>
+            </p:spPr>
+            <p:style>
+              <a:lnRef idx="0">
+                <a:scrgbClr r="0" g="0" b="0"/>
+              </a:lnRef>
+              <a:fillRef idx="0">
+                <a:scrgbClr r="0" g="0" b="0"/>
+              </a:fillRef>
+              <a:effectRef idx="0">
+                <a:scrgbClr r="0" g="0" b="0"/>
+              </a:effectRef>
+              <a:fontRef idx="minor"/>
+            </p:style>
+            <p:txBody>
+              <a:bodyPr wrap="none" lIns="90000" tIns="45000" rIns="90000" bIns="45000">
+                <a:spAutoFit/>
+              </a:bodyPr>
+              <a:lstStyle/>
+              <a:p>
+                <a:pPr>
+                  <a:lnSpc>
+                    <a:spcPct val="100000"/>
+                  </a:lnSpc>
+                </a:pPr>
+                <a:r>
+                  <a:rPr lang="en-US" sz="1200" b="0" strike="noStrike" spc="-1" dirty="0" err="1">
+                    <a:solidFill>
+                      <a:srgbClr val="000000"/>
+                    </a:solidFill>
+                    <a:latin typeface="Courier New"/>
+                  </a:rPr>
+                  <a:t>breed.intg</a:t>
+                </a:r>
+                <a:endParaRPr lang="en-US" sz="1200" b="0" strike="noStrike" spc="-1" dirty="0">
+                  <a:latin typeface="Arial"/>
+                </a:endParaRPr>
+              </a:p>
+            </p:txBody>
+          </p:sp>
+        </p:grpSp>
+        <p:sp>
+          <p:nvSpPr>
+            <p:cNvPr id="447" name="CustomShape 38">
+              <a:extLst>
+                <a:ext uri="{FF2B5EF4-FFF2-40B4-BE49-F238E27FC236}">
+                  <a16:creationId xmlns:a16="http://schemas.microsoft.com/office/drawing/2014/main" id="{68F63EEC-DC0F-48E9-AF6F-387DCC4D89B0}"/>
+                </a:ext>
+              </a:extLst>
+            </p:cNvPr>
+            <p:cNvSpPr/>
+            <p:nvPr/>
+          </p:nvSpPr>
+          <p:spPr>
+            <a:xfrm>
+              <a:off x="2351009" y="21794045"/>
+              <a:ext cx="1543050" cy="182520"/>
+            </a:xfrm>
+            <a:prstGeom prst="rect">
+              <a:avLst/>
+            </a:prstGeom>
+            <a:solidFill>
+              <a:srgbClr val="ED7D31"/>
+            </a:solidFill>
+            <a:ln>
+              <a:solidFill>
+                <a:srgbClr val="AF5C24"/>
+              </a:solidFill>
+            </a:ln>
+          </p:spPr>
+          <p:style>
+            <a:lnRef idx="2">
+              <a:schemeClr val="accent2">
+                <a:shade val="50000"/>
+              </a:schemeClr>
+            </a:lnRef>
+            <a:fillRef idx="1">
+              <a:schemeClr val="accent2"/>
+            </a:fillRef>
+            <a:effectRef idx="0">
+              <a:schemeClr val="accent2"/>
+            </a:effectRef>
+            <a:fontRef idx="minor"/>
+          </p:style>
+          <p:txBody>
+            <a:bodyPr lIns="90000" tIns="45000" rIns="90000" bIns="45000" anchor="ctr">
+              <a:noAutofit/>
+            </a:bodyPr>
+            <a:lstStyle/>
+            <a:p>
+              <a:pPr algn="ctr">
+                <a:lnSpc>
+                  <a:spcPct val="100000"/>
+                </a:lnSpc>
+              </a:pPr>
+              <a:r>
+                <a:rPr lang="en-US" sz="1200" b="0" strike="noStrike" spc="-1" dirty="0" err="1">
+                  <a:solidFill>
+                    <a:srgbClr val="FFFFFF"/>
+                  </a:solidFill>
+                  <a:latin typeface="Calibri"/>
+                </a:rPr>
+                <a:t>IntegrationOperator</a:t>
+              </a:r>
+              <a:endParaRPr lang="en-US" sz="1200" b="0" strike="noStrike" spc="-1" dirty="0">
+                <a:latin typeface="Arial"/>
+              </a:endParaRPr>
+            </a:p>
+          </p:txBody>
+        </p:sp>
+      </p:grpSp>
+      <p:cxnSp>
+        <p:nvCxnSpPr>
+          <p:cNvPr id="451" name="Connector: Elbow 450">
+            <a:extLst>
+              <a:ext uri="{FF2B5EF4-FFF2-40B4-BE49-F238E27FC236}">
+                <a16:creationId xmlns:a16="http://schemas.microsoft.com/office/drawing/2014/main" id="{EB3EC12F-D1B8-4F96-97FB-02D24FFDD425}"/>
+              </a:ext>
+            </a:extLst>
+          </p:cNvPr>
+          <p:cNvCxnSpPr>
+            <a:stCxn id="75" idx="0"/>
+            <a:endCxn id="442" idx="3"/>
+          </p:cNvCxnSpPr>
+          <p:nvPr/>
+        </p:nvCxnSpPr>
+        <p:spPr>
+          <a:xfrm rot="16200000" flipV="1">
+            <a:off x="8703070" y="15769170"/>
+            <a:ext cx="1563666" cy="3081656"/>
+          </a:xfrm>
+          <a:prstGeom prst="bentConnector2">
             <a:avLst/>
           </a:prstGeom>
           <a:ln w="12700">
@@ -17453,25 +18152,25 @@
       </p:cxnSp>
       <p:cxnSp>
         <p:nvCxnSpPr>
-          <p:cNvPr id="403" name="Connector: Elbow 402">
+          <p:cNvPr id="453" name="Connector: Elbow 452">
             <a:extLst>
               <a:ext uri="{FF2B5EF4-FFF2-40B4-BE49-F238E27FC236}">
-                <a16:creationId xmlns:a16="http://schemas.microsoft.com/office/drawing/2014/main" id="{40C47262-5BC4-4187-9DD6-B214118C7604}"/>
+                <a16:creationId xmlns:a16="http://schemas.microsoft.com/office/drawing/2014/main" id="{E91788FF-9AA1-4309-B1AF-85E12A686D7E}"/>
               </a:ext>
             </a:extLst>
           </p:cNvPr>
           <p:cNvCxnSpPr>
-            <a:stCxn id="75" idx="3"/>
-            <a:endCxn id="360" idx="1"/>
+            <a:stCxn id="75" idx="0"/>
+            <a:endCxn id="57" idx="3"/>
           </p:cNvCxnSpPr>
           <p:nvPr/>
         </p:nvCxnSpPr>
         <p:spPr>
-          <a:xfrm flipV="1">
-            <a:off x="6483240" y="18866039"/>
-            <a:ext cx="835377" cy="252564"/>
+          <a:xfrm rot="16200000" flipV="1">
+            <a:off x="9339236" y="16405336"/>
+            <a:ext cx="291334" cy="3081656"/>
           </a:xfrm>
-          <a:prstGeom prst="bentConnector3">
+          <a:prstGeom prst="bentConnector2">
             <a:avLst/>
           </a:prstGeom>
           <a:ln w="12700">
@@ -17498,24 +18197,73 @@
       </p:cxnSp>
       <p:cxnSp>
         <p:nvCxnSpPr>
-          <p:cNvPr id="405" name="Connector: Elbow 404">
+          <p:cNvPr id="455" name="Connector: Elbow 454">
             <a:extLst>
               <a:ext uri="{FF2B5EF4-FFF2-40B4-BE49-F238E27FC236}">
-                <a16:creationId xmlns:a16="http://schemas.microsoft.com/office/drawing/2014/main" id="{24815807-0277-4233-A797-1522A9D69C01}"/>
+                <a16:creationId xmlns:a16="http://schemas.microsoft.com/office/drawing/2014/main" id="{1347D98F-8FE0-40CD-B733-4116B05321FF}"/>
               </a:ext>
             </a:extLst>
           </p:cNvPr>
           <p:cNvCxnSpPr>
-            <a:endCxn id="81" idx="1"/>
+            <a:stCxn id="75" idx="0"/>
+            <a:endCxn id="326" idx="3"/>
           </p:cNvCxnSpPr>
           <p:nvPr/>
         </p:nvCxnSpPr>
         <p:spPr>
-          <a:xfrm>
-            <a:off x="6483240" y="19118602"/>
-            <a:ext cx="831090" cy="702636"/>
+          <a:xfrm rot="16200000" flipH="1" flipV="1">
+            <a:off x="8840171" y="17191913"/>
+            <a:ext cx="1285642" cy="3085478"/>
           </a:xfrm>
-          <a:prstGeom prst="bentConnector3">
+          <a:prstGeom prst="bentConnector4">
+            <a:avLst>
+              <a:gd name="adj1" fmla="val -17781"/>
+              <a:gd name="adj2" fmla="val 92595"/>
+            </a:avLst>
+          </a:prstGeom>
+          <a:ln w="12700">
+            <a:solidFill>
+              <a:schemeClr val="accent6"/>
+            </a:solidFill>
+            <a:tailEnd type="triangle"/>
+          </a:ln>
+        </p:spPr>
+        <p:style>
+          <a:lnRef idx="1">
+            <a:schemeClr val="accent1"/>
+          </a:lnRef>
+          <a:fillRef idx="0">
+            <a:schemeClr val="accent1"/>
+          </a:fillRef>
+          <a:effectRef idx="0">
+            <a:schemeClr val="accent1"/>
+          </a:effectRef>
+          <a:fontRef idx="minor">
+            <a:schemeClr val="tx1"/>
+          </a:fontRef>
+        </p:style>
+      </p:cxnSp>
+      <p:cxnSp>
+        <p:nvCxnSpPr>
+          <p:cNvPr id="457" name="Connector: Elbow 456">
+            <a:extLst>
+              <a:ext uri="{FF2B5EF4-FFF2-40B4-BE49-F238E27FC236}">
+                <a16:creationId xmlns:a16="http://schemas.microsoft.com/office/drawing/2014/main" id="{166C145F-E42A-4F29-98C3-C6B8D8A4F8A0}"/>
+              </a:ext>
+            </a:extLst>
+          </p:cNvPr>
+          <p:cNvCxnSpPr>
+            <a:stCxn id="75" idx="0"/>
+            <a:endCxn id="395" idx="1"/>
+          </p:cNvCxnSpPr>
+          <p:nvPr/>
+        </p:nvCxnSpPr>
+        <p:spPr>
+          <a:xfrm rot="5400000" flipH="1" flipV="1">
+            <a:off x="11891072" y="15862158"/>
+            <a:ext cx="1364333" cy="3095015"/>
+          </a:xfrm>
+          <a:prstGeom prst="bentConnector2">
             <a:avLst/>
           </a:prstGeom>
           <a:ln w="12700">
@@ -17542,33 +18290,265 @@
       </p:cxnSp>
       <p:cxnSp>
         <p:nvCxnSpPr>
-          <p:cNvPr id="407" name="Connector: Elbow 406">
+          <p:cNvPr id="459" name="Connector: Elbow 458">
             <a:extLst>
               <a:ext uri="{FF2B5EF4-FFF2-40B4-BE49-F238E27FC236}">
-                <a16:creationId xmlns:a16="http://schemas.microsoft.com/office/drawing/2014/main" id="{81A859CA-B978-43CB-8A71-73A21C76DB2C}"/>
+                <a16:creationId xmlns:a16="http://schemas.microsoft.com/office/drawing/2014/main" id="{37E5E002-C39F-4D93-878B-C991B6CB68DD}"/>
               </a:ext>
             </a:extLst>
           </p:cNvPr>
           <p:cNvCxnSpPr>
-            <a:cxnSpLocks/>
-            <a:stCxn id="75" idx="3"/>
-            <a:endCxn id="326" idx="1"/>
+            <a:stCxn id="75" idx="0"/>
+            <a:endCxn id="81" idx="1"/>
           </p:cNvCxnSpPr>
           <p:nvPr/>
         </p:nvCxnSpPr>
         <p:spPr>
-          <a:xfrm>
-            <a:off x="6483240" y="19118603"/>
-            <a:ext cx="831090" cy="1932977"/>
+          <a:xfrm rot="5400000" flipH="1" flipV="1">
+            <a:off x="12348256" y="16318536"/>
+            <a:ext cx="450770" cy="3095821"/>
           </a:xfrm>
-          <a:prstGeom prst="bentConnector3">
+          <a:prstGeom prst="bentConnector2">
+            <a:avLst/>
+          </a:prstGeom>
+          <a:ln w="12700">
+            <a:solidFill>
+              <a:schemeClr val="accent6"/>
+            </a:solidFill>
+            <a:tailEnd type="triangle"/>
+          </a:ln>
+        </p:spPr>
+        <p:style>
+          <a:lnRef idx="1">
+            <a:schemeClr val="accent1"/>
+          </a:lnRef>
+          <a:fillRef idx="0">
+            <a:schemeClr val="accent1"/>
+          </a:fillRef>
+          <a:effectRef idx="0">
+            <a:schemeClr val="accent1"/>
+          </a:effectRef>
+          <a:fontRef idx="minor">
+            <a:schemeClr val="tx1"/>
+          </a:fontRef>
+        </p:style>
+      </p:cxnSp>
+      <p:cxnSp>
+        <p:nvCxnSpPr>
+          <p:cNvPr id="461" name="Connector: Elbow 460">
+            <a:extLst>
+              <a:ext uri="{FF2B5EF4-FFF2-40B4-BE49-F238E27FC236}">
+                <a16:creationId xmlns:a16="http://schemas.microsoft.com/office/drawing/2014/main" id="{84B0B31D-1395-4C7E-BD96-2091EB2548A3}"/>
+              </a:ext>
+            </a:extLst>
+          </p:cNvPr>
+          <p:cNvCxnSpPr>
+            <a:stCxn id="75" idx="0"/>
+            <a:endCxn id="448" idx="1"/>
+          </p:cNvCxnSpPr>
+          <p:nvPr/>
+        </p:nvCxnSpPr>
+        <p:spPr>
+          <a:xfrm rot="16200000" flipH="1">
+            <a:off x="12338860" y="16778702"/>
+            <a:ext cx="468756" cy="3095015"/>
+          </a:xfrm>
+          <a:prstGeom prst="bentConnector4">
             <a:avLst>
-              <a:gd name="adj1" fmla="val 50000"/>
+              <a:gd name="adj1" fmla="val -48767"/>
+              <a:gd name="adj2" fmla="val 92463"/>
             </a:avLst>
           </a:prstGeom>
           <a:ln w="12700">
             <a:solidFill>
               <a:schemeClr val="accent6"/>
+            </a:solidFill>
+            <a:tailEnd type="triangle"/>
+          </a:ln>
+        </p:spPr>
+        <p:style>
+          <a:lnRef idx="1">
+            <a:schemeClr val="accent1"/>
+          </a:lnRef>
+          <a:fillRef idx="0">
+            <a:schemeClr val="accent1"/>
+          </a:fillRef>
+          <a:effectRef idx="0">
+            <a:schemeClr val="accent1"/>
+          </a:effectRef>
+          <a:fontRef idx="minor">
+            <a:schemeClr val="tx1"/>
+          </a:fontRef>
+        </p:style>
+      </p:cxnSp>
+      <p:cxnSp>
+        <p:nvCxnSpPr>
+          <p:cNvPr id="463" name="Connector: Elbow 462">
+            <a:extLst>
+              <a:ext uri="{FF2B5EF4-FFF2-40B4-BE49-F238E27FC236}">
+                <a16:creationId xmlns:a16="http://schemas.microsoft.com/office/drawing/2014/main" id="{E78398E0-ED0F-45A6-921A-2CA9E7EB8E45}"/>
+              </a:ext>
+            </a:extLst>
+          </p:cNvPr>
+          <p:cNvCxnSpPr>
+            <a:stCxn id="75" idx="0"/>
+            <a:endCxn id="360" idx="1"/>
+          </p:cNvCxnSpPr>
+          <p:nvPr/>
+        </p:nvCxnSpPr>
+        <p:spPr>
+          <a:xfrm rot="16200000" flipH="1">
+            <a:off x="11888119" y="17229442"/>
+            <a:ext cx="1375331" cy="3100108"/>
+          </a:xfrm>
+          <a:prstGeom prst="bentConnector4">
+            <a:avLst>
+              <a:gd name="adj1" fmla="val -16621"/>
+              <a:gd name="adj2" fmla="val 92394"/>
+            </a:avLst>
+          </a:prstGeom>
+          <a:ln w="12700">
+            <a:solidFill>
+              <a:schemeClr val="accent6"/>
+            </a:solidFill>
+            <a:tailEnd type="triangle"/>
+          </a:ln>
+        </p:spPr>
+        <p:style>
+          <a:lnRef idx="1">
+            <a:schemeClr val="accent1"/>
+          </a:lnRef>
+          <a:fillRef idx="0">
+            <a:schemeClr val="accent1"/>
+          </a:fillRef>
+          <a:effectRef idx="0">
+            <a:schemeClr val="accent1"/>
+          </a:effectRef>
+          <a:fontRef idx="minor">
+            <a:schemeClr val="tx1"/>
+          </a:fontRef>
+        </p:style>
+      </p:cxnSp>
+      <p:cxnSp>
+        <p:nvCxnSpPr>
+          <p:cNvPr id="465" name="Connector: Elbow 464">
+            <a:extLst>
+              <a:ext uri="{FF2B5EF4-FFF2-40B4-BE49-F238E27FC236}">
+                <a16:creationId xmlns:a16="http://schemas.microsoft.com/office/drawing/2014/main" id="{C5D90A00-CB56-4261-BC58-0C2BDE621692}"/>
+              </a:ext>
+            </a:extLst>
+          </p:cNvPr>
+          <p:cNvCxnSpPr>
+            <a:stCxn id="41" idx="0"/>
+            <a:endCxn id="42" idx="2"/>
+          </p:cNvCxnSpPr>
+          <p:nvPr/>
+        </p:nvCxnSpPr>
+        <p:spPr>
+          <a:xfrm rot="16200000" flipV="1">
+            <a:off x="11128426" y="15717607"/>
+            <a:ext cx="465120" cy="2582"/>
+          </a:xfrm>
+          <a:prstGeom prst="bentConnector3">
+            <a:avLst/>
+          </a:prstGeom>
+          <a:ln w="12700">
+            <a:solidFill>
+              <a:schemeClr val="tx1"/>
+            </a:solidFill>
+            <a:tailEnd type="triangle"/>
+          </a:ln>
+        </p:spPr>
+        <p:style>
+          <a:lnRef idx="1">
+            <a:schemeClr val="accent1"/>
+          </a:lnRef>
+          <a:fillRef idx="0">
+            <a:schemeClr val="accent1"/>
+          </a:fillRef>
+          <a:effectRef idx="0">
+            <a:schemeClr val="accent1"/>
+          </a:effectRef>
+          <a:fontRef idx="minor">
+            <a:schemeClr val="tx1"/>
+          </a:fontRef>
+        </p:style>
+      </p:cxnSp>
+      <p:cxnSp>
+        <p:nvCxnSpPr>
+          <p:cNvPr id="467" name="Connector: Elbow 466">
+            <a:extLst>
+              <a:ext uri="{FF2B5EF4-FFF2-40B4-BE49-F238E27FC236}">
+                <a16:creationId xmlns:a16="http://schemas.microsoft.com/office/drawing/2014/main" id="{E67B6433-0EAC-4038-86A0-A24B1D6A6F1B}"/>
+              </a:ext>
+            </a:extLst>
+          </p:cNvPr>
+          <p:cNvCxnSpPr>
+            <a:stCxn id="41" idx="3"/>
+            <a:endCxn id="40" idx="3"/>
+          </p:cNvCxnSpPr>
+          <p:nvPr/>
+        </p:nvCxnSpPr>
+        <p:spPr>
+          <a:xfrm flipH="1" flipV="1">
+            <a:off x="20463926" y="5750131"/>
+            <a:ext cx="838214" cy="12838565"/>
+          </a:xfrm>
+          <a:prstGeom prst="bentConnector3">
+            <a:avLst>
+              <a:gd name="adj1" fmla="val -27272"/>
+            </a:avLst>
+          </a:prstGeom>
+          <a:ln w="12700">
+            <a:solidFill>
+              <a:schemeClr val="tx1"/>
+            </a:solidFill>
+            <a:tailEnd type="triangle"/>
+          </a:ln>
+        </p:spPr>
+        <p:style>
+          <a:lnRef idx="1">
+            <a:schemeClr val="accent1"/>
+          </a:lnRef>
+          <a:fillRef idx="0">
+            <a:schemeClr val="accent1"/>
+          </a:fillRef>
+          <a:effectRef idx="0">
+            <a:schemeClr val="accent1"/>
+          </a:effectRef>
+          <a:fontRef idx="minor">
+            <a:schemeClr val="tx1"/>
+          </a:fontRef>
+        </p:style>
+      </p:cxnSp>
+      <p:cxnSp>
+        <p:nvCxnSpPr>
+          <p:cNvPr id="469" name="Connector: Elbow 468">
+            <a:extLst>
+              <a:ext uri="{FF2B5EF4-FFF2-40B4-BE49-F238E27FC236}">
+                <a16:creationId xmlns:a16="http://schemas.microsoft.com/office/drawing/2014/main" id="{A23C9D33-5CEE-4C80-A594-0CA8FEE7429B}"/>
+              </a:ext>
+            </a:extLst>
+          </p:cNvPr>
+          <p:cNvCxnSpPr>
+            <a:stCxn id="41" idx="3"/>
+            <a:endCxn id="39" idx="3"/>
+          </p:cNvCxnSpPr>
+          <p:nvPr/>
+        </p:nvCxnSpPr>
+        <p:spPr>
+          <a:xfrm flipH="1" flipV="1">
+            <a:off x="14242599" y="1259100"/>
+            <a:ext cx="7059541" cy="17329596"/>
+          </a:xfrm>
+          <a:prstGeom prst="bentConnector3">
+            <a:avLst>
+              <a:gd name="adj1" fmla="val -3238"/>
+            </a:avLst>
+          </a:prstGeom>
+          <a:ln w="12700">
+            <a:solidFill>
+              <a:schemeClr val="tx1"/>
             </a:solidFill>
             <a:tailEnd type="triangle"/>
           </a:ln>
